--- a/Présentation.pptx
+++ b/Présentation.pptx
@@ -10,6 +10,7 @@
     <p:sldId id="258" r:id="rId4"/>
     <p:sldId id="259" r:id="rId5"/>
     <p:sldId id="260" r:id="rId6"/>
+    <p:sldId id="261" r:id="rId7"/>
   </p:sldIdLst>
   <p:sldSz cx="12192000" cy="6858000"/>
   <p:notesSz cx="6858000" cy="9144000"/>
@@ -108,6 +109,11 @@
       </a:defRPr>
     </a:lvl9pPr>
   </p:defaultTextStyle>
+  <p:extLst>
+    <p:ext uri="{EFAFB233-063F-42B5-8137-9DF3F51BA10A}">
+      <p15:sldGuideLst xmlns:p15="http://schemas.microsoft.com/office/powerpoint/2012/main"/>
+    </p:ext>
+  </p:extLst>
 </p:presentation>
 </file>
 
@@ -258,7 +264,7 @@
           <a:p>
             <a:fld id="{6059FE6A-2FE6-4909-8879-B2C5789DC49E}" type="datetimeFigureOut">
               <a:rPr lang="fr-FR" smtClean="0"/>
-              <a:t>21/11/2024</a:t>
+              <a:t>22/11/2024</a:t>
             </a:fld>
             <a:endParaRPr lang="fr-FR"/>
           </a:p>
@@ -456,7 +462,7 @@
           <a:p>
             <a:fld id="{6059FE6A-2FE6-4909-8879-B2C5789DC49E}" type="datetimeFigureOut">
               <a:rPr lang="fr-FR" smtClean="0"/>
-              <a:t>21/11/2024</a:t>
+              <a:t>22/11/2024</a:t>
             </a:fld>
             <a:endParaRPr lang="fr-FR"/>
           </a:p>
@@ -664,7 +670,7 @@
           <a:p>
             <a:fld id="{6059FE6A-2FE6-4909-8879-B2C5789DC49E}" type="datetimeFigureOut">
               <a:rPr lang="fr-FR" smtClean="0"/>
-              <a:t>21/11/2024</a:t>
+              <a:t>22/11/2024</a:t>
             </a:fld>
             <a:endParaRPr lang="fr-FR"/>
           </a:p>
@@ -862,7 +868,7 @@
           <a:p>
             <a:fld id="{6059FE6A-2FE6-4909-8879-B2C5789DC49E}" type="datetimeFigureOut">
               <a:rPr lang="fr-FR" smtClean="0"/>
-              <a:t>21/11/2024</a:t>
+              <a:t>22/11/2024</a:t>
             </a:fld>
             <a:endParaRPr lang="fr-FR"/>
           </a:p>
@@ -1137,7 +1143,7 @@
           <a:p>
             <a:fld id="{6059FE6A-2FE6-4909-8879-B2C5789DC49E}" type="datetimeFigureOut">
               <a:rPr lang="fr-FR" smtClean="0"/>
-              <a:t>21/11/2024</a:t>
+              <a:t>22/11/2024</a:t>
             </a:fld>
             <a:endParaRPr lang="fr-FR"/>
           </a:p>
@@ -1402,7 +1408,7 @@
           <a:p>
             <a:fld id="{6059FE6A-2FE6-4909-8879-B2C5789DC49E}" type="datetimeFigureOut">
               <a:rPr lang="fr-FR" smtClean="0"/>
-              <a:t>21/11/2024</a:t>
+              <a:t>22/11/2024</a:t>
             </a:fld>
             <a:endParaRPr lang="fr-FR"/>
           </a:p>
@@ -1814,7 +1820,7 @@
           <a:p>
             <a:fld id="{6059FE6A-2FE6-4909-8879-B2C5789DC49E}" type="datetimeFigureOut">
               <a:rPr lang="fr-FR" smtClean="0"/>
-              <a:t>21/11/2024</a:t>
+              <a:t>22/11/2024</a:t>
             </a:fld>
             <a:endParaRPr lang="fr-FR"/>
           </a:p>
@@ -1955,7 +1961,7 @@
           <a:p>
             <a:fld id="{6059FE6A-2FE6-4909-8879-B2C5789DC49E}" type="datetimeFigureOut">
               <a:rPr lang="fr-FR" smtClean="0"/>
-              <a:t>21/11/2024</a:t>
+              <a:t>22/11/2024</a:t>
             </a:fld>
             <a:endParaRPr lang="fr-FR"/>
           </a:p>
@@ -2068,7 +2074,7 @@
           <a:p>
             <a:fld id="{6059FE6A-2FE6-4909-8879-B2C5789DC49E}" type="datetimeFigureOut">
               <a:rPr lang="fr-FR" smtClean="0"/>
-              <a:t>21/11/2024</a:t>
+              <a:t>22/11/2024</a:t>
             </a:fld>
             <a:endParaRPr lang="fr-FR"/>
           </a:p>
@@ -2379,7 +2385,7 @@
           <a:p>
             <a:fld id="{6059FE6A-2FE6-4909-8879-B2C5789DC49E}" type="datetimeFigureOut">
               <a:rPr lang="fr-FR" smtClean="0"/>
-              <a:t>21/11/2024</a:t>
+              <a:t>22/11/2024</a:t>
             </a:fld>
             <a:endParaRPr lang="fr-FR"/>
           </a:p>
@@ -2667,7 +2673,7 @@
           <a:p>
             <a:fld id="{6059FE6A-2FE6-4909-8879-B2C5789DC49E}" type="datetimeFigureOut">
               <a:rPr lang="fr-FR" smtClean="0"/>
-              <a:t>21/11/2024</a:t>
+              <a:t>22/11/2024</a:t>
             </a:fld>
             <a:endParaRPr lang="fr-FR"/>
           </a:p>
@@ -2908,7 +2914,7 @@
           <a:p>
             <a:fld id="{6059FE6A-2FE6-4909-8879-B2C5789DC49E}" type="datetimeFigureOut">
               <a:rPr lang="fr-FR" smtClean="0"/>
-              <a:t>21/11/2024</a:t>
+              <a:t>22/11/2024</a:t>
             </a:fld>
             <a:endParaRPr lang="fr-FR"/>
           </a:p>
@@ -3657,6 +3663,76 @@
     <p:extLst>
       <p:ext uri="{BB962C8B-B14F-4D97-AF65-F5344CB8AC3E}">
         <p14:creationId xmlns:p14="http://schemas.microsoft.com/office/powerpoint/2010/main" val="2031193738"/>
+      </p:ext>
+    </p:extLst>
+  </p:cSld>
+  <p:clrMapOvr>
+    <a:masterClrMapping/>
+  </p:clrMapOvr>
+</p:sld>
+</file>
+
+<file path=ppt/slides/slide6.xml><?xml version="1.0" encoding="utf-8"?>
+<p:sld xmlns:a="http://schemas.openxmlformats.org/drawingml/2006/main" xmlns:r="http://schemas.openxmlformats.org/officeDocument/2006/relationships" xmlns:p="http://schemas.openxmlformats.org/presentationml/2006/main">
+  <p:cSld>
+    <p:bg>
+      <p:bgPr>
+        <a:solidFill>
+          <a:schemeClr val="bg1"/>
+        </a:solidFill>
+        <a:effectLst/>
+      </p:bgPr>
+    </p:bg>
+    <p:spTree>
+      <p:nvGrpSpPr>
+        <p:cNvPr id="1" name=""/>
+        <p:cNvGrpSpPr/>
+        <p:nvPr/>
+      </p:nvGrpSpPr>
+      <p:grpSpPr>
+        <a:xfrm>
+          <a:off x="0" y="0"/>
+          <a:ext cx="0" cy="0"/>
+          <a:chOff x="0" y="0"/>
+          <a:chExt cx="0" cy="0"/>
+        </a:xfrm>
+      </p:grpSpPr>
+      <p:pic>
+        <p:nvPicPr>
+          <p:cNvPr id="4" name="Espace réservé du contenu 3">
+            <a:extLst>
+              <a:ext uri="{FF2B5EF4-FFF2-40B4-BE49-F238E27FC236}">
+                <a16:creationId xmlns:a16="http://schemas.microsoft.com/office/drawing/2014/main" id="{E3AE605F-AB33-EFCE-32B2-A36C6FBB17EC}"/>
+              </a:ext>
+            </a:extLst>
+          </p:cNvPr>
+          <p:cNvPicPr>
+            <a:picLocks noGrp="1" noChangeAspect="1"/>
+          </p:cNvPicPr>
+          <p:nvPr>
+            <p:ph idx="1"/>
+          </p:nvPr>
+        </p:nvPicPr>
+        <p:blipFill>
+          <a:blip r:embed="rId2"/>
+          <a:stretch>
+            <a:fillRect/>
+          </a:stretch>
+        </p:blipFill>
+        <p:spPr>
+          <a:xfrm>
+            <a:off x="2262554" y="438912"/>
+            <a:ext cx="7752862" cy="6047232"/>
+          </a:xfrm>
+          <a:prstGeom prst="rect">
+            <a:avLst/>
+          </a:prstGeom>
+        </p:spPr>
+      </p:pic>
+    </p:spTree>
+    <p:extLst>
+      <p:ext uri="{BB962C8B-B14F-4D97-AF65-F5344CB8AC3E}">
+        <p14:creationId xmlns:p14="http://schemas.microsoft.com/office/powerpoint/2010/main" val="1996213175"/>
       </p:ext>
     </p:extLst>
   </p:cSld>

--- a/Présentation.pptx
+++ b/Présentation.pptx
@@ -4,6 +4,9 @@
   <p:sldMasterIdLst>
     <p:sldMasterId id="2147483648" r:id="rId1"/>
   </p:sldMasterIdLst>
+  <p:notesMasterIdLst>
+    <p:notesMasterId r:id="rId8"/>
+  </p:notesMasterIdLst>
   <p:sldIdLst>
     <p:sldId id="256" r:id="rId2"/>
     <p:sldId id="257" r:id="rId3"/>
@@ -115,6 +118,439 @@
     </p:ext>
   </p:extLst>
 </p:presentation>
+</file>
+
+<file path=ppt/notesMasters/notesMaster1.xml><?xml version="1.0" encoding="utf-8"?>
+<p:notesMaster xmlns:a="http://schemas.openxmlformats.org/drawingml/2006/main" xmlns:r="http://schemas.openxmlformats.org/officeDocument/2006/relationships" xmlns:p="http://schemas.openxmlformats.org/presentationml/2006/main">
+  <p:cSld>
+    <p:bg>
+      <p:bgRef idx="1001">
+        <a:schemeClr val="bg1"/>
+      </p:bgRef>
+    </p:bg>
+    <p:spTree>
+      <p:nvGrpSpPr>
+        <p:cNvPr id="1" name=""/>
+        <p:cNvGrpSpPr/>
+        <p:nvPr/>
+      </p:nvGrpSpPr>
+      <p:grpSpPr>
+        <a:xfrm>
+          <a:off x="0" y="0"/>
+          <a:ext cx="0" cy="0"/>
+          <a:chOff x="0" y="0"/>
+          <a:chExt cx="0" cy="0"/>
+        </a:xfrm>
+      </p:grpSpPr>
+      <p:sp>
+        <p:nvSpPr>
+          <p:cNvPr id="2" name="Espace réservé de l'en-tête 1"/>
+          <p:cNvSpPr>
+            <a:spLocks noGrp="1"/>
+          </p:cNvSpPr>
+          <p:nvPr>
+            <p:ph type="hdr" sz="quarter"/>
+          </p:nvPr>
+        </p:nvSpPr>
+        <p:spPr>
+          <a:xfrm>
+            <a:off x="0" y="0"/>
+            <a:ext cx="2971800" cy="458788"/>
+          </a:xfrm>
+          <a:prstGeom prst="rect">
+            <a:avLst/>
+          </a:prstGeom>
+        </p:spPr>
+        <p:txBody>
+          <a:bodyPr vert="horz" lIns="91440" tIns="45720" rIns="91440" bIns="45720" rtlCol="0"/>
+          <a:lstStyle>
+            <a:lvl1pPr algn="l">
+              <a:defRPr sz="1200"/>
+            </a:lvl1pPr>
+          </a:lstStyle>
+          <a:p>
+            <a:endParaRPr lang="fr-FR"/>
+          </a:p>
+        </p:txBody>
+      </p:sp>
+      <p:sp>
+        <p:nvSpPr>
+          <p:cNvPr id="3" name="Espace réservé de la date 2"/>
+          <p:cNvSpPr>
+            <a:spLocks noGrp="1"/>
+          </p:cNvSpPr>
+          <p:nvPr>
+            <p:ph type="dt" idx="1"/>
+          </p:nvPr>
+        </p:nvSpPr>
+        <p:spPr>
+          <a:xfrm>
+            <a:off x="3884613" y="0"/>
+            <a:ext cx="2971800" cy="458788"/>
+          </a:xfrm>
+          <a:prstGeom prst="rect">
+            <a:avLst/>
+          </a:prstGeom>
+        </p:spPr>
+        <p:txBody>
+          <a:bodyPr vert="horz" lIns="91440" tIns="45720" rIns="91440" bIns="45720" rtlCol="0"/>
+          <a:lstStyle>
+            <a:lvl1pPr algn="r">
+              <a:defRPr sz="1200"/>
+            </a:lvl1pPr>
+          </a:lstStyle>
+          <a:p>
+            <a:fld id="{0F575524-6B77-8C45-96C9-6A0C1860C1B9}" type="datetimeFigureOut">
+              <a:rPr lang="fr-FR" smtClean="0"/>
+              <a:t>22/11/2024</a:t>
+            </a:fld>
+            <a:endParaRPr lang="fr-FR"/>
+          </a:p>
+        </p:txBody>
+      </p:sp>
+      <p:sp>
+        <p:nvSpPr>
+          <p:cNvPr id="4" name="Espace réservé de l'image des diapositives 3"/>
+          <p:cNvSpPr>
+            <a:spLocks noGrp="1" noRot="1" noChangeAspect="1"/>
+          </p:cNvSpPr>
+          <p:nvPr>
+            <p:ph type="sldImg" idx="2"/>
+          </p:nvPr>
+        </p:nvSpPr>
+        <p:spPr>
+          <a:xfrm>
+            <a:off x="685800" y="1143000"/>
+            <a:ext cx="5486400" cy="3086100"/>
+          </a:xfrm>
+          <a:prstGeom prst="rect">
+            <a:avLst/>
+          </a:prstGeom>
+          <a:noFill/>
+          <a:ln w="12700">
+            <a:solidFill>
+              <a:prstClr val="black"/>
+            </a:solidFill>
+          </a:ln>
+        </p:spPr>
+        <p:txBody>
+          <a:bodyPr vert="horz" lIns="91440" tIns="45720" rIns="91440" bIns="45720" rtlCol="0" anchor="ctr"/>
+          <a:lstStyle/>
+          <a:p>
+            <a:endParaRPr lang="fr-FR"/>
+          </a:p>
+        </p:txBody>
+      </p:sp>
+      <p:sp>
+        <p:nvSpPr>
+          <p:cNvPr id="5" name="Espace réservé des notes 4"/>
+          <p:cNvSpPr>
+            <a:spLocks noGrp="1"/>
+          </p:cNvSpPr>
+          <p:nvPr>
+            <p:ph type="body" sz="quarter" idx="3"/>
+          </p:nvPr>
+        </p:nvSpPr>
+        <p:spPr>
+          <a:xfrm>
+            <a:off x="685800" y="4400550"/>
+            <a:ext cx="5486400" cy="3600450"/>
+          </a:xfrm>
+          <a:prstGeom prst="rect">
+            <a:avLst/>
+          </a:prstGeom>
+        </p:spPr>
+        <p:txBody>
+          <a:bodyPr vert="horz" lIns="91440" tIns="45720" rIns="91440" bIns="45720" rtlCol="0"/>
+          <a:lstStyle/>
+          <a:p>
+            <a:pPr lvl="0"/>
+            <a:r>
+              <a:rPr lang="fr-FR"/>
+              <a:t>Cliquez pour modifier les styles du texte du masque</a:t>
+            </a:r>
+          </a:p>
+          <a:p>
+            <a:pPr lvl="1"/>
+            <a:r>
+              <a:rPr lang="fr-FR"/>
+              <a:t>Deuxième niveau</a:t>
+            </a:r>
+          </a:p>
+          <a:p>
+            <a:pPr lvl="2"/>
+            <a:r>
+              <a:rPr lang="fr-FR"/>
+              <a:t>Troisième niveau</a:t>
+            </a:r>
+          </a:p>
+          <a:p>
+            <a:pPr lvl="3"/>
+            <a:r>
+              <a:rPr lang="fr-FR"/>
+              <a:t>Quatrième niveau</a:t>
+            </a:r>
+          </a:p>
+          <a:p>
+            <a:pPr lvl="4"/>
+            <a:r>
+              <a:rPr lang="fr-FR"/>
+              <a:t>Cinquième niveau</a:t>
+            </a:r>
+          </a:p>
+        </p:txBody>
+      </p:sp>
+      <p:sp>
+        <p:nvSpPr>
+          <p:cNvPr id="6" name="Espace réservé du pied de page 5"/>
+          <p:cNvSpPr>
+            <a:spLocks noGrp="1"/>
+          </p:cNvSpPr>
+          <p:nvPr>
+            <p:ph type="ftr" sz="quarter" idx="4"/>
+          </p:nvPr>
+        </p:nvSpPr>
+        <p:spPr>
+          <a:xfrm>
+            <a:off x="0" y="8685213"/>
+            <a:ext cx="2971800" cy="458787"/>
+          </a:xfrm>
+          <a:prstGeom prst="rect">
+            <a:avLst/>
+          </a:prstGeom>
+        </p:spPr>
+        <p:txBody>
+          <a:bodyPr vert="horz" lIns="91440" tIns="45720" rIns="91440" bIns="45720" rtlCol="0" anchor="b"/>
+          <a:lstStyle>
+            <a:lvl1pPr algn="l">
+              <a:defRPr sz="1200"/>
+            </a:lvl1pPr>
+          </a:lstStyle>
+          <a:p>
+            <a:endParaRPr lang="fr-FR"/>
+          </a:p>
+        </p:txBody>
+      </p:sp>
+      <p:sp>
+        <p:nvSpPr>
+          <p:cNvPr id="7" name="Espace réservé du numéro de diapositive 6"/>
+          <p:cNvSpPr>
+            <a:spLocks noGrp="1"/>
+          </p:cNvSpPr>
+          <p:nvPr>
+            <p:ph type="sldNum" sz="quarter" idx="5"/>
+          </p:nvPr>
+        </p:nvSpPr>
+        <p:spPr>
+          <a:xfrm>
+            <a:off x="3884613" y="8685213"/>
+            <a:ext cx="2971800" cy="458787"/>
+          </a:xfrm>
+          <a:prstGeom prst="rect">
+            <a:avLst/>
+          </a:prstGeom>
+        </p:spPr>
+        <p:txBody>
+          <a:bodyPr vert="horz" lIns="91440" tIns="45720" rIns="91440" bIns="45720" rtlCol="0" anchor="b"/>
+          <a:lstStyle>
+            <a:lvl1pPr algn="r">
+              <a:defRPr sz="1200"/>
+            </a:lvl1pPr>
+          </a:lstStyle>
+          <a:p>
+            <a:fld id="{AE5B8080-3B04-F341-8EDC-5C3379794A19}" type="slidenum">
+              <a:rPr lang="fr-FR" smtClean="0"/>
+              <a:t>‹N°›</a:t>
+            </a:fld>
+            <a:endParaRPr lang="fr-FR"/>
+          </a:p>
+        </p:txBody>
+      </p:sp>
+    </p:spTree>
+    <p:extLst>
+      <p:ext uri="{BB962C8B-B14F-4D97-AF65-F5344CB8AC3E}">
+        <p14:creationId xmlns:p14="http://schemas.microsoft.com/office/powerpoint/2010/main" val="2170240089"/>
+      </p:ext>
+    </p:extLst>
+  </p:cSld>
+  <p:clrMap bg1="lt1" tx1="dk1" bg2="lt2" tx2="dk2" accent1="accent1" accent2="accent2" accent3="accent3" accent4="accent4" accent5="accent5" accent6="accent6" hlink="hlink" folHlink="folHlink"/>
+  <p:notesStyle>
+    <a:lvl1pPr marL="0" algn="l" defTabSz="914400" rtl="0" eaLnBrk="1" latinLnBrk="0" hangingPunct="1">
+      <a:defRPr sz="1200" kern="1200">
+        <a:solidFill>
+          <a:schemeClr val="tx1"/>
+        </a:solidFill>
+        <a:latin typeface="+mn-lt"/>
+        <a:ea typeface="+mn-ea"/>
+        <a:cs typeface="+mn-cs"/>
+      </a:defRPr>
+    </a:lvl1pPr>
+    <a:lvl2pPr marL="457200" algn="l" defTabSz="914400" rtl="0" eaLnBrk="1" latinLnBrk="0" hangingPunct="1">
+      <a:defRPr sz="1200" kern="1200">
+        <a:solidFill>
+          <a:schemeClr val="tx1"/>
+        </a:solidFill>
+        <a:latin typeface="+mn-lt"/>
+        <a:ea typeface="+mn-ea"/>
+        <a:cs typeface="+mn-cs"/>
+      </a:defRPr>
+    </a:lvl2pPr>
+    <a:lvl3pPr marL="914400" algn="l" defTabSz="914400" rtl="0" eaLnBrk="1" latinLnBrk="0" hangingPunct="1">
+      <a:defRPr sz="1200" kern="1200">
+        <a:solidFill>
+          <a:schemeClr val="tx1"/>
+        </a:solidFill>
+        <a:latin typeface="+mn-lt"/>
+        <a:ea typeface="+mn-ea"/>
+        <a:cs typeface="+mn-cs"/>
+      </a:defRPr>
+    </a:lvl3pPr>
+    <a:lvl4pPr marL="1371600" algn="l" defTabSz="914400" rtl="0" eaLnBrk="1" latinLnBrk="0" hangingPunct="1">
+      <a:defRPr sz="1200" kern="1200">
+        <a:solidFill>
+          <a:schemeClr val="tx1"/>
+        </a:solidFill>
+        <a:latin typeface="+mn-lt"/>
+        <a:ea typeface="+mn-ea"/>
+        <a:cs typeface="+mn-cs"/>
+      </a:defRPr>
+    </a:lvl4pPr>
+    <a:lvl5pPr marL="1828800" algn="l" defTabSz="914400" rtl="0" eaLnBrk="1" latinLnBrk="0" hangingPunct="1">
+      <a:defRPr sz="1200" kern="1200">
+        <a:solidFill>
+          <a:schemeClr val="tx1"/>
+        </a:solidFill>
+        <a:latin typeface="+mn-lt"/>
+        <a:ea typeface="+mn-ea"/>
+        <a:cs typeface="+mn-cs"/>
+      </a:defRPr>
+    </a:lvl5pPr>
+    <a:lvl6pPr marL="2286000" algn="l" defTabSz="914400" rtl="0" eaLnBrk="1" latinLnBrk="0" hangingPunct="1">
+      <a:defRPr sz="1200" kern="1200">
+        <a:solidFill>
+          <a:schemeClr val="tx1"/>
+        </a:solidFill>
+        <a:latin typeface="+mn-lt"/>
+        <a:ea typeface="+mn-ea"/>
+        <a:cs typeface="+mn-cs"/>
+      </a:defRPr>
+    </a:lvl6pPr>
+    <a:lvl7pPr marL="2743200" algn="l" defTabSz="914400" rtl="0" eaLnBrk="1" latinLnBrk="0" hangingPunct="1">
+      <a:defRPr sz="1200" kern="1200">
+        <a:solidFill>
+          <a:schemeClr val="tx1"/>
+        </a:solidFill>
+        <a:latin typeface="+mn-lt"/>
+        <a:ea typeface="+mn-ea"/>
+        <a:cs typeface="+mn-cs"/>
+      </a:defRPr>
+    </a:lvl7pPr>
+    <a:lvl8pPr marL="3200400" algn="l" defTabSz="914400" rtl="0" eaLnBrk="1" latinLnBrk="0" hangingPunct="1">
+      <a:defRPr sz="1200" kern="1200">
+        <a:solidFill>
+          <a:schemeClr val="tx1"/>
+        </a:solidFill>
+        <a:latin typeface="+mn-lt"/>
+        <a:ea typeface="+mn-ea"/>
+        <a:cs typeface="+mn-cs"/>
+      </a:defRPr>
+    </a:lvl8pPr>
+    <a:lvl9pPr marL="3657600" algn="l" defTabSz="914400" rtl="0" eaLnBrk="1" latinLnBrk="0" hangingPunct="1">
+      <a:defRPr sz="1200" kern="1200">
+        <a:solidFill>
+          <a:schemeClr val="tx1"/>
+        </a:solidFill>
+        <a:latin typeface="+mn-lt"/>
+        <a:ea typeface="+mn-ea"/>
+        <a:cs typeface="+mn-cs"/>
+      </a:defRPr>
+    </a:lvl9pPr>
+  </p:notesStyle>
+</p:notesMaster>
+</file>
+
+<file path=ppt/notesSlides/notesSlide1.xml><?xml version="1.0" encoding="utf-8"?>
+<p:notes xmlns:a="http://schemas.openxmlformats.org/drawingml/2006/main" xmlns:r="http://schemas.openxmlformats.org/officeDocument/2006/relationships" xmlns:p="http://schemas.openxmlformats.org/presentationml/2006/main">
+  <p:cSld>
+    <p:spTree>
+      <p:nvGrpSpPr>
+        <p:cNvPr id="1" name=""/>
+        <p:cNvGrpSpPr/>
+        <p:nvPr/>
+      </p:nvGrpSpPr>
+      <p:grpSpPr>
+        <a:xfrm>
+          <a:off x="0" y="0"/>
+          <a:ext cx="0" cy="0"/>
+          <a:chOff x="0" y="0"/>
+          <a:chExt cx="0" cy="0"/>
+        </a:xfrm>
+      </p:grpSpPr>
+      <p:sp>
+        <p:nvSpPr>
+          <p:cNvPr id="2" name="Espace réservé de l'image des diapositives 1"/>
+          <p:cNvSpPr>
+            <a:spLocks noGrp="1" noRot="1" noChangeAspect="1"/>
+          </p:cNvSpPr>
+          <p:nvPr>
+            <p:ph type="sldImg"/>
+          </p:nvPr>
+        </p:nvSpPr>
+        <p:spPr/>
+      </p:sp>
+      <p:sp>
+        <p:nvSpPr>
+          <p:cNvPr id="3" name="Espace réservé des notes 2"/>
+          <p:cNvSpPr>
+            <a:spLocks noGrp="1"/>
+          </p:cNvSpPr>
+          <p:nvPr>
+            <p:ph type="body" idx="1"/>
+          </p:nvPr>
+        </p:nvSpPr>
+        <p:spPr/>
+        <p:txBody>
+          <a:bodyPr/>
+          <a:lstStyle/>
+          <a:p>
+            <a:endParaRPr lang="fr-FR"/>
+          </a:p>
+        </p:txBody>
+      </p:sp>
+      <p:sp>
+        <p:nvSpPr>
+          <p:cNvPr id="4" name="Espace réservé du numéro de diapositive 3"/>
+          <p:cNvSpPr>
+            <a:spLocks noGrp="1"/>
+          </p:cNvSpPr>
+          <p:nvPr>
+            <p:ph type="sldNum" sz="quarter" idx="5"/>
+          </p:nvPr>
+        </p:nvSpPr>
+        <p:spPr/>
+        <p:txBody>
+          <a:bodyPr/>
+          <a:lstStyle/>
+          <a:p>
+            <a:fld id="{AE5B8080-3B04-F341-8EDC-5C3379794A19}" type="slidenum">
+              <a:rPr lang="fr-FR" smtClean="0"/>
+              <a:t>6</a:t>
+            </a:fld>
+            <a:endParaRPr lang="fr-FR"/>
+          </a:p>
+        </p:txBody>
+      </p:sp>
+    </p:spTree>
+    <p:extLst>
+      <p:ext uri="{BB962C8B-B14F-4D97-AF65-F5344CB8AC3E}">
+        <p14:creationId xmlns:p14="http://schemas.microsoft.com/office/powerpoint/2010/main" val="1210462619"/>
+      </p:ext>
+    </p:extLst>
+  </p:cSld>
+  <p:clrMapOvr>
+    <a:masterClrMapping/>
+  </p:clrMapOvr>
+</p:notes>
 </file>
 
 <file path=ppt/slideLayouts/slideLayout1.xml><?xml version="1.0" encoding="utf-8"?>
@@ -3352,7 +3788,17 @@
           <a:bodyPr/>
           <a:lstStyle/>
           <a:p>
-            <a:endParaRPr lang="fr-FR"/>
+            <a:r>
+              <a:rPr lang="fr-FR" dirty="0"/>
+              <a:t>Data Visualisation:</a:t>
+            </a:r>
+            <a:br>
+              <a:rPr lang="fr-FR" dirty="0"/>
+            </a:br>
+            <a:r>
+              <a:rPr lang="fr-FR" dirty="0"/>
+              <a:t>Réussite du Brevet en France</a:t>
+            </a:r>
           </a:p>
         </p:txBody>
       </p:sp>
@@ -3435,7 +3881,46 @@
           <a:bodyPr/>
           <a:lstStyle/>
           <a:p>
-            <a:endParaRPr lang="fr-FR"/>
+            <a:r>
+              <a:rPr lang="fr-FR" dirty="0"/>
+              <a:t>Données disponibles sur </a:t>
+            </a:r>
+            <a:r>
+              <a:rPr lang="fr-FR" dirty="0" err="1"/>
+              <a:t>data.gouv.fr</a:t>
+            </a:r>
+            <a:endParaRPr lang="fr-FR" dirty="0"/>
+          </a:p>
+          <a:p>
+            <a:endParaRPr lang="fr-FR" dirty="0"/>
+          </a:p>
+          <a:p>
+            <a:r>
+              <a:rPr lang="fr-FR" dirty="0"/>
+              <a:t>Tous les ans, les données sur le brevet de tous les établissements publics sont partagées </a:t>
+            </a:r>
+          </a:p>
+          <a:p>
+            <a:endParaRPr lang="fr-FR" dirty="0"/>
+          </a:p>
+          <a:p>
+            <a:r>
+              <a:rPr lang="fr-FR" dirty="0"/>
+              <a:t>Permet </a:t>
+            </a:r>
+            <a:r>
+              <a:rPr lang="fr-FR"/>
+              <a:t>un suivi </a:t>
+            </a:r>
+            <a:r>
+              <a:rPr lang="fr-FR" dirty="0"/>
+              <a:t>du niveau </a:t>
+            </a:r>
+            <a:r>
+              <a:rPr lang="fr-FR"/>
+              <a:t>des élèves</a:t>
+            </a:r>
+            <a:endParaRPr lang="fr-FR" dirty="0"/>
           </a:p>
         </p:txBody>
       </p:sp>
@@ -3697,32 +4182,55 @@
           <a:chExt cx="0" cy="0"/>
         </a:xfrm>
       </p:grpSpPr>
+      <p:sp>
+        <p:nvSpPr>
+          <p:cNvPr id="10" name="Espace réservé du contenu 9">
+            <a:extLst>
+              <a:ext uri="{FF2B5EF4-FFF2-40B4-BE49-F238E27FC236}">
+                <a16:creationId xmlns:a16="http://schemas.microsoft.com/office/drawing/2014/main" id="{94F95A54-1484-79E0-68D7-74BA4AFD8FFF}"/>
+              </a:ext>
+            </a:extLst>
+          </p:cNvPr>
+          <p:cNvSpPr>
+            <a:spLocks noGrp="1"/>
+          </p:cNvSpPr>
+          <p:nvPr>
+            <p:ph idx="1"/>
+          </p:nvPr>
+        </p:nvSpPr>
+        <p:spPr/>
+        <p:txBody>
+          <a:bodyPr/>
+          <a:lstStyle/>
+          <a:p>
+            <a:endParaRPr lang="fr-FR"/>
+          </a:p>
+        </p:txBody>
+      </p:sp>
       <p:pic>
         <p:nvPicPr>
-          <p:cNvPr id="4" name="Espace réservé du contenu 3">
-            <a:extLst>
-              <a:ext uri="{FF2B5EF4-FFF2-40B4-BE49-F238E27FC236}">
-                <a16:creationId xmlns:a16="http://schemas.microsoft.com/office/drawing/2014/main" id="{E3AE605F-AB33-EFCE-32B2-A36C6FBB17EC}"/>
+          <p:cNvPr id="11" name="Image 10">
+            <a:extLst>
+              <a:ext uri="{FF2B5EF4-FFF2-40B4-BE49-F238E27FC236}">
+                <a16:creationId xmlns:a16="http://schemas.microsoft.com/office/drawing/2014/main" id="{E95ABC50-B16D-B5E5-6F2A-46EB67772727}"/>
               </a:ext>
             </a:extLst>
           </p:cNvPr>
           <p:cNvPicPr>
-            <a:picLocks noGrp="1" noChangeAspect="1"/>
+            <a:picLocks noChangeAspect="1"/>
           </p:cNvPicPr>
-          <p:nvPr>
-            <p:ph idx="1"/>
-          </p:nvPr>
+          <p:nvPr/>
         </p:nvPicPr>
         <p:blipFill>
-          <a:blip r:embed="rId2"/>
+          <a:blip r:embed="rId3"/>
           <a:stretch>
             <a:fillRect/>
           </a:stretch>
         </p:blipFill>
         <p:spPr>
           <a:xfrm>
-            <a:off x="2262554" y="438912"/>
-            <a:ext cx="7752862" cy="6047232"/>
+            <a:off x="170687" y="116931"/>
+            <a:ext cx="12151331" cy="6624137"/>
           </a:xfrm>
           <a:prstGeom prst="rect">
             <a:avLst/>
@@ -4055,4 +4563,319 @@
     </a:ext>
   </a:extLst>
 </a:theme>
+</file>
+
+<file path=ppt/theme/theme2.xml><?xml version="1.0" encoding="utf-8"?>
+<a:theme xmlns:a="http://schemas.openxmlformats.org/drawingml/2006/main" name="Thème Office">
+  <a:themeElements>
+    <a:clrScheme name="Office">
+      <a:dk1>
+        <a:sysClr val="windowText" lastClr="000000"/>
+      </a:dk1>
+      <a:lt1>
+        <a:sysClr val="window" lastClr="FFFFFF"/>
+      </a:lt1>
+      <a:dk2>
+        <a:srgbClr val="0E2841"/>
+      </a:dk2>
+      <a:lt2>
+        <a:srgbClr val="E8E8E8"/>
+      </a:lt2>
+      <a:accent1>
+        <a:srgbClr val="156082"/>
+      </a:accent1>
+      <a:accent2>
+        <a:srgbClr val="E97132"/>
+      </a:accent2>
+      <a:accent3>
+        <a:srgbClr val="196B24"/>
+      </a:accent3>
+      <a:accent4>
+        <a:srgbClr val="0F9ED5"/>
+      </a:accent4>
+      <a:accent5>
+        <a:srgbClr val="A02B93"/>
+      </a:accent5>
+      <a:accent6>
+        <a:srgbClr val="4EA72E"/>
+      </a:accent6>
+      <a:hlink>
+        <a:srgbClr val="467886"/>
+      </a:hlink>
+      <a:folHlink>
+        <a:srgbClr val="96607D"/>
+      </a:folHlink>
+    </a:clrScheme>
+    <a:fontScheme name="Office">
+      <a:majorFont>
+        <a:latin typeface="Aptos Display" panose="02110004020202020204"/>
+        <a:ea typeface=""/>
+        <a:cs typeface=""/>
+        <a:font script="Jpan" typeface="游ゴシック Light"/>
+        <a:font script="Hang" typeface="맑은 고딕"/>
+        <a:font script="Hans" typeface="等线 Light"/>
+        <a:font script="Hant" typeface="新細明體"/>
+        <a:font script="Arab" typeface="Times New Roman"/>
+        <a:font script="Hebr" typeface="Times New Roman"/>
+        <a:font script="Thai" typeface="Angsana New"/>
+        <a:font script="Ethi" typeface="Nyala"/>
+        <a:font script="Beng" typeface="Vrinda"/>
+        <a:font script="Gujr" typeface="Shruti"/>
+        <a:font script="Khmr" typeface="MoolBoran"/>
+        <a:font script="Knda" typeface="Tunga"/>
+        <a:font script="Guru" typeface="Raavi"/>
+        <a:font script="Cans" typeface="Euphemia"/>
+        <a:font script="Cher" typeface="Plantagenet Cherokee"/>
+        <a:font script="Yiii" typeface="Microsoft Yi Baiti"/>
+        <a:font script="Tibt" typeface="Microsoft Himalaya"/>
+        <a:font script="Thaa" typeface="MV Boli"/>
+        <a:font script="Deva" typeface="Mangal"/>
+        <a:font script="Telu" typeface="Gautami"/>
+        <a:font script="Taml" typeface="Latha"/>
+        <a:font script="Syrc" typeface="Estrangelo Edessa"/>
+        <a:font script="Orya" typeface="Kalinga"/>
+        <a:font script="Mlym" typeface="Kartika"/>
+        <a:font script="Laoo" typeface="DokChampa"/>
+        <a:font script="Sinh" typeface="Iskoola Pota"/>
+        <a:font script="Mong" typeface="Mongolian Baiti"/>
+        <a:font script="Viet" typeface="Times New Roman"/>
+        <a:font script="Uigh" typeface="Microsoft Uighur"/>
+        <a:font script="Geor" typeface="Sylfaen"/>
+        <a:font script="Armn" typeface="Arial"/>
+        <a:font script="Bugi" typeface="Leelawadee UI"/>
+        <a:font script="Bopo" typeface="Microsoft JhengHei"/>
+        <a:font script="Java" typeface="Javanese Text"/>
+        <a:font script="Lisu" typeface="Segoe UI"/>
+        <a:font script="Mymr" typeface="Myanmar Text"/>
+        <a:font script="Nkoo" typeface="Ebrima"/>
+        <a:font script="Olck" typeface="Nirmala UI"/>
+        <a:font script="Osma" typeface="Ebrima"/>
+        <a:font script="Phag" typeface="Phagspa"/>
+        <a:font script="Syrn" typeface="Estrangelo Edessa"/>
+        <a:font script="Syrj" typeface="Estrangelo Edessa"/>
+        <a:font script="Syre" typeface="Estrangelo Edessa"/>
+        <a:font script="Sora" typeface="Nirmala UI"/>
+        <a:font script="Tale" typeface="Microsoft Tai Le"/>
+        <a:font script="Talu" typeface="Microsoft New Tai Lue"/>
+        <a:font script="Tfng" typeface="Ebrima"/>
+      </a:majorFont>
+      <a:minorFont>
+        <a:latin typeface="Aptos" panose="02110004020202020204"/>
+        <a:ea typeface=""/>
+        <a:cs typeface=""/>
+        <a:font script="Jpan" typeface="游ゴシック"/>
+        <a:font script="Hang" typeface="맑은 고딕"/>
+        <a:font script="Hans" typeface="等线"/>
+        <a:font script="Hant" typeface="新細明體"/>
+        <a:font script="Arab" typeface="Arial"/>
+        <a:font script="Hebr" typeface="Arial"/>
+        <a:font script="Thai" typeface="Cordia New"/>
+        <a:font script="Ethi" typeface="Nyala"/>
+        <a:font script="Beng" typeface="Vrinda"/>
+        <a:font script="Gujr" typeface="Shruti"/>
+        <a:font script="Khmr" typeface="DaunPenh"/>
+        <a:font script="Knda" typeface="Tunga"/>
+        <a:font script="Guru" typeface="Raavi"/>
+        <a:font script="Cans" typeface="Euphemia"/>
+        <a:font script="Cher" typeface="Plantagenet Cherokee"/>
+        <a:font script="Yiii" typeface="Microsoft Yi Baiti"/>
+        <a:font script="Tibt" typeface="Microsoft Himalaya"/>
+        <a:font script="Thaa" typeface="MV Boli"/>
+        <a:font script="Deva" typeface="Mangal"/>
+        <a:font script="Telu" typeface="Gautami"/>
+        <a:font script="Taml" typeface="Latha"/>
+        <a:font script="Syrc" typeface="Estrangelo Edessa"/>
+        <a:font script="Orya" typeface="Kalinga"/>
+        <a:font script="Mlym" typeface="Kartika"/>
+        <a:font script="Laoo" typeface="DokChampa"/>
+        <a:font script="Sinh" typeface="Iskoola Pota"/>
+        <a:font script="Mong" typeface="Mongolian Baiti"/>
+        <a:font script="Viet" typeface="Arial"/>
+        <a:font script="Uigh" typeface="Microsoft Uighur"/>
+        <a:font script="Geor" typeface="Sylfaen"/>
+        <a:font script="Armn" typeface="Arial"/>
+        <a:font script="Bugi" typeface="Leelawadee UI"/>
+        <a:font script="Bopo" typeface="Microsoft JhengHei"/>
+        <a:font script="Java" typeface="Javanese Text"/>
+        <a:font script="Lisu" typeface="Segoe UI"/>
+        <a:font script="Mymr" typeface="Myanmar Text"/>
+        <a:font script="Nkoo" typeface="Ebrima"/>
+        <a:font script="Olck" typeface="Nirmala UI"/>
+        <a:font script="Osma" typeface="Ebrima"/>
+        <a:font script="Phag" typeface="Phagspa"/>
+        <a:font script="Syrn" typeface="Estrangelo Edessa"/>
+        <a:font script="Syrj" typeface="Estrangelo Edessa"/>
+        <a:font script="Syre" typeface="Estrangelo Edessa"/>
+        <a:font script="Sora" typeface="Nirmala UI"/>
+        <a:font script="Tale" typeface="Microsoft Tai Le"/>
+        <a:font script="Talu" typeface="Microsoft New Tai Lue"/>
+        <a:font script="Tfng" typeface="Ebrima"/>
+      </a:minorFont>
+    </a:fontScheme>
+    <a:fmtScheme name="Office">
+      <a:fillStyleLst>
+        <a:solidFill>
+          <a:schemeClr val="phClr"/>
+        </a:solidFill>
+        <a:gradFill rotWithShape="1">
+          <a:gsLst>
+            <a:gs pos="0">
+              <a:schemeClr val="phClr">
+                <a:lumMod val="110000"/>
+                <a:satMod val="105000"/>
+                <a:tint val="67000"/>
+              </a:schemeClr>
+            </a:gs>
+            <a:gs pos="50000">
+              <a:schemeClr val="phClr">
+                <a:lumMod val="105000"/>
+                <a:satMod val="103000"/>
+                <a:tint val="73000"/>
+              </a:schemeClr>
+            </a:gs>
+            <a:gs pos="100000">
+              <a:schemeClr val="phClr">
+                <a:lumMod val="105000"/>
+                <a:satMod val="109000"/>
+                <a:tint val="81000"/>
+              </a:schemeClr>
+            </a:gs>
+          </a:gsLst>
+          <a:lin ang="5400000" scaled="0"/>
+        </a:gradFill>
+        <a:gradFill rotWithShape="1">
+          <a:gsLst>
+            <a:gs pos="0">
+              <a:schemeClr val="phClr">
+                <a:satMod val="103000"/>
+                <a:lumMod val="102000"/>
+                <a:tint val="94000"/>
+              </a:schemeClr>
+            </a:gs>
+            <a:gs pos="50000">
+              <a:schemeClr val="phClr">
+                <a:satMod val="110000"/>
+                <a:lumMod val="100000"/>
+                <a:shade val="100000"/>
+              </a:schemeClr>
+            </a:gs>
+            <a:gs pos="100000">
+              <a:schemeClr val="phClr">
+                <a:lumMod val="99000"/>
+                <a:satMod val="120000"/>
+                <a:shade val="78000"/>
+              </a:schemeClr>
+            </a:gs>
+          </a:gsLst>
+          <a:lin ang="5400000" scaled="0"/>
+        </a:gradFill>
+      </a:fillStyleLst>
+      <a:lnStyleLst>
+        <a:ln w="12700" cap="flat" cmpd="sng" algn="ctr">
+          <a:solidFill>
+            <a:schemeClr val="phClr"/>
+          </a:solidFill>
+          <a:prstDash val="solid"/>
+          <a:miter lim="800000"/>
+        </a:ln>
+        <a:ln w="19050" cap="flat" cmpd="sng" algn="ctr">
+          <a:solidFill>
+            <a:schemeClr val="phClr"/>
+          </a:solidFill>
+          <a:prstDash val="solid"/>
+          <a:miter lim="800000"/>
+        </a:ln>
+        <a:ln w="25400" cap="flat" cmpd="sng" algn="ctr">
+          <a:solidFill>
+            <a:schemeClr val="phClr"/>
+          </a:solidFill>
+          <a:prstDash val="solid"/>
+          <a:miter lim="800000"/>
+        </a:ln>
+      </a:lnStyleLst>
+      <a:effectStyleLst>
+        <a:effectStyle>
+          <a:effectLst/>
+        </a:effectStyle>
+        <a:effectStyle>
+          <a:effectLst/>
+        </a:effectStyle>
+        <a:effectStyle>
+          <a:effectLst>
+            <a:outerShdw blurRad="57150" dist="19050" dir="5400000" algn="ctr" rotWithShape="0">
+              <a:srgbClr val="000000">
+                <a:alpha val="63000"/>
+              </a:srgbClr>
+            </a:outerShdw>
+          </a:effectLst>
+        </a:effectStyle>
+      </a:effectStyleLst>
+      <a:bgFillStyleLst>
+        <a:solidFill>
+          <a:schemeClr val="phClr"/>
+        </a:solidFill>
+        <a:solidFill>
+          <a:schemeClr val="phClr">
+            <a:tint val="95000"/>
+            <a:satMod val="170000"/>
+          </a:schemeClr>
+        </a:solidFill>
+        <a:gradFill rotWithShape="1">
+          <a:gsLst>
+            <a:gs pos="0">
+              <a:schemeClr val="phClr">
+                <a:tint val="93000"/>
+                <a:satMod val="150000"/>
+                <a:shade val="98000"/>
+                <a:lumMod val="102000"/>
+              </a:schemeClr>
+            </a:gs>
+            <a:gs pos="50000">
+              <a:schemeClr val="phClr">
+                <a:tint val="98000"/>
+                <a:satMod val="130000"/>
+                <a:shade val="90000"/>
+                <a:lumMod val="103000"/>
+              </a:schemeClr>
+            </a:gs>
+            <a:gs pos="100000">
+              <a:schemeClr val="phClr">
+                <a:shade val="63000"/>
+                <a:satMod val="120000"/>
+              </a:schemeClr>
+            </a:gs>
+          </a:gsLst>
+          <a:lin ang="5400000" scaled="0"/>
+        </a:gradFill>
+      </a:bgFillStyleLst>
+    </a:fmtScheme>
+  </a:themeElements>
+  <a:objectDefaults>
+    <a:lnDef>
+      <a:spPr/>
+      <a:bodyPr/>
+      <a:lstStyle/>
+      <a:style>
+        <a:lnRef idx="2">
+          <a:schemeClr val="accent1"/>
+        </a:lnRef>
+        <a:fillRef idx="0">
+          <a:schemeClr val="accent1"/>
+        </a:fillRef>
+        <a:effectRef idx="1">
+          <a:schemeClr val="accent1"/>
+        </a:effectRef>
+        <a:fontRef idx="minor">
+          <a:schemeClr val="tx1"/>
+        </a:fontRef>
+      </a:style>
+    </a:lnDef>
+  </a:objectDefaults>
+  <a:extraClrSchemeLst/>
+  <a:extLst>
+    <a:ext uri="{05A4C25C-085E-4340-85A3-A5531E510DB2}">
+      <thm15:themeFamily xmlns:thm15="http://schemas.microsoft.com/office/thememl/2012/main" name="Office Theme" id="{2E142A2C-CD16-42D6-873A-C26D2A0506FA}" vid="{1BDDFF52-6CD6-40A5-AB3C-68EB2F1E4D0A}"/>
+    </a:ext>
+  </a:extLst>
+</a:theme>
 </file>
--- a/Présentation.pptx
+++ b/Présentation.pptx
@@ -108,6 +108,11 @@
       </a:defRPr>
     </a:lvl9pPr>
   </p:defaultTextStyle>
+  <p:extLst>
+    <p:ext uri="{EFAFB233-063F-42B5-8137-9DF3F51BA10A}">
+      <p15:sldGuideLst xmlns:p15="http://schemas.microsoft.com/office/powerpoint/2012/main"/>
+    </p:ext>
+  </p:extLst>
 </p:presentation>
 </file>
 
@@ -258,7 +263,7 @@
           <a:p>
             <a:fld id="{6059FE6A-2FE6-4909-8879-B2C5789DC49E}" type="datetimeFigureOut">
               <a:rPr lang="fr-FR" smtClean="0"/>
-              <a:t>21/11/2024</a:t>
+              <a:t>22/11/2024</a:t>
             </a:fld>
             <a:endParaRPr lang="fr-FR"/>
           </a:p>
@@ -456,7 +461,7 @@
           <a:p>
             <a:fld id="{6059FE6A-2FE6-4909-8879-B2C5789DC49E}" type="datetimeFigureOut">
               <a:rPr lang="fr-FR" smtClean="0"/>
-              <a:t>21/11/2024</a:t>
+              <a:t>22/11/2024</a:t>
             </a:fld>
             <a:endParaRPr lang="fr-FR"/>
           </a:p>
@@ -664,7 +669,7 @@
           <a:p>
             <a:fld id="{6059FE6A-2FE6-4909-8879-B2C5789DC49E}" type="datetimeFigureOut">
               <a:rPr lang="fr-FR" smtClean="0"/>
-              <a:t>21/11/2024</a:t>
+              <a:t>22/11/2024</a:t>
             </a:fld>
             <a:endParaRPr lang="fr-FR"/>
           </a:p>
@@ -862,7 +867,7 @@
           <a:p>
             <a:fld id="{6059FE6A-2FE6-4909-8879-B2C5789DC49E}" type="datetimeFigureOut">
               <a:rPr lang="fr-FR" smtClean="0"/>
-              <a:t>21/11/2024</a:t>
+              <a:t>22/11/2024</a:t>
             </a:fld>
             <a:endParaRPr lang="fr-FR"/>
           </a:p>
@@ -1137,7 +1142,7 @@
           <a:p>
             <a:fld id="{6059FE6A-2FE6-4909-8879-B2C5789DC49E}" type="datetimeFigureOut">
               <a:rPr lang="fr-FR" smtClean="0"/>
-              <a:t>21/11/2024</a:t>
+              <a:t>22/11/2024</a:t>
             </a:fld>
             <a:endParaRPr lang="fr-FR"/>
           </a:p>
@@ -1402,7 +1407,7 @@
           <a:p>
             <a:fld id="{6059FE6A-2FE6-4909-8879-B2C5789DC49E}" type="datetimeFigureOut">
               <a:rPr lang="fr-FR" smtClean="0"/>
-              <a:t>21/11/2024</a:t>
+              <a:t>22/11/2024</a:t>
             </a:fld>
             <a:endParaRPr lang="fr-FR"/>
           </a:p>
@@ -1814,7 +1819,7 @@
           <a:p>
             <a:fld id="{6059FE6A-2FE6-4909-8879-B2C5789DC49E}" type="datetimeFigureOut">
               <a:rPr lang="fr-FR" smtClean="0"/>
-              <a:t>21/11/2024</a:t>
+              <a:t>22/11/2024</a:t>
             </a:fld>
             <a:endParaRPr lang="fr-FR"/>
           </a:p>
@@ -1955,7 +1960,7 @@
           <a:p>
             <a:fld id="{6059FE6A-2FE6-4909-8879-B2C5789DC49E}" type="datetimeFigureOut">
               <a:rPr lang="fr-FR" smtClean="0"/>
-              <a:t>21/11/2024</a:t>
+              <a:t>22/11/2024</a:t>
             </a:fld>
             <a:endParaRPr lang="fr-FR"/>
           </a:p>
@@ -2068,7 +2073,7 @@
           <a:p>
             <a:fld id="{6059FE6A-2FE6-4909-8879-B2C5789DC49E}" type="datetimeFigureOut">
               <a:rPr lang="fr-FR" smtClean="0"/>
-              <a:t>21/11/2024</a:t>
+              <a:t>22/11/2024</a:t>
             </a:fld>
             <a:endParaRPr lang="fr-FR"/>
           </a:p>
@@ -2379,7 +2384,7 @@
           <a:p>
             <a:fld id="{6059FE6A-2FE6-4909-8879-B2C5789DC49E}" type="datetimeFigureOut">
               <a:rPr lang="fr-FR" smtClean="0"/>
-              <a:t>21/11/2024</a:t>
+              <a:t>22/11/2024</a:t>
             </a:fld>
             <a:endParaRPr lang="fr-FR"/>
           </a:p>
@@ -2667,7 +2672,7 @@
           <a:p>
             <a:fld id="{6059FE6A-2FE6-4909-8879-B2C5789DC49E}" type="datetimeFigureOut">
               <a:rPr lang="fr-FR" smtClean="0"/>
-              <a:t>21/11/2024</a:t>
+              <a:t>22/11/2024</a:t>
             </a:fld>
             <a:endParaRPr lang="fr-FR"/>
           </a:p>
@@ -2908,7 +2913,7 @@
           <a:p>
             <a:fld id="{6059FE6A-2FE6-4909-8879-B2C5789DC49E}" type="datetimeFigureOut">
               <a:rPr lang="fr-FR" smtClean="0"/>
-              <a:t>21/11/2024</a:t>
+              <a:t>22/11/2024</a:t>
             </a:fld>
             <a:endParaRPr lang="fr-FR"/>
           </a:p>
@@ -3545,10 +3550,10 @@
       </p:sp>
       <p:pic>
         <p:nvPicPr>
-          <p:cNvPr id="9" name="Image 8">
-            <a:extLst>
-              <a:ext uri="{FF2B5EF4-FFF2-40B4-BE49-F238E27FC236}">
-                <a16:creationId xmlns:a16="http://schemas.microsoft.com/office/drawing/2014/main" id="{8A4CD8BC-06BC-899B-9A70-EF00B2CF11F9}"/>
+          <p:cNvPr id="5" name="Image 4">
+            <a:extLst>
+              <a:ext uri="{FF2B5EF4-FFF2-40B4-BE49-F238E27FC236}">
+                <a16:creationId xmlns:a16="http://schemas.microsoft.com/office/drawing/2014/main" id="{531F8625-CF90-4B1D-511A-7AF7FB2A19F8}"/>
               </a:ext>
             </a:extLst>
           </p:cNvPr>
@@ -3565,8 +3570,8 @@
         </p:blipFill>
         <p:spPr>
           <a:xfrm>
-            <a:off x="0" y="307206"/>
-            <a:ext cx="12192000" cy="6243587"/>
+            <a:off x="0" y="318665"/>
+            <a:ext cx="12192000" cy="6220669"/>
           </a:xfrm>
           <a:prstGeom prst="rect">
             <a:avLst/>

--- a/Présentation.pptx
+++ b/Présentation.pptx
@@ -4,12 +4,17 @@
   <p:sldMasterIdLst>
     <p:sldMasterId id="2147483648" r:id="rId1"/>
   </p:sldMasterIdLst>
+  <p:notesMasterIdLst>
+    <p:notesMasterId r:id="rId9"/>
+  </p:notesMasterIdLst>
   <p:sldIdLst>
     <p:sldId id="256" r:id="rId2"/>
-    <p:sldId id="257" r:id="rId3"/>
-    <p:sldId id="258" r:id="rId4"/>
-    <p:sldId id="259" r:id="rId5"/>
-    <p:sldId id="260" r:id="rId6"/>
+    <p:sldId id="264" r:id="rId3"/>
+    <p:sldId id="263" r:id="rId4"/>
+    <p:sldId id="265" r:id="rId5"/>
+    <p:sldId id="261" r:id="rId6"/>
+    <p:sldId id="259" r:id="rId7"/>
+    <p:sldId id="260" r:id="rId8"/>
   </p:sldIdLst>
   <p:sldSz cx="12192000" cy="6858000"/>
   <p:notesSz cx="6858000" cy="9144000"/>
@@ -114,6 +119,2998 @@
     </p:ext>
   </p:extLst>
 </p:presentation>
+</file>
+
+<file path=ppt/diagrams/colors1.xml><?xml version="1.0" encoding="utf-8"?>
+<dgm:colorsDef xmlns:dgm="http://schemas.openxmlformats.org/drawingml/2006/diagram" xmlns:a="http://schemas.openxmlformats.org/drawingml/2006/main" uniqueId="urn:microsoft.com/office/officeart/2005/8/colors/colorful2">
+  <dgm:title val=""/>
+  <dgm:desc val=""/>
+  <dgm:catLst>
+    <dgm:cat type="colorful" pri="10200"/>
+  </dgm:catLst>
+  <dgm:styleLbl name="node0">
+    <dgm:fillClrLst meth="repeat">
+      <a:schemeClr val="accent1"/>
+    </dgm:fillClrLst>
+    <dgm:linClrLst meth="repeat">
+      <a:schemeClr val="lt1"/>
+    </dgm:linClrLst>
+    <dgm:effectClrLst/>
+    <dgm:txLinClrLst/>
+    <dgm:txFillClrLst/>
+    <dgm:txEffectClrLst/>
+  </dgm:styleLbl>
+  <dgm:styleLbl name="node1">
+    <dgm:fillClrLst>
+      <a:schemeClr val="accent2"/>
+      <a:schemeClr val="accent3"/>
+    </dgm:fillClrLst>
+    <dgm:linClrLst meth="repeat">
+      <a:schemeClr val="lt1"/>
+    </dgm:linClrLst>
+    <dgm:effectClrLst/>
+    <dgm:txLinClrLst/>
+    <dgm:txFillClrLst/>
+    <dgm:txEffectClrLst/>
+  </dgm:styleLbl>
+  <dgm:styleLbl name="alignNode1">
+    <dgm:fillClrLst>
+      <a:schemeClr val="accent2"/>
+      <a:schemeClr val="accent3"/>
+    </dgm:fillClrLst>
+    <dgm:linClrLst>
+      <a:schemeClr val="accent2"/>
+      <a:schemeClr val="accent3"/>
+    </dgm:linClrLst>
+    <dgm:effectClrLst/>
+    <dgm:txLinClrLst/>
+    <dgm:txFillClrLst/>
+    <dgm:txEffectClrLst/>
+  </dgm:styleLbl>
+  <dgm:styleLbl name="lnNode1">
+    <dgm:fillClrLst>
+      <a:schemeClr val="accent2"/>
+      <a:schemeClr val="accent3"/>
+    </dgm:fillClrLst>
+    <dgm:linClrLst meth="repeat">
+      <a:schemeClr val="lt1"/>
+    </dgm:linClrLst>
+    <dgm:effectClrLst/>
+    <dgm:txLinClrLst/>
+    <dgm:txFillClrLst/>
+    <dgm:txEffectClrLst/>
+  </dgm:styleLbl>
+  <dgm:styleLbl name="vennNode1">
+    <dgm:fillClrLst>
+      <a:schemeClr val="accent2">
+        <a:alpha val="50000"/>
+      </a:schemeClr>
+      <a:schemeClr val="accent3">
+        <a:alpha val="50000"/>
+      </a:schemeClr>
+    </dgm:fillClrLst>
+    <dgm:linClrLst meth="repeat">
+      <a:schemeClr val="lt1"/>
+    </dgm:linClrLst>
+    <dgm:effectClrLst/>
+    <dgm:txLinClrLst/>
+    <dgm:txFillClrLst/>
+    <dgm:txEffectClrLst/>
+  </dgm:styleLbl>
+  <dgm:styleLbl name="node2">
+    <dgm:fillClrLst>
+      <a:schemeClr val="accent3"/>
+    </dgm:fillClrLst>
+    <dgm:linClrLst meth="repeat">
+      <a:schemeClr val="lt1"/>
+    </dgm:linClrLst>
+    <dgm:effectClrLst/>
+    <dgm:txLinClrLst/>
+    <dgm:txFillClrLst/>
+    <dgm:txEffectClrLst/>
+  </dgm:styleLbl>
+  <dgm:styleLbl name="node3">
+    <dgm:fillClrLst>
+      <a:schemeClr val="accent4"/>
+    </dgm:fillClrLst>
+    <dgm:linClrLst meth="repeat">
+      <a:schemeClr val="lt1"/>
+    </dgm:linClrLst>
+    <dgm:effectClrLst/>
+    <dgm:txLinClrLst/>
+    <dgm:txFillClrLst/>
+    <dgm:txEffectClrLst/>
+  </dgm:styleLbl>
+  <dgm:styleLbl name="node4">
+    <dgm:fillClrLst>
+      <a:schemeClr val="accent5"/>
+    </dgm:fillClrLst>
+    <dgm:linClrLst meth="repeat">
+      <a:schemeClr val="lt1"/>
+    </dgm:linClrLst>
+    <dgm:effectClrLst/>
+    <dgm:txLinClrLst/>
+    <dgm:txFillClrLst/>
+    <dgm:txEffectClrLst/>
+  </dgm:styleLbl>
+  <dgm:styleLbl name="fgImgPlace1">
+    <dgm:fillClrLst>
+      <a:schemeClr val="accent2">
+        <a:tint val="50000"/>
+      </a:schemeClr>
+      <a:schemeClr val="accent3">
+        <a:tint val="50000"/>
+      </a:schemeClr>
+    </dgm:fillClrLst>
+    <dgm:linClrLst meth="repeat">
+      <a:schemeClr val="lt1"/>
+    </dgm:linClrLst>
+    <dgm:effectClrLst/>
+    <dgm:txLinClrLst/>
+    <dgm:txFillClrLst meth="repeat">
+      <a:schemeClr val="lt1"/>
+    </dgm:txFillClrLst>
+    <dgm:txEffectClrLst/>
+  </dgm:styleLbl>
+  <dgm:styleLbl name="alignImgPlace1">
+    <dgm:fillClrLst>
+      <a:schemeClr val="accent2">
+        <a:tint val="50000"/>
+      </a:schemeClr>
+      <a:schemeClr val="accent3">
+        <a:tint val="20000"/>
+      </a:schemeClr>
+    </dgm:fillClrLst>
+    <dgm:linClrLst meth="repeat">
+      <a:schemeClr val="lt1"/>
+    </dgm:linClrLst>
+    <dgm:effectClrLst/>
+    <dgm:txLinClrLst/>
+    <dgm:txFillClrLst meth="repeat">
+      <a:schemeClr val="lt1"/>
+    </dgm:txFillClrLst>
+    <dgm:txEffectClrLst/>
+  </dgm:styleLbl>
+  <dgm:styleLbl name="bgImgPlace1">
+    <dgm:fillClrLst>
+      <a:schemeClr val="accent2">
+        <a:tint val="50000"/>
+      </a:schemeClr>
+      <a:schemeClr val="accent3">
+        <a:tint val="20000"/>
+      </a:schemeClr>
+    </dgm:fillClrLst>
+    <dgm:linClrLst meth="repeat">
+      <a:schemeClr val="lt1"/>
+    </dgm:linClrLst>
+    <dgm:effectClrLst/>
+    <dgm:txLinClrLst/>
+    <dgm:txFillClrLst meth="repeat">
+      <a:schemeClr val="lt1"/>
+    </dgm:txFillClrLst>
+    <dgm:txEffectClrLst/>
+  </dgm:styleLbl>
+  <dgm:styleLbl name="sibTrans2D1">
+    <dgm:fillClrLst>
+      <a:schemeClr val="accent2"/>
+      <a:schemeClr val="accent3"/>
+    </dgm:fillClrLst>
+    <dgm:linClrLst meth="repeat">
+      <a:schemeClr val="lt1"/>
+    </dgm:linClrLst>
+    <dgm:effectClrLst/>
+    <dgm:txLinClrLst/>
+    <dgm:txFillClrLst/>
+    <dgm:txEffectClrLst/>
+  </dgm:styleLbl>
+  <dgm:styleLbl name="fgSibTrans2D1">
+    <dgm:fillClrLst>
+      <a:schemeClr val="accent2"/>
+      <a:schemeClr val="accent3"/>
+    </dgm:fillClrLst>
+    <dgm:linClrLst meth="repeat">
+      <a:schemeClr val="lt1"/>
+    </dgm:linClrLst>
+    <dgm:effectClrLst/>
+    <dgm:txLinClrLst/>
+    <dgm:txFillClrLst meth="repeat">
+      <a:schemeClr val="lt1"/>
+    </dgm:txFillClrLst>
+    <dgm:txEffectClrLst/>
+  </dgm:styleLbl>
+  <dgm:styleLbl name="bgSibTrans2D1">
+    <dgm:fillClrLst>
+      <a:schemeClr val="accent2"/>
+      <a:schemeClr val="accent3"/>
+    </dgm:fillClrLst>
+    <dgm:linClrLst meth="repeat">
+      <a:schemeClr val="lt1"/>
+    </dgm:linClrLst>
+    <dgm:effectClrLst/>
+    <dgm:txLinClrLst/>
+    <dgm:txFillClrLst meth="repeat">
+      <a:schemeClr val="lt1"/>
+    </dgm:txFillClrLst>
+    <dgm:txEffectClrLst/>
+  </dgm:styleLbl>
+  <dgm:styleLbl name="sibTrans1D1">
+    <dgm:fillClrLst/>
+    <dgm:linClrLst>
+      <a:schemeClr val="accent2"/>
+      <a:schemeClr val="accent3"/>
+    </dgm:linClrLst>
+    <dgm:effectClrLst/>
+    <dgm:txLinClrLst/>
+    <dgm:txFillClrLst meth="repeat">
+      <a:schemeClr val="tx1"/>
+    </dgm:txFillClrLst>
+    <dgm:txEffectClrLst/>
+  </dgm:styleLbl>
+  <dgm:styleLbl name="callout">
+    <dgm:fillClrLst meth="repeat">
+      <a:schemeClr val="accent2"/>
+    </dgm:fillClrLst>
+    <dgm:linClrLst meth="repeat">
+      <a:schemeClr val="accent2">
+        <a:tint val="50000"/>
+      </a:schemeClr>
+    </dgm:linClrLst>
+    <dgm:effectClrLst/>
+    <dgm:txLinClrLst/>
+    <dgm:txFillClrLst meth="repeat">
+      <a:schemeClr val="tx1"/>
+    </dgm:txFillClrLst>
+    <dgm:txEffectClrLst/>
+  </dgm:styleLbl>
+  <dgm:styleLbl name="asst0">
+    <dgm:fillClrLst meth="repeat">
+      <a:schemeClr val="accent2"/>
+    </dgm:fillClrLst>
+    <dgm:linClrLst meth="repeat">
+      <a:schemeClr val="lt1">
+        <a:shade val="80000"/>
+      </a:schemeClr>
+    </dgm:linClrLst>
+    <dgm:effectClrLst/>
+    <dgm:txLinClrLst/>
+    <dgm:txFillClrLst/>
+    <dgm:txEffectClrLst/>
+  </dgm:styleLbl>
+  <dgm:styleLbl name="asst1">
+    <dgm:fillClrLst meth="repeat">
+      <a:schemeClr val="accent3"/>
+    </dgm:fillClrLst>
+    <dgm:linClrLst meth="repeat">
+      <a:schemeClr val="lt1">
+        <a:shade val="80000"/>
+      </a:schemeClr>
+    </dgm:linClrLst>
+    <dgm:effectClrLst/>
+    <dgm:txLinClrLst/>
+    <dgm:txFillClrLst/>
+    <dgm:txEffectClrLst/>
+  </dgm:styleLbl>
+  <dgm:styleLbl name="asst2">
+    <dgm:fillClrLst>
+      <a:schemeClr val="accent4"/>
+    </dgm:fillClrLst>
+    <dgm:linClrLst meth="repeat">
+      <a:schemeClr val="lt1"/>
+    </dgm:linClrLst>
+    <dgm:effectClrLst/>
+    <dgm:txLinClrLst/>
+    <dgm:txFillClrLst/>
+    <dgm:txEffectClrLst/>
+  </dgm:styleLbl>
+  <dgm:styleLbl name="asst3">
+    <dgm:fillClrLst>
+      <a:schemeClr val="accent5"/>
+    </dgm:fillClrLst>
+    <dgm:linClrLst meth="repeat">
+      <a:schemeClr val="lt1"/>
+    </dgm:linClrLst>
+    <dgm:effectClrLst/>
+    <dgm:txLinClrLst/>
+    <dgm:txFillClrLst/>
+    <dgm:txEffectClrLst/>
+  </dgm:styleLbl>
+  <dgm:styleLbl name="asst4">
+    <dgm:fillClrLst>
+      <a:schemeClr val="accent6"/>
+    </dgm:fillClrLst>
+    <dgm:linClrLst meth="repeat">
+      <a:schemeClr val="lt1"/>
+    </dgm:linClrLst>
+    <dgm:effectClrLst/>
+    <dgm:txLinClrLst/>
+    <dgm:txFillClrLst/>
+    <dgm:txEffectClrLst/>
+  </dgm:styleLbl>
+  <dgm:styleLbl name="parChTrans2D1">
+    <dgm:fillClrLst meth="repeat">
+      <a:schemeClr val="accent2"/>
+    </dgm:fillClrLst>
+    <dgm:linClrLst meth="repeat">
+      <a:schemeClr val="lt1"/>
+    </dgm:linClrLst>
+    <dgm:effectClrLst/>
+    <dgm:txLinClrLst/>
+    <dgm:txFillClrLst meth="repeat">
+      <a:schemeClr val="lt1"/>
+    </dgm:txFillClrLst>
+    <dgm:txEffectClrLst/>
+  </dgm:styleLbl>
+  <dgm:styleLbl name="parChTrans2D2">
+    <dgm:fillClrLst meth="repeat">
+      <a:schemeClr val="accent3"/>
+    </dgm:fillClrLst>
+    <dgm:linClrLst meth="repeat">
+      <a:schemeClr val="lt1"/>
+    </dgm:linClrLst>
+    <dgm:effectClrLst/>
+    <dgm:txLinClrLst/>
+    <dgm:txFillClrLst/>
+    <dgm:txEffectClrLst/>
+  </dgm:styleLbl>
+  <dgm:styleLbl name="parChTrans2D3">
+    <dgm:fillClrLst meth="repeat">
+      <a:schemeClr val="accent4"/>
+    </dgm:fillClrLst>
+    <dgm:linClrLst meth="repeat">
+      <a:schemeClr val="lt1"/>
+    </dgm:linClrLst>
+    <dgm:effectClrLst/>
+    <dgm:txLinClrLst/>
+    <dgm:txFillClrLst/>
+    <dgm:txEffectClrLst/>
+  </dgm:styleLbl>
+  <dgm:styleLbl name="parChTrans2D4">
+    <dgm:fillClrLst meth="repeat">
+      <a:schemeClr val="accent5"/>
+    </dgm:fillClrLst>
+    <dgm:linClrLst meth="repeat">
+      <a:schemeClr val="lt1"/>
+    </dgm:linClrLst>
+    <dgm:effectClrLst/>
+    <dgm:txLinClrLst/>
+    <dgm:txFillClrLst meth="repeat">
+      <a:schemeClr val="lt1"/>
+    </dgm:txFillClrLst>
+    <dgm:txEffectClrLst/>
+  </dgm:styleLbl>
+  <dgm:styleLbl name="parChTrans1D1">
+    <dgm:fillClrLst meth="repeat">
+      <a:schemeClr val="accent2"/>
+    </dgm:fillClrLst>
+    <dgm:linClrLst meth="repeat">
+      <a:schemeClr val="accent2"/>
+    </dgm:linClrLst>
+    <dgm:effectClrLst/>
+    <dgm:txLinClrLst/>
+    <dgm:txFillClrLst meth="repeat">
+      <a:schemeClr val="tx1"/>
+    </dgm:txFillClrLst>
+    <dgm:txEffectClrLst/>
+  </dgm:styleLbl>
+  <dgm:styleLbl name="parChTrans1D2">
+    <dgm:fillClrLst meth="repeat">
+      <a:schemeClr val="accent2">
+        <a:tint val="90000"/>
+      </a:schemeClr>
+    </dgm:fillClrLst>
+    <dgm:linClrLst meth="repeat">
+      <a:schemeClr val="accent3"/>
+    </dgm:linClrLst>
+    <dgm:effectClrLst/>
+    <dgm:txLinClrLst/>
+    <dgm:txFillClrLst meth="repeat">
+      <a:schemeClr val="tx1"/>
+    </dgm:txFillClrLst>
+    <dgm:txEffectClrLst/>
+  </dgm:styleLbl>
+  <dgm:styleLbl name="parChTrans1D3">
+    <dgm:fillClrLst meth="repeat">
+      <a:schemeClr val="accent2">
+        <a:tint val="70000"/>
+      </a:schemeClr>
+    </dgm:fillClrLst>
+    <dgm:linClrLst meth="repeat">
+      <a:schemeClr val="accent4"/>
+    </dgm:linClrLst>
+    <dgm:effectClrLst/>
+    <dgm:txLinClrLst/>
+    <dgm:txFillClrLst meth="repeat">
+      <a:schemeClr val="tx1"/>
+    </dgm:txFillClrLst>
+    <dgm:txEffectClrLst/>
+  </dgm:styleLbl>
+  <dgm:styleLbl name="parChTrans1D4">
+    <dgm:fillClrLst meth="repeat">
+      <a:schemeClr val="accent2">
+        <a:tint val="50000"/>
+      </a:schemeClr>
+    </dgm:fillClrLst>
+    <dgm:linClrLst meth="repeat">
+      <a:schemeClr val="accent5"/>
+    </dgm:linClrLst>
+    <dgm:effectClrLst/>
+    <dgm:txLinClrLst/>
+    <dgm:txFillClrLst meth="repeat">
+      <a:schemeClr val="tx1"/>
+    </dgm:txFillClrLst>
+    <dgm:txEffectClrLst/>
+  </dgm:styleLbl>
+  <dgm:styleLbl name="fgAcc1">
+    <dgm:fillClrLst meth="repeat">
+      <a:schemeClr val="lt1">
+        <a:alpha val="90000"/>
+      </a:schemeClr>
+    </dgm:fillClrLst>
+    <dgm:linClrLst>
+      <a:schemeClr val="accent2"/>
+      <a:schemeClr val="accent3"/>
+    </dgm:linClrLst>
+    <dgm:effectClrLst/>
+    <dgm:txLinClrLst/>
+    <dgm:txFillClrLst meth="repeat">
+      <a:schemeClr val="dk1"/>
+    </dgm:txFillClrLst>
+    <dgm:txEffectClrLst/>
+  </dgm:styleLbl>
+  <dgm:styleLbl name="conFgAcc1">
+    <dgm:fillClrLst meth="repeat">
+      <a:schemeClr val="lt1">
+        <a:alpha val="90000"/>
+      </a:schemeClr>
+    </dgm:fillClrLst>
+    <dgm:linClrLst>
+      <a:schemeClr val="accent2"/>
+      <a:schemeClr val="accent3"/>
+    </dgm:linClrLst>
+    <dgm:effectClrLst/>
+    <dgm:txLinClrLst/>
+    <dgm:txFillClrLst meth="repeat">
+      <a:schemeClr val="dk1"/>
+    </dgm:txFillClrLst>
+    <dgm:txEffectClrLst/>
+  </dgm:styleLbl>
+  <dgm:styleLbl name="alignAcc1">
+    <dgm:fillClrLst meth="repeat">
+      <a:schemeClr val="lt1">
+        <a:alpha val="90000"/>
+      </a:schemeClr>
+    </dgm:fillClrLst>
+    <dgm:linClrLst>
+      <a:schemeClr val="accent2"/>
+      <a:schemeClr val="accent3"/>
+    </dgm:linClrLst>
+    <dgm:effectClrLst/>
+    <dgm:txLinClrLst/>
+    <dgm:txFillClrLst meth="repeat">
+      <a:schemeClr val="dk1"/>
+    </dgm:txFillClrLst>
+    <dgm:txEffectClrLst/>
+  </dgm:styleLbl>
+  <dgm:styleLbl name="trAlignAcc1">
+    <dgm:fillClrLst meth="repeat">
+      <a:schemeClr val="lt1">
+        <a:alpha val="40000"/>
+      </a:schemeClr>
+    </dgm:fillClrLst>
+    <dgm:linClrLst meth="repeat">
+      <a:schemeClr val="accent2"/>
+    </dgm:linClrLst>
+    <dgm:effectClrLst/>
+    <dgm:txLinClrLst/>
+    <dgm:txFillClrLst meth="repeat">
+      <a:schemeClr val="dk1"/>
+    </dgm:txFillClrLst>
+    <dgm:txEffectClrLst/>
+  </dgm:styleLbl>
+  <dgm:styleLbl name="bgAcc1">
+    <dgm:fillClrLst meth="repeat">
+      <a:schemeClr val="lt1">
+        <a:alpha val="90000"/>
+      </a:schemeClr>
+    </dgm:fillClrLst>
+    <dgm:linClrLst>
+      <a:schemeClr val="accent2"/>
+      <a:schemeClr val="accent3"/>
+    </dgm:linClrLst>
+    <dgm:effectClrLst/>
+    <dgm:txLinClrLst/>
+    <dgm:txFillClrLst meth="repeat">
+      <a:schemeClr val="dk1"/>
+    </dgm:txFillClrLst>
+    <dgm:txEffectClrLst/>
+  </dgm:styleLbl>
+  <dgm:styleLbl name="solidFgAcc1">
+    <dgm:fillClrLst meth="repeat">
+      <a:schemeClr val="lt1"/>
+    </dgm:fillClrLst>
+    <dgm:linClrLst>
+      <a:schemeClr val="accent2"/>
+      <a:schemeClr val="accent3"/>
+    </dgm:linClrLst>
+    <dgm:effectClrLst/>
+    <dgm:txLinClrLst/>
+    <dgm:txFillClrLst meth="repeat">
+      <a:schemeClr val="dk1"/>
+    </dgm:txFillClrLst>
+    <dgm:txEffectClrLst/>
+  </dgm:styleLbl>
+  <dgm:styleLbl name="solidAlignAcc1">
+    <dgm:fillClrLst meth="repeat">
+      <a:schemeClr val="lt1"/>
+    </dgm:fillClrLst>
+    <dgm:linClrLst>
+      <a:schemeClr val="accent2"/>
+      <a:schemeClr val="accent3"/>
+    </dgm:linClrLst>
+    <dgm:effectClrLst/>
+    <dgm:txLinClrLst/>
+    <dgm:txFillClrLst meth="repeat">
+      <a:schemeClr val="dk1"/>
+    </dgm:txFillClrLst>
+    <dgm:txEffectClrLst/>
+  </dgm:styleLbl>
+  <dgm:styleLbl name="solidBgAcc1">
+    <dgm:fillClrLst meth="repeat">
+      <a:schemeClr val="lt1"/>
+    </dgm:fillClrLst>
+    <dgm:linClrLst>
+      <a:schemeClr val="accent2"/>
+      <a:schemeClr val="accent3"/>
+    </dgm:linClrLst>
+    <dgm:effectClrLst/>
+    <dgm:txLinClrLst/>
+    <dgm:txFillClrLst meth="repeat">
+      <a:schemeClr val="dk1"/>
+    </dgm:txFillClrLst>
+    <dgm:txEffectClrLst/>
+  </dgm:styleLbl>
+  <dgm:styleLbl name="fgAccFollowNode1">
+    <dgm:fillClrLst>
+      <a:schemeClr val="accent2">
+        <a:tint val="40000"/>
+        <a:alpha val="90000"/>
+      </a:schemeClr>
+      <a:schemeClr val="accent3">
+        <a:tint val="40000"/>
+        <a:alpha val="90000"/>
+      </a:schemeClr>
+    </dgm:fillClrLst>
+    <dgm:linClrLst>
+      <a:schemeClr val="accent2">
+        <a:tint val="40000"/>
+        <a:alpha val="90000"/>
+      </a:schemeClr>
+      <a:schemeClr val="accent3">
+        <a:tint val="40000"/>
+        <a:alpha val="90000"/>
+      </a:schemeClr>
+    </dgm:linClrLst>
+    <dgm:effectClrLst/>
+    <dgm:txLinClrLst/>
+    <dgm:txFillClrLst meth="repeat">
+      <a:schemeClr val="dk1"/>
+    </dgm:txFillClrLst>
+    <dgm:txEffectClrLst/>
+  </dgm:styleLbl>
+  <dgm:styleLbl name="alignAccFollowNode1">
+    <dgm:fillClrLst>
+      <a:schemeClr val="accent2">
+        <a:tint val="40000"/>
+        <a:alpha val="90000"/>
+      </a:schemeClr>
+      <a:schemeClr val="accent3">
+        <a:tint val="40000"/>
+        <a:alpha val="90000"/>
+      </a:schemeClr>
+    </dgm:fillClrLst>
+    <dgm:linClrLst>
+      <a:schemeClr val="accent2">
+        <a:tint val="40000"/>
+        <a:alpha val="90000"/>
+      </a:schemeClr>
+      <a:schemeClr val="accent3">
+        <a:tint val="40000"/>
+        <a:alpha val="90000"/>
+      </a:schemeClr>
+    </dgm:linClrLst>
+    <dgm:effectClrLst/>
+    <dgm:txLinClrLst/>
+    <dgm:txFillClrLst meth="repeat">
+      <a:schemeClr val="dk1"/>
+    </dgm:txFillClrLst>
+    <dgm:txEffectClrLst/>
+  </dgm:styleLbl>
+  <dgm:styleLbl name="bgAccFollowNode1">
+    <dgm:fillClrLst>
+      <a:schemeClr val="accent2">
+        <a:tint val="40000"/>
+        <a:alpha val="90000"/>
+      </a:schemeClr>
+      <a:schemeClr val="accent3">
+        <a:tint val="40000"/>
+        <a:alpha val="90000"/>
+      </a:schemeClr>
+    </dgm:fillClrLst>
+    <dgm:linClrLst>
+      <a:schemeClr val="accent2">
+        <a:tint val="40000"/>
+        <a:alpha val="90000"/>
+      </a:schemeClr>
+      <a:schemeClr val="accent3">
+        <a:tint val="40000"/>
+        <a:alpha val="90000"/>
+      </a:schemeClr>
+    </dgm:linClrLst>
+    <dgm:effectClrLst/>
+    <dgm:txLinClrLst/>
+    <dgm:txFillClrLst meth="repeat">
+      <a:schemeClr val="dk1"/>
+    </dgm:txFillClrLst>
+    <dgm:txEffectClrLst/>
+  </dgm:styleLbl>
+  <dgm:styleLbl name="fgAcc0">
+    <dgm:fillClrLst meth="repeat">
+      <a:schemeClr val="lt1">
+        <a:alpha val="90000"/>
+      </a:schemeClr>
+    </dgm:fillClrLst>
+    <dgm:linClrLst>
+      <a:schemeClr val="accent1"/>
+    </dgm:linClrLst>
+    <dgm:effectClrLst/>
+    <dgm:txLinClrLst/>
+    <dgm:txFillClrLst meth="repeat">
+      <a:schemeClr val="dk1"/>
+    </dgm:txFillClrLst>
+    <dgm:txEffectClrLst/>
+  </dgm:styleLbl>
+  <dgm:styleLbl name="fgAcc2">
+    <dgm:fillClrLst meth="repeat">
+      <a:schemeClr val="lt1">
+        <a:alpha val="90000"/>
+      </a:schemeClr>
+    </dgm:fillClrLst>
+    <dgm:linClrLst>
+      <a:schemeClr val="accent3"/>
+    </dgm:linClrLst>
+    <dgm:effectClrLst/>
+    <dgm:txLinClrLst/>
+    <dgm:txFillClrLst meth="repeat">
+      <a:schemeClr val="dk1"/>
+    </dgm:txFillClrLst>
+    <dgm:txEffectClrLst/>
+  </dgm:styleLbl>
+  <dgm:styleLbl name="fgAcc3">
+    <dgm:fillClrLst meth="repeat">
+      <a:schemeClr val="lt1">
+        <a:alpha val="90000"/>
+      </a:schemeClr>
+    </dgm:fillClrLst>
+    <dgm:linClrLst>
+      <a:schemeClr val="accent4"/>
+    </dgm:linClrLst>
+    <dgm:effectClrLst/>
+    <dgm:txLinClrLst/>
+    <dgm:txFillClrLst meth="repeat">
+      <a:schemeClr val="dk1"/>
+    </dgm:txFillClrLst>
+    <dgm:txEffectClrLst/>
+  </dgm:styleLbl>
+  <dgm:styleLbl name="fgAcc4">
+    <dgm:fillClrLst meth="repeat">
+      <a:schemeClr val="lt1">
+        <a:alpha val="90000"/>
+      </a:schemeClr>
+    </dgm:fillClrLst>
+    <dgm:linClrLst>
+      <a:schemeClr val="accent5"/>
+    </dgm:linClrLst>
+    <dgm:effectClrLst/>
+    <dgm:txLinClrLst/>
+    <dgm:txFillClrLst meth="repeat">
+      <a:schemeClr val="dk1"/>
+    </dgm:txFillClrLst>
+    <dgm:txEffectClrLst/>
+  </dgm:styleLbl>
+  <dgm:styleLbl name="bgShp">
+    <dgm:fillClrLst meth="repeat">
+      <a:schemeClr val="accent2">
+        <a:tint val="40000"/>
+      </a:schemeClr>
+    </dgm:fillClrLst>
+    <dgm:linClrLst meth="repeat">
+      <a:schemeClr val="dk1"/>
+    </dgm:linClrLst>
+    <dgm:effectClrLst/>
+    <dgm:txLinClrLst/>
+    <dgm:txFillClrLst meth="repeat">
+      <a:schemeClr val="dk1"/>
+    </dgm:txFillClrLst>
+    <dgm:txEffectClrLst/>
+  </dgm:styleLbl>
+  <dgm:styleLbl name="dkBgShp">
+    <dgm:fillClrLst meth="repeat">
+      <a:schemeClr val="accent2">
+        <a:shade val="90000"/>
+      </a:schemeClr>
+    </dgm:fillClrLst>
+    <dgm:linClrLst meth="repeat">
+      <a:schemeClr val="dk1"/>
+    </dgm:linClrLst>
+    <dgm:effectClrLst/>
+    <dgm:txLinClrLst/>
+    <dgm:txFillClrLst meth="repeat">
+      <a:schemeClr val="lt1"/>
+    </dgm:txFillClrLst>
+    <dgm:txEffectClrLst/>
+  </dgm:styleLbl>
+  <dgm:styleLbl name="trBgShp">
+    <dgm:fillClrLst meth="repeat">
+      <a:schemeClr val="accent2">
+        <a:tint val="50000"/>
+        <a:alpha val="40000"/>
+      </a:schemeClr>
+    </dgm:fillClrLst>
+    <dgm:linClrLst meth="repeat">
+      <a:schemeClr val="accent2"/>
+    </dgm:linClrLst>
+    <dgm:effectClrLst/>
+    <dgm:txLinClrLst/>
+    <dgm:txFillClrLst meth="repeat">
+      <a:schemeClr val="lt1"/>
+    </dgm:txFillClrLst>
+    <dgm:txEffectClrLst/>
+  </dgm:styleLbl>
+  <dgm:styleLbl name="fgShp">
+    <dgm:fillClrLst meth="repeat">
+      <a:schemeClr val="accent2">
+        <a:tint val="40000"/>
+      </a:schemeClr>
+    </dgm:fillClrLst>
+    <dgm:linClrLst meth="repeat">
+      <a:schemeClr val="lt1"/>
+    </dgm:linClrLst>
+    <dgm:effectClrLst/>
+    <dgm:txLinClrLst/>
+    <dgm:txFillClrLst meth="repeat">
+      <a:schemeClr val="dk1"/>
+    </dgm:txFillClrLst>
+    <dgm:txEffectClrLst/>
+  </dgm:styleLbl>
+  <dgm:styleLbl name="revTx">
+    <dgm:fillClrLst meth="repeat">
+      <a:schemeClr val="lt1">
+        <a:alpha val="0"/>
+      </a:schemeClr>
+    </dgm:fillClrLst>
+    <dgm:linClrLst meth="repeat">
+      <a:schemeClr val="dk1">
+        <a:alpha val="0"/>
+      </a:schemeClr>
+    </dgm:linClrLst>
+    <dgm:effectClrLst/>
+    <dgm:txLinClrLst/>
+    <dgm:txFillClrLst meth="repeat">
+      <a:schemeClr val="tx1"/>
+    </dgm:txFillClrLst>
+    <dgm:txEffectClrLst/>
+  </dgm:styleLbl>
+</dgm:colorsDef>
+</file>
+
+<file path=ppt/diagrams/data1.xml><?xml version="1.0" encoding="utf-8"?>
+<dgm:dataModel xmlns:dgm="http://schemas.openxmlformats.org/drawingml/2006/diagram" xmlns:a="http://schemas.openxmlformats.org/drawingml/2006/main">
+  <dgm:ptLst>
+    <dgm:pt modelId="{05786E90-9A86-453A-BBC7-5DBC5E0758C7}" type="doc">
+      <dgm:prSet loTypeId="urn:microsoft.com/office/officeart/2005/8/layout/vList2" loCatId="list" qsTypeId="urn:microsoft.com/office/officeart/2005/8/quickstyle/simple1" qsCatId="simple" csTypeId="urn:microsoft.com/office/officeart/2005/8/colors/colorful2" csCatId="colorful"/>
+      <dgm:spPr/>
+      <dgm:t>
+        <a:bodyPr/>
+        <a:lstStyle/>
+        <a:p>
+          <a:endParaRPr lang="en-US"/>
+        </a:p>
+      </dgm:t>
+    </dgm:pt>
+    <dgm:pt modelId="{99A2BBB9-E860-4F17-BF18-772CC66C041A}">
+      <dgm:prSet/>
+      <dgm:spPr/>
+      <dgm:t>
+        <a:bodyPr/>
+        <a:lstStyle/>
+        <a:p>
+          <a:r>
+            <a:rPr lang="fr-FR" dirty="0"/>
+            <a:t>Jeu de données sur le brevet des collèges</a:t>
+          </a:r>
+          <a:endParaRPr lang="en-US" dirty="0"/>
+        </a:p>
+      </dgm:t>
+    </dgm:pt>
+    <dgm:pt modelId="{11A13EDE-F15C-4F7D-A6CD-3F7E9CFC8D62}" type="parTrans" cxnId="{367DA615-27F9-459B-8DF6-6628B4B0FD30}">
+      <dgm:prSet/>
+      <dgm:spPr/>
+      <dgm:t>
+        <a:bodyPr/>
+        <a:lstStyle/>
+        <a:p>
+          <a:endParaRPr lang="en-US"/>
+        </a:p>
+      </dgm:t>
+    </dgm:pt>
+    <dgm:pt modelId="{F604C3F7-89FA-4B72-A4A5-5F21A73FD2DC}" type="sibTrans" cxnId="{367DA615-27F9-459B-8DF6-6628B4B0FD30}">
+      <dgm:prSet/>
+      <dgm:spPr/>
+      <dgm:t>
+        <a:bodyPr/>
+        <a:lstStyle/>
+        <a:p>
+          <a:endParaRPr lang="en-US"/>
+        </a:p>
+      </dgm:t>
+    </dgm:pt>
+    <dgm:pt modelId="{959773F0-92DB-4C72-809F-8C85D8265ABC}">
+      <dgm:prSet/>
+      <dgm:spPr/>
+      <dgm:t>
+        <a:bodyPr/>
+        <a:lstStyle/>
+        <a:p>
+          <a:r>
+            <a:rPr lang="fr-FR"/>
+            <a:t>Diplôme créé en 1980-1981</a:t>
+          </a:r>
+          <a:endParaRPr lang="en-US"/>
+        </a:p>
+      </dgm:t>
+    </dgm:pt>
+    <dgm:pt modelId="{9F4EF8D2-EB6E-4648-9D55-61B95CE631FB}" type="parTrans" cxnId="{5A462186-452B-468E-BE07-5D3A75DBBC3F}">
+      <dgm:prSet/>
+      <dgm:spPr/>
+      <dgm:t>
+        <a:bodyPr/>
+        <a:lstStyle/>
+        <a:p>
+          <a:endParaRPr lang="en-US"/>
+        </a:p>
+      </dgm:t>
+    </dgm:pt>
+    <dgm:pt modelId="{21257BF2-0647-48B7-AAAB-0056574706C7}" type="sibTrans" cxnId="{5A462186-452B-468E-BE07-5D3A75DBBC3F}">
+      <dgm:prSet/>
+      <dgm:spPr/>
+      <dgm:t>
+        <a:bodyPr/>
+        <a:lstStyle/>
+        <a:p>
+          <a:endParaRPr lang="en-US"/>
+        </a:p>
+      </dgm:t>
+    </dgm:pt>
+    <dgm:pt modelId="{03EA0C8F-6493-469A-BEBF-3455E605A017}">
+      <dgm:prSet/>
+      <dgm:spPr/>
+      <dgm:t>
+        <a:bodyPr/>
+        <a:lstStyle/>
+        <a:p>
+          <a:r>
+            <a:rPr lang="fr-FR"/>
+            <a:t>A reçu de nombreuses réformes depuis sa création, dont une prévue pour 2025</a:t>
+          </a:r>
+          <a:endParaRPr lang="en-US"/>
+        </a:p>
+      </dgm:t>
+    </dgm:pt>
+    <dgm:pt modelId="{52CEACC4-F42D-4C98-A716-A7A6A882713D}" type="parTrans" cxnId="{93ED30BE-E603-40B8-953D-AEFC8E8C8043}">
+      <dgm:prSet/>
+      <dgm:spPr/>
+      <dgm:t>
+        <a:bodyPr/>
+        <a:lstStyle/>
+        <a:p>
+          <a:endParaRPr lang="en-US"/>
+        </a:p>
+      </dgm:t>
+    </dgm:pt>
+    <dgm:pt modelId="{051D5DD5-64ED-49BF-8254-24D872F6B9F1}" type="sibTrans" cxnId="{93ED30BE-E603-40B8-953D-AEFC8E8C8043}">
+      <dgm:prSet/>
+      <dgm:spPr/>
+      <dgm:t>
+        <a:bodyPr/>
+        <a:lstStyle/>
+        <a:p>
+          <a:endParaRPr lang="en-US"/>
+        </a:p>
+      </dgm:t>
+    </dgm:pt>
+    <dgm:pt modelId="{C638D0B5-29C9-4373-8DB6-7F300D24EFCE}">
+      <dgm:prSet/>
+      <dgm:spPr/>
+      <dgm:t>
+        <a:bodyPr/>
+        <a:lstStyle/>
+        <a:p>
+          <a:r>
+            <a:rPr lang="fr-FR"/>
+            <a:t>Objectif du brevet: « maîtrise d’un socle commun de connaissance »</a:t>
+          </a:r>
+          <a:endParaRPr lang="en-US"/>
+        </a:p>
+      </dgm:t>
+    </dgm:pt>
+    <dgm:pt modelId="{1E0B63E5-FCE2-44A6-86E5-BB78DF29D458}" type="parTrans" cxnId="{A53C6596-7AFF-40A2-B7B0-FFE26F3A5B29}">
+      <dgm:prSet/>
+      <dgm:spPr/>
+      <dgm:t>
+        <a:bodyPr/>
+        <a:lstStyle/>
+        <a:p>
+          <a:endParaRPr lang="en-US"/>
+        </a:p>
+      </dgm:t>
+    </dgm:pt>
+    <dgm:pt modelId="{62DE587F-33CE-42A7-A184-AF9068E9D161}" type="sibTrans" cxnId="{A53C6596-7AFF-40A2-B7B0-FFE26F3A5B29}">
+      <dgm:prSet/>
+      <dgm:spPr/>
+      <dgm:t>
+        <a:bodyPr/>
+        <a:lstStyle/>
+        <a:p>
+          <a:endParaRPr lang="en-US"/>
+        </a:p>
+      </dgm:t>
+    </dgm:pt>
+    <dgm:pt modelId="{F8B0B23D-C2F8-F048-AF08-8F14C993A355}" type="pres">
+      <dgm:prSet presAssocID="{05786E90-9A86-453A-BBC7-5DBC5E0758C7}" presName="linear" presStyleCnt="0">
+        <dgm:presLayoutVars>
+          <dgm:animLvl val="lvl"/>
+          <dgm:resizeHandles val="exact"/>
+        </dgm:presLayoutVars>
+      </dgm:prSet>
+      <dgm:spPr/>
+    </dgm:pt>
+    <dgm:pt modelId="{82B6D174-8045-1F40-81A8-F7DA098C9F72}" type="pres">
+      <dgm:prSet presAssocID="{99A2BBB9-E860-4F17-BF18-772CC66C041A}" presName="parentText" presStyleLbl="node1" presStyleIdx="0" presStyleCnt="4">
+        <dgm:presLayoutVars>
+          <dgm:chMax val="0"/>
+          <dgm:bulletEnabled val="1"/>
+        </dgm:presLayoutVars>
+      </dgm:prSet>
+      <dgm:spPr/>
+    </dgm:pt>
+    <dgm:pt modelId="{827FD58D-04EE-604B-A1F4-EE35EA488D30}" type="pres">
+      <dgm:prSet presAssocID="{F604C3F7-89FA-4B72-A4A5-5F21A73FD2DC}" presName="spacer" presStyleCnt="0"/>
+      <dgm:spPr/>
+    </dgm:pt>
+    <dgm:pt modelId="{9B335ED9-5501-314A-A277-9A5651FFD610}" type="pres">
+      <dgm:prSet presAssocID="{959773F0-92DB-4C72-809F-8C85D8265ABC}" presName="parentText" presStyleLbl="node1" presStyleIdx="1" presStyleCnt="4">
+        <dgm:presLayoutVars>
+          <dgm:chMax val="0"/>
+          <dgm:bulletEnabled val="1"/>
+        </dgm:presLayoutVars>
+      </dgm:prSet>
+      <dgm:spPr/>
+    </dgm:pt>
+    <dgm:pt modelId="{179A7131-E636-3342-82CA-AE5963D69FEB}" type="pres">
+      <dgm:prSet presAssocID="{21257BF2-0647-48B7-AAAB-0056574706C7}" presName="spacer" presStyleCnt="0"/>
+      <dgm:spPr/>
+    </dgm:pt>
+    <dgm:pt modelId="{EE284EE7-BB5C-8A4C-9C14-38E93F3CAF50}" type="pres">
+      <dgm:prSet presAssocID="{03EA0C8F-6493-469A-BEBF-3455E605A017}" presName="parentText" presStyleLbl="node1" presStyleIdx="2" presStyleCnt="4">
+        <dgm:presLayoutVars>
+          <dgm:chMax val="0"/>
+          <dgm:bulletEnabled val="1"/>
+        </dgm:presLayoutVars>
+      </dgm:prSet>
+      <dgm:spPr/>
+    </dgm:pt>
+    <dgm:pt modelId="{3045C1AB-F357-1A48-A7E5-90A2260EA434}" type="pres">
+      <dgm:prSet presAssocID="{051D5DD5-64ED-49BF-8254-24D872F6B9F1}" presName="spacer" presStyleCnt="0"/>
+      <dgm:spPr/>
+    </dgm:pt>
+    <dgm:pt modelId="{49FB836F-63CB-2141-9402-D46A7A45D5EE}" type="pres">
+      <dgm:prSet presAssocID="{C638D0B5-29C9-4373-8DB6-7F300D24EFCE}" presName="parentText" presStyleLbl="node1" presStyleIdx="3" presStyleCnt="4">
+        <dgm:presLayoutVars>
+          <dgm:chMax val="0"/>
+          <dgm:bulletEnabled val="1"/>
+        </dgm:presLayoutVars>
+      </dgm:prSet>
+      <dgm:spPr/>
+    </dgm:pt>
+  </dgm:ptLst>
+  <dgm:cxnLst>
+    <dgm:cxn modelId="{7E890008-014E-9745-8FC8-19061ED69851}" type="presOf" srcId="{03EA0C8F-6493-469A-BEBF-3455E605A017}" destId="{EE284EE7-BB5C-8A4C-9C14-38E93F3CAF50}" srcOrd="0" destOrd="0" presId="urn:microsoft.com/office/officeart/2005/8/layout/vList2"/>
+    <dgm:cxn modelId="{367DA615-27F9-459B-8DF6-6628B4B0FD30}" srcId="{05786E90-9A86-453A-BBC7-5DBC5E0758C7}" destId="{99A2BBB9-E860-4F17-BF18-772CC66C041A}" srcOrd="0" destOrd="0" parTransId="{11A13EDE-F15C-4F7D-A6CD-3F7E9CFC8D62}" sibTransId="{F604C3F7-89FA-4B72-A4A5-5F21A73FD2DC}"/>
+    <dgm:cxn modelId="{4CC57D24-CCA7-EA45-8659-F924DC6B0C8F}" type="presOf" srcId="{05786E90-9A86-453A-BBC7-5DBC5E0758C7}" destId="{F8B0B23D-C2F8-F048-AF08-8F14C993A355}" srcOrd="0" destOrd="0" presId="urn:microsoft.com/office/officeart/2005/8/layout/vList2"/>
+    <dgm:cxn modelId="{6464B060-0EF8-7442-BF47-155F6FD97C8B}" type="presOf" srcId="{959773F0-92DB-4C72-809F-8C85D8265ABC}" destId="{9B335ED9-5501-314A-A277-9A5651FFD610}" srcOrd="0" destOrd="0" presId="urn:microsoft.com/office/officeart/2005/8/layout/vList2"/>
+    <dgm:cxn modelId="{5A462186-452B-468E-BE07-5D3A75DBBC3F}" srcId="{05786E90-9A86-453A-BBC7-5DBC5E0758C7}" destId="{959773F0-92DB-4C72-809F-8C85D8265ABC}" srcOrd="1" destOrd="0" parTransId="{9F4EF8D2-EB6E-4648-9D55-61B95CE631FB}" sibTransId="{21257BF2-0647-48B7-AAAB-0056574706C7}"/>
+    <dgm:cxn modelId="{A53C6596-7AFF-40A2-B7B0-FFE26F3A5B29}" srcId="{05786E90-9A86-453A-BBC7-5DBC5E0758C7}" destId="{C638D0B5-29C9-4373-8DB6-7F300D24EFCE}" srcOrd="3" destOrd="0" parTransId="{1E0B63E5-FCE2-44A6-86E5-BB78DF29D458}" sibTransId="{62DE587F-33CE-42A7-A184-AF9068E9D161}"/>
+    <dgm:cxn modelId="{48BC7BB8-E80C-C440-BD8C-3856E6B5FF38}" type="presOf" srcId="{C638D0B5-29C9-4373-8DB6-7F300D24EFCE}" destId="{49FB836F-63CB-2141-9402-D46A7A45D5EE}" srcOrd="0" destOrd="0" presId="urn:microsoft.com/office/officeart/2005/8/layout/vList2"/>
+    <dgm:cxn modelId="{93ED30BE-E603-40B8-953D-AEFC8E8C8043}" srcId="{05786E90-9A86-453A-BBC7-5DBC5E0758C7}" destId="{03EA0C8F-6493-469A-BEBF-3455E605A017}" srcOrd="2" destOrd="0" parTransId="{52CEACC4-F42D-4C98-A716-A7A6A882713D}" sibTransId="{051D5DD5-64ED-49BF-8254-24D872F6B9F1}"/>
+    <dgm:cxn modelId="{880375CD-DB7C-AB41-A061-CF1BB75CDC61}" type="presOf" srcId="{99A2BBB9-E860-4F17-BF18-772CC66C041A}" destId="{82B6D174-8045-1F40-81A8-F7DA098C9F72}" srcOrd="0" destOrd="0" presId="urn:microsoft.com/office/officeart/2005/8/layout/vList2"/>
+    <dgm:cxn modelId="{1369D0BF-1806-CC40-B783-1534E98E8F86}" type="presParOf" srcId="{F8B0B23D-C2F8-F048-AF08-8F14C993A355}" destId="{82B6D174-8045-1F40-81A8-F7DA098C9F72}" srcOrd="0" destOrd="0" presId="urn:microsoft.com/office/officeart/2005/8/layout/vList2"/>
+    <dgm:cxn modelId="{CB20C392-4CE1-C042-9CDE-66FD1454722D}" type="presParOf" srcId="{F8B0B23D-C2F8-F048-AF08-8F14C993A355}" destId="{827FD58D-04EE-604B-A1F4-EE35EA488D30}" srcOrd="1" destOrd="0" presId="urn:microsoft.com/office/officeart/2005/8/layout/vList2"/>
+    <dgm:cxn modelId="{C1188666-9FBD-0F43-8D6E-1D5D1DE1EDA4}" type="presParOf" srcId="{F8B0B23D-C2F8-F048-AF08-8F14C993A355}" destId="{9B335ED9-5501-314A-A277-9A5651FFD610}" srcOrd="2" destOrd="0" presId="urn:microsoft.com/office/officeart/2005/8/layout/vList2"/>
+    <dgm:cxn modelId="{BEDF601C-F15A-BE44-BDD2-E9199D6CB7AC}" type="presParOf" srcId="{F8B0B23D-C2F8-F048-AF08-8F14C993A355}" destId="{179A7131-E636-3342-82CA-AE5963D69FEB}" srcOrd="3" destOrd="0" presId="urn:microsoft.com/office/officeart/2005/8/layout/vList2"/>
+    <dgm:cxn modelId="{D1DEABFF-1907-B845-BB25-4E3D03FC2B0E}" type="presParOf" srcId="{F8B0B23D-C2F8-F048-AF08-8F14C993A355}" destId="{EE284EE7-BB5C-8A4C-9C14-38E93F3CAF50}" srcOrd="4" destOrd="0" presId="urn:microsoft.com/office/officeart/2005/8/layout/vList2"/>
+    <dgm:cxn modelId="{7E1E8AAC-CB3D-7943-B1BD-9462034EB810}" type="presParOf" srcId="{F8B0B23D-C2F8-F048-AF08-8F14C993A355}" destId="{3045C1AB-F357-1A48-A7E5-90A2260EA434}" srcOrd="5" destOrd="0" presId="urn:microsoft.com/office/officeart/2005/8/layout/vList2"/>
+    <dgm:cxn modelId="{2C8F7A24-F50D-4448-A786-CF5040EC4E5A}" type="presParOf" srcId="{F8B0B23D-C2F8-F048-AF08-8F14C993A355}" destId="{49FB836F-63CB-2141-9402-D46A7A45D5EE}" srcOrd="6" destOrd="0" presId="urn:microsoft.com/office/officeart/2005/8/layout/vList2"/>
+  </dgm:cxnLst>
+  <dgm:bg/>
+  <dgm:whole/>
+  <dgm:extLst>
+    <a:ext uri="http://schemas.microsoft.com/office/drawing/2008/diagram">
+      <dsp:dataModelExt xmlns:dsp="http://schemas.microsoft.com/office/drawing/2008/diagram" relId="rId6" minVer="http://schemas.openxmlformats.org/drawingml/2006/diagram"/>
+    </a:ext>
+  </dgm:extLst>
+</dgm:dataModel>
+</file>
+
+<file path=ppt/diagrams/drawing1.xml><?xml version="1.0" encoding="utf-8"?>
+<dsp:drawing xmlns:dgm="http://schemas.openxmlformats.org/drawingml/2006/diagram" xmlns:dsp="http://schemas.microsoft.com/office/drawing/2008/diagram" xmlns:a="http://schemas.openxmlformats.org/drawingml/2006/main">
+  <dsp:spTree>
+    <dsp:nvGrpSpPr>
+      <dsp:cNvPr id="0" name=""/>
+      <dsp:cNvGrpSpPr/>
+    </dsp:nvGrpSpPr>
+    <dsp:grpSpPr/>
+    <dsp:sp modelId="{82B6D174-8045-1F40-81A8-F7DA098C9F72}">
+      <dsp:nvSpPr>
+        <dsp:cNvPr id="0" name=""/>
+        <dsp:cNvSpPr/>
+      </dsp:nvSpPr>
+      <dsp:spPr>
+        <a:xfrm>
+          <a:off x="0" y="374608"/>
+          <a:ext cx="7559504" cy="1312740"/>
+        </a:xfrm>
+        <a:prstGeom prst="roundRect">
+          <a:avLst/>
+        </a:prstGeom>
+        <a:solidFill>
+          <a:schemeClr val="accent2">
+            <a:hueOff val="0"/>
+            <a:satOff val="0"/>
+            <a:lumOff val="0"/>
+            <a:alphaOff val="0"/>
+          </a:schemeClr>
+        </a:solidFill>
+        <a:ln w="19050" cap="flat" cmpd="sng" algn="ctr">
+          <a:solidFill>
+            <a:schemeClr val="lt1">
+              <a:hueOff val="0"/>
+              <a:satOff val="0"/>
+              <a:lumOff val="0"/>
+              <a:alphaOff val="0"/>
+            </a:schemeClr>
+          </a:solidFill>
+          <a:prstDash val="solid"/>
+          <a:miter lim="800000"/>
+        </a:ln>
+        <a:effectLst/>
+      </dsp:spPr>
+      <dsp:style>
+        <a:lnRef idx="2">
+          <a:scrgbClr r="0" g="0" b="0"/>
+        </a:lnRef>
+        <a:fillRef idx="1">
+          <a:scrgbClr r="0" g="0" b="0"/>
+        </a:fillRef>
+        <a:effectRef idx="0">
+          <a:scrgbClr r="0" g="0" b="0"/>
+        </a:effectRef>
+        <a:fontRef idx="minor">
+          <a:schemeClr val="lt1"/>
+        </a:fontRef>
+      </dsp:style>
+      <dsp:txBody>
+        <a:bodyPr spcFirstLastPara="0" vert="horz" wrap="square" lIns="125730" tIns="125730" rIns="125730" bIns="125730" numCol="1" spcCol="1270" anchor="ctr" anchorCtr="0">
+          <a:noAutofit/>
+        </a:bodyPr>
+        <a:lstStyle/>
+        <a:p>
+          <a:pPr marL="0" lvl="0" indent="0" algn="l" defTabSz="1466850">
+            <a:lnSpc>
+              <a:spcPct val="90000"/>
+            </a:lnSpc>
+            <a:spcBef>
+              <a:spcPct val="0"/>
+            </a:spcBef>
+            <a:spcAft>
+              <a:spcPct val="35000"/>
+            </a:spcAft>
+            <a:buNone/>
+          </a:pPr>
+          <a:r>
+            <a:rPr lang="fr-FR" sz="3300" kern="1200" dirty="0"/>
+            <a:t>Jeu de données sur le brevet des collèges</a:t>
+          </a:r>
+          <a:endParaRPr lang="en-US" sz="3300" kern="1200" dirty="0"/>
+        </a:p>
+      </dsp:txBody>
+      <dsp:txXfrm>
+        <a:off x="64083" y="438691"/>
+        <a:ext cx="7431338" cy="1184574"/>
+      </dsp:txXfrm>
+    </dsp:sp>
+    <dsp:sp modelId="{9B335ED9-5501-314A-A277-9A5651FFD610}">
+      <dsp:nvSpPr>
+        <dsp:cNvPr id="0" name=""/>
+        <dsp:cNvSpPr/>
+      </dsp:nvSpPr>
+      <dsp:spPr>
+        <a:xfrm>
+          <a:off x="0" y="1782388"/>
+          <a:ext cx="7559504" cy="1312740"/>
+        </a:xfrm>
+        <a:prstGeom prst="roundRect">
+          <a:avLst/>
+        </a:prstGeom>
+        <a:solidFill>
+          <a:schemeClr val="accent2">
+            <a:hueOff val="2147871"/>
+            <a:satOff val="-6164"/>
+            <a:lumOff val="-9870"/>
+            <a:alphaOff val="0"/>
+          </a:schemeClr>
+        </a:solidFill>
+        <a:ln w="19050" cap="flat" cmpd="sng" algn="ctr">
+          <a:solidFill>
+            <a:schemeClr val="lt1">
+              <a:hueOff val="0"/>
+              <a:satOff val="0"/>
+              <a:lumOff val="0"/>
+              <a:alphaOff val="0"/>
+            </a:schemeClr>
+          </a:solidFill>
+          <a:prstDash val="solid"/>
+          <a:miter lim="800000"/>
+        </a:ln>
+        <a:effectLst/>
+      </dsp:spPr>
+      <dsp:style>
+        <a:lnRef idx="2">
+          <a:scrgbClr r="0" g="0" b="0"/>
+        </a:lnRef>
+        <a:fillRef idx="1">
+          <a:scrgbClr r="0" g="0" b="0"/>
+        </a:fillRef>
+        <a:effectRef idx="0">
+          <a:scrgbClr r="0" g="0" b="0"/>
+        </a:effectRef>
+        <a:fontRef idx="minor">
+          <a:schemeClr val="lt1"/>
+        </a:fontRef>
+      </dsp:style>
+      <dsp:txBody>
+        <a:bodyPr spcFirstLastPara="0" vert="horz" wrap="square" lIns="125730" tIns="125730" rIns="125730" bIns="125730" numCol="1" spcCol="1270" anchor="ctr" anchorCtr="0">
+          <a:noAutofit/>
+        </a:bodyPr>
+        <a:lstStyle/>
+        <a:p>
+          <a:pPr marL="0" lvl="0" indent="0" algn="l" defTabSz="1466850">
+            <a:lnSpc>
+              <a:spcPct val="90000"/>
+            </a:lnSpc>
+            <a:spcBef>
+              <a:spcPct val="0"/>
+            </a:spcBef>
+            <a:spcAft>
+              <a:spcPct val="35000"/>
+            </a:spcAft>
+            <a:buNone/>
+          </a:pPr>
+          <a:r>
+            <a:rPr lang="fr-FR" sz="3300" kern="1200"/>
+            <a:t>Diplôme créé en 1980-1981</a:t>
+          </a:r>
+          <a:endParaRPr lang="en-US" sz="3300" kern="1200"/>
+        </a:p>
+      </dsp:txBody>
+      <dsp:txXfrm>
+        <a:off x="64083" y="1846471"/>
+        <a:ext cx="7431338" cy="1184574"/>
+      </dsp:txXfrm>
+    </dsp:sp>
+    <dsp:sp modelId="{EE284EE7-BB5C-8A4C-9C14-38E93F3CAF50}">
+      <dsp:nvSpPr>
+        <dsp:cNvPr id="0" name=""/>
+        <dsp:cNvSpPr/>
+      </dsp:nvSpPr>
+      <dsp:spPr>
+        <a:xfrm>
+          <a:off x="0" y="3190168"/>
+          <a:ext cx="7559504" cy="1312740"/>
+        </a:xfrm>
+        <a:prstGeom prst="roundRect">
+          <a:avLst/>
+        </a:prstGeom>
+        <a:solidFill>
+          <a:schemeClr val="accent2">
+            <a:hueOff val="4295742"/>
+            <a:satOff val="-12329"/>
+            <a:lumOff val="-19739"/>
+            <a:alphaOff val="0"/>
+          </a:schemeClr>
+        </a:solidFill>
+        <a:ln w="19050" cap="flat" cmpd="sng" algn="ctr">
+          <a:solidFill>
+            <a:schemeClr val="lt1">
+              <a:hueOff val="0"/>
+              <a:satOff val="0"/>
+              <a:lumOff val="0"/>
+              <a:alphaOff val="0"/>
+            </a:schemeClr>
+          </a:solidFill>
+          <a:prstDash val="solid"/>
+          <a:miter lim="800000"/>
+        </a:ln>
+        <a:effectLst/>
+      </dsp:spPr>
+      <dsp:style>
+        <a:lnRef idx="2">
+          <a:scrgbClr r="0" g="0" b="0"/>
+        </a:lnRef>
+        <a:fillRef idx="1">
+          <a:scrgbClr r="0" g="0" b="0"/>
+        </a:fillRef>
+        <a:effectRef idx="0">
+          <a:scrgbClr r="0" g="0" b="0"/>
+        </a:effectRef>
+        <a:fontRef idx="minor">
+          <a:schemeClr val="lt1"/>
+        </a:fontRef>
+      </dsp:style>
+      <dsp:txBody>
+        <a:bodyPr spcFirstLastPara="0" vert="horz" wrap="square" lIns="125730" tIns="125730" rIns="125730" bIns="125730" numCol="1" spcCol="1270" anchor="ctr" anchorCtr="0">
+          <a:noAutofit/>
+        </a:bodyPr>
+        <a:lstStyle/>
+        <a:p>
+          <a:pPr marL="0" lvl="0" indent="0" algn="l" defTabSz="1466850">
+            <a:lnSpc>
+              <a:spcPct val="90000"/>
+            </a:lnSpc>
+            <a:spcBef>
+              <a:spcPct val="0"/>
+            </a:spcBef>
+            <a:spcAft>
+              <a:spcPct val="35000"/>
+            </a:spcAft>
+            <a:buNone/>
+          </a:pPr>
+          <a:r>
+            <a:rPr lang="fr-FR" sz="3300" kern="1200"/>
+            <a:t>A reçu de nombreuses réformes depuis sa création, dont une prévue pour 2025</a:t>
+          </a:r>
+          <a:endParaRPr lang="en-US" sz="3300" kern="1200"/>
+        </a:p>
+      </dsp:txBody>
+      <dsp:txXfrm>
+        <a:off x="64083" y="3254251"/>
+        <a:ext cx="7431338" cy="1184574"/>
+      </dsp:txXfrm>
+    </dsp:sp>
+    <dsp:sp modelId="{49FB836F-63CB-2141-9402-D46A7A45D5EE}">
+      <dsp:nvSpPr>
+        <dsp:cNvPr id="0" name=""/>
+        <dsp:cNvSpPr/>
+      </dsp:nvSpPr>
+      <dsp:spPr>
+        <a:xfrm>
+          <a:off x="0" y="4597948"/>
+          <a:ext cx="7559504" cy="1312740"/>
+        </a:xfrm>
+        <a:prstGeom prst="roundRect">
+          <a:avLst/>
+        </a:prstGeom>
+        <a:solidFill>
+          <a:schemeClr val="accent2">
+            <a:hueOff val="6443612"/>
+            <a:satOff val="-18493"/>
+            <a:lumOff val="-29609"/>
+            <a:alphaOff val="0"/>
+          </a:schemeClr>
+        </a:solidFill>
+        <a:ln w="19050" cap="flat" cmpd="sng" algn="ctr">
+          <a:solidFill>
+            <a:schemeClr val="lt1">
+              <a:hueOff val="0"/>
+              <a:satOff val="0"/>
+              <a:lumOff val="0"/>
+              <a:alphaOff val="0"/>
+            </a:schemeClr>
+          </a:solidFill>
+          <a:prstDash val="solid"/>
+          <a:miter lim="800000"/>
+        </a:ln>
+        <a:effectLst/>
+      </dsp:spPr>
+      <dsp:style>
+        <a:lnRef idx="2">
+          <a:scrgbClr r="0" g="0" b="0"/>
+        </a:lnRef>
+        <a:fillRef idx="1">
+          <a:scrgbClr r="0" g="0" b="0"/>
+        </a:fillRef>
+        <a:effectRef idx="0">
+          <a:scrgbClr r="0" g="0" b="0"/>
+        </a:effectRef>
+        <a:fontRef idx="minor">
+          <a:schemeClr val="lt1"/>
+        </a:fontRef>
+      </dsp:style>
+      <dsp:txBody>
+        <a:bodyPr spcFirstLastPara="0" vert="horz" wrap="square" lIns="125730" tIns="125730" rIns="125730" bIns="125730" numCol="1" spcCol="1270" anchor="ctr" anchorCtr="0">
+          <a:noAutofit/>
+        </a:bodyPr>
+        <a:lstStyle/>
+        <a:p>
+          <a:pPr marL="0" lvl="0" indent="0" algn="l" defTabSz="1466850">
+            <a:lnSpc>
+              <a:spcPct val="90000"/>
+            </a:lnSpc>
+            <a:spcBef>
+              <a:spcPct val="0"/>
+            </a:spcBef>
+            <a:spcAft>
+              <a:spcPct val="35000"/>
+            </a:spcAft>
+            <a:buNone/>
+          </a:pPr>
+          <a:r>
+            <a:rPr lang="fr-FR" sz="3300" kern="1200"/>
+            <a:t>Objectif du brevet: « maîtrise d’un socle commun de connaissance »</a:t>
+          </a:r>
+          <a:endParaRPr lang="en-US" sz="3300" kern="1200"/>
+        </a:p>
+      </dsp:txBody>
+      <dsp:txXfrm>
+        <a:off x="64083" y="4662031"/>
+        <a:ext cx="7431338" cy="1184574"/>
+      </dsp:txXfrm>
+    </dsp:sp>
+  </dsp:spTree>
+</dsp:drawing>
+</file>
+
+<file path=ppt/diagrams/layout1.xml><?xml version="1.0" encoding="utf-8"?>
+<dgm:layoutDef xmlns:dgm="http://schemas.openxmlformats.org/drawingml/2006/diagram" xmlns:a="http://schemas.openxmlformats.org/drawingml/2006/main" uniqueId="urn:microsoft.com/office/officeart/2005/8/layout/vList2">
+  <dgm:title val=""/>
+  <dgm:desc val=""/>
+  <dgm:catLst>
+    <dgm:cat type="list" pri="3000"/>
+    <dgm:cat type="convert" pri="1000"/>
+  </dgm:catLst>
+  <dgm:sampData>
+    <dgm:dataModel>
+      <dgm:ptLst>
+        <dgm:pt modelId="0" type="doc"/>
+        <dgm:pt modelId="1">
+          <dgm:prSet phldr="1"/>
+        </dgm:pt>
+        <dgm:pt modelId="11">
+          <dgm:prSet phldr="1"/>
+        </dgm:pt>
+        <dgm:pt modelId="2">
+          <dgm:prSet phldr="1"/>
+        </dgm:pt>
+        <dgm:pt modelId="21">
+          <dgm:prSet phldr="1"/>
+        </dgm:pt>
+      </dgm:ptLst>
+      <dgm:cxnLst>
+        <dgm:cxn modelId="4" srcId="0" destId="1" srcOrd="0" destOrd="0"/>
+        <dgm:cxn modelId="5" srcId="0" destId="2" srcOrd="1" destOrd="0"/>
+        <dgm:cxn modelId="12" srcId="1" destId="11" srcOrd="0" destOrd="0"/>
+        <dgm:cxn modelId="23" srcId="2" destId="21" srcOrd="0" destOrd="0"/>
+      </dgm:cxnLst>
+      <dgm:bg/>
+      <dgm:whole/>
+    </dgm:dataModel>
+  </dgm:sampData>
+  <dgm:styleData>
+    <dgm:dataModel>
+      <dgm:ptLst>
+        <dgm:pt modelId="0" type="doc"/>
+        <dgm:pt modelId="1"/>
+        <dgm:pt modelId="2"/>
+      </dgm:ptLst>
+      <dgm:cxnLst>
+        <dgm:cxn modelId="3" srcId="0" destId="1" srcOrd="0" destOrd="0"/>
+        <dgm:cxn modelId="4" srcId="0" destId="2" srcOrd="1" destOrd="0"/>
+      </dgm:cxnLst>
+      <dgm:bg/>
+      <dgm:whole/>
+    </dgm:dataModel>
+  </dgm:styleData>
+  <dgm:clrData>
+    <dgm:dataModel>
+      <dgm:ptLst>
+        <dgm:pt modelId="0" type="doc"/>
+        <dgm:pt modelId="1"/>
+        <dgm:pt modelId="2"/>
+        <dgm:pt modelId="3"/>
+        <dgm:pt modelId="4"/>
+      </dgm:ptLst>
+      <dgm:cxnLst>
+        <dgm:cxn modelId="5" srcId="0" destId="1" srcOrd="0" destOrd="0"/>
+        <dgm:cxn modelId="6" srcId="0" destId="2" srcOrd="1" destOrd="0"/>
+        <dgm:cxn modelId="7" srcId="0" destId="3" srcOrd="2" destOrd="0"/>
+        <dgm:cxn modelId="8" srcId="0" destId="4" srcOrd="3" destOrd="0"/>
+      </dgm:cxnLst>
+      <dgm:bg/>
+      <dgm:whole/>
+    </dgm:dataModel>
+  </dgm:clrData>
+  <dgm:layoutNode name="linear">
+    <dgm:varLst>
+      <dgm:animLvl val="lvl"/>
+      <dgm:resizeHandles val="exact"/>
+    </dgm:varLst>
+    <dgm:alg type="lin">
+      <dgm:param type="linDir" val="fromT"/>
+      <dgm:param type="vertAlign" val="mid"/>
+    </dgm:alg>
+    <dgm:shape xmlns:r="http://schemas.openxmlformats.org/officeDocument/2006/relationships" r:blip="">
+      <dgm:adjLst/>
+    </dgm:shape>
+    <dgm:presOf/>
+    <dgm:constrLst>
+      <dgm:constr type="w" for="ch" forName="parentText" refType="w"/>
+      <dgm:constr type="h" for="ch" forName="parentText" refType="primFontSz" refFor="ch" refForName="parentText" fact="0.52"/>
+      <dgm:constr type="w" for="ch" forName="childText" refType="w"/>
+      <dgm:constr type="h" for="ch" forName="childText" refType="primFontSz" refFor="ch" refForName="parentText" fact="0.46"/>
+      <dgm:constr type="h" for="ch" forName="parentText" op="equ"/>
+      <dgm:constr type="primFontSz" for="ch" forName="parentText" op="equ" val="65"/>
+      <dgm:constr type="primFontSz" for="ch" forName="childText" refType="primFontSz" refFor="ch" refForName="parentText" op="equ"/>
+      <dgm:constr type="h" for="ch" forName="spacer" refType="primFontSz" refFor="ch" refForName="parentText" fact="0.08"/>
+    </dgm:constrLst>
+    <dgm:ruleLst>
+      <dgm:rule type="primFontSz" for="ch" forName="parentText" val="5" fact="NaN" max="NaN"/>
+    </dgm:ruleLst>
+    <dgm:forEach name="Name0" axis="ch" ptType="node">
+      <dgm:layoutNode name="parentText" styleLbl="node1">
+        <dgm:varLst>
+          <dgm:chMax val="0"/>
+          <dgm:bulletEnabled val="1"/>
+        </dgm:varLst>
+        <dgm:alg type="tx">
+          <dgm:param type="parTxLTRAlign" val="l"/>
+          <dgm:param type="parTxRTLAlign" val="r"/>
+        </dgm:alg>
+        <dgm:shape xmlns:r="http://schemas.openxmlformats.org/officeDocument/2006/relationships" type="roundRect" r:blip="">
+          <dgm:adjLst/>
+        </dgm:shape>
+        <dgm:presOf axis="self"/>
+        <dgm:constrLst>
+          <dgm:constr type="tMarg" refType="primFontSz" fact="0.3"/>
+          <dgm:constr type="bMarg" refType="primFontSz" fact="0.3"/>
+          <dgm:constr type="lMarg" refType="primFontSz" fact="0.3"/>
+          <dgm:constr type="rMarg" refType="primFontSz" fact="0.3"/>
+        </dgm:constrLst>
+        <dgm:ruleLst>
+          <dgm:rule type="h" val="INF" fact="NaN" max="NaN"/>
+        </dgm:ruleLst>
+      </dgm:layoutNode>
+      <dgm:choose name="Name1">
+        <dgm:if name="Name2" axis="ch" ptType="node" func="cnt" op="gte" val="1">
+          <dgm:layoutNode name="childText" styleLbl="revTx">
+            <dgm:varLst>
+              <dgm:bulletEnabled val="1"/>
+            </dgm:varLst>
+            <dgm:alg type="tx">
+              <dgm:param type="stBulletLvl" val="1"/>
+              <dgm:param type="lnSpAfChP" val="20"/>
+            </dgm:alg>
+            <dgm:shape xmlns:r="http://schemas.openxmlformats.org/officeDocument/2006/relationships" type="rect" r:blip="">
+              <dgm:adjLst/>
+            </dgm:shape>
+            <dgm:presOf axis="des" ptType="node"/>
+            <dgm:constrLst>
+              <dgm:constr type="tMarg" refType="primFontSz" fact="0.1"/>
+              <dgm:constr type="bMarg" refType="primFontSz" fact="0.1"/>
+              <dgm:constr type="lMarg" refType="w" fact="0.09"/>
+            </dgm:constrLst>
+            <dgm:ruleLst>
+              <dgm:rule type="h" val="INF" fact="NaN" max="NaN"/>
+            </dgm:ruleLst>
+          </dgm:layoutNode>
+        </dgm:if>
+        <dgm:else name="Name3">
+          <dgm:choose name="Name4">
+            <dgm:if name="Name5" axis="par ch" ptType="doc node" func="cnt" op="gte" val="2">
+              <dgm:forEach name="Name6" axis="followSib" ptType="sibTrans" cnt="1">
+                <dgm:layoutNode name="spacer">
+                  <dgm:alg type="sp"/>
+                  <dgm:shape xmlns:r="http://schemas.openxmlformats.org/officeDocument/2006/relationships" r:blip="">
+                    <dgm:adjLst/>
+                  </dgm:shape>
+                  <dgm:presOf/>
+                  <dgm:constrLst/>
+                  <dgm:ruleLst/>
+                </dgm:layoutNode>
+              </dgm:forEach>
+            </dgm:if>
+            <dgm:else name="Name7"/>
+          </dgm:choose>
+        </dgm:else>
+      </dgm:choose>
+    </dgm:forEach>
+  </dgm:layoutNode>
+</dgm:layoutDef>
+</file>
+
+<file path=ppt/diagrams/quickStyle1.xml><?xml version="1.0" encoding="utf-8"?>
+<dgm:styleDef xmlns:dgm="http://schemas.openxmlformats.org/drawingml/2006/diagram" xmlns:a="http://schemas.openxmlformats.org/drawingml/2006/main" uniqueId="urn:microsoft.com/office/officeart/2005/8/quickstyle/simple1">
+  <dgm:title val=""/>
+  <dgm:desc val=""/>
+  <dgm:catLst>
+    <dgm:cat type="simple" pri="10100"/>
+  </dgm:catLst>
+  <dgm:scene3d>
+    <a:camera prst="orthographicFront"/>
+    <a:lightRig rig="threePt" dir="t"/>
+  </dgm:scene3d>
+  <dgm:styleLbl name="node0">
+    <dgm:scene3d>
+      <a:camera prst="orthographicFront"/>
+      <a:lightRig rig="threePt" dir="t"/>
+    </dgm:scene3d>
+    <dgm:sp3d/>
+    <dgm:txPr/>
+    <dgm:style>
+      <a:lnRef idx="2">
+        <a:scrgbClr r="0" g="0" b="0"/>
+      </a:lnRef>
+      <a:fillRef idx="1">
+        <a:scrgbClr r="0" g="0" b="0"/>
+      </a:fillRef>
+      <a:effectRef idx="0">
+        <a:scrgbClr r="0" g="0" b="0"/>
+      </a:effectRef>
+      <a:fontRef idx="minor">
+        <a:schemeClr val="lt1"/>
+      </a:fontRef>
+    </dgm:style>
+  </dgm:styleLbl>
+  <dgm:styleLbl name="lnNode1">
+    <dgm:scene3d>
+      <a:camera prst="orthographicFront"/>
+      <a:lightRig rig="threePt" dir="t"/>
+    </dgm:scene3d>
+    <dgm:sp3d/>
+    <dgm:txPr/>
+    <dgm:style>
+      <a:lnRef idx="2">
+        <a:scrgbClr r="0" g="0" b="0"/>
+      </a:lnRef>
+      <a:fillRef idx="1">
+        <a:scrgbClr r="0" g="0" b="0"/>
+      </a:fillRef>
+      <a:effectRef idx="0">
+        <a:scrgbClr r="0" g="0" b="0"/>
+      </a:effectRef>
+      <a:fontRef idx="minor">
+        <a:schemeClr val="lt1"/>
+      </a:fontRef>
+    </dgm:style>
+  </dgm:styleLbl>
+  <dgm:styleLbl name="vennNode1">
+    <dgm:scene3d>
+      <a:camera prst="orthographicFront"/>
+      <a:lightRig rig="threePt" dir="t"/>
+    </dgm:scene3d>
+    <dgm:sp3d/>
+    <dgm:txPr/>
+    <dgm:style>
+      <a:lnRef idx="2">
+        <a:scrgbClr r="0" g="0" b="0"/>
+      </a:lnRef>
+      <a:fillRef idx="1">
+        <a:scrgbClr r="0" g="0" b="0"/>
+      </a:fillRef>
+      <a:effectRef idx="0">
+        <a:scrgbClr r="0" g="0" b="0"/>
+      </a:effectRef>
+      <a:fontRef idx="minor">
+        <a:schemeClr val="tx1"/>
+      </a:fontRef>
+    </dgm:style>
+  </dgm:styleLbl>
+  <dgm:styleLbl name="alignNode1">
+    <dgm:scene3d>
+      <a:camera prst="orthographicFront"/>
+      <a:lightRig rig="threePt" dir="t"/>
+    </dgm:scene3d>
+    <dgm:sp3d/>
+    <dgm:txPr/>
+    <dgm:style>
+      <a:lnRef idx="2">
+        <a:scrgbClr r="0" g="0" b="0"/>
+      </a:lnRef>
+      <a:fillRef idx="1">
+        <a:scrgbClr r="0" g="0" b="0"/>
+      </a:fillRef>
+      <a:effectRef idx="0">
+        <a:scrgbClr r="0" g="0" b="0"/>
+      </a:effectRef>
+      <a:fontRef idx="minor">
+        <a:schemeClr val="lt1"/>
+      </a:fontRef>
+    </dgm:style>
+  </dgm:styleLbl>
+  <dgm:styleLbl name="node1">
+    <dgm:scene3d>
+      <a:camera prst="orthographicFront"/>
+      <a:lightRig rig="threePt" dir="t"/>
+    </dgm:scene3d>
+    <dgm:sp3d/>
+    <dgm:txPr/>
+    <dgm:style>
+      <a:lnRef idx="2">
+        <a:scrgbClr r="0" g="0" b="0"/>
+      </a:lnRef>
+      <a:fillRef idx="1">
+        <a:scrgbClr r="0" g="0" b="0"/>
+      </a:fillRef>
+      <a:effectRef idx="0">
+        <a:scrgbClr r="0" g="0" b="0"/>
+      </a:effectRef>
+      <a:fontRef idx="minor">
+        <a:schemeClr val="lt1"/>
+      </a:fontRef>
+    </dgm:style>
+  </dgm:styleLbl>
+  <dgm:styleLbl name="node2">
+    <dgm:scene3d>
+      <a:camera prst="orthographicFront"/>
+      <a:lightRig rig="threePt" dir="t"/>
+    </dgm:scene3d>
+    <dgm:sp3d/>
+    <dgm:txPr/>
+    <dgm:style>
+      <a:lnRef idx="2">
+        <a:scrgbClr r="0" g="0" b="0"/>
+      </a:lnRef>
+      <a:fillRef idx="1">
+        <a:scrgbClr r="0" g="0" b="0"/>
+      </a:fillRef>
+      <a:effectRef idx="0">
+        <a:scrgbClr r="0" g="0" b="0"/>
+      </a:effectRef>
+      <a:fontRef idx="minor">
+        <a:schemeClr val="lt1"/>
+      </a:fontRef>
+    </dgm:style>
+  </dgm:styleLbl>
+  <dgm:styleLbl name="node3">
+    <dgm:scene3d>
+      <a:camera prst="orthographicFront"/>
+      <a:lightRig rig="threePt" dir="t"/>
+    </dgm:scene3d>
+    <dgm:sp3d/>
+    <dgm:txPr/>
+    <dgm:style>
+      <a:lnRef idx="2">
+        <a:scrgbClr r="0" g="0" b="0"/>
+      </a:lnRef>
+      <a:fillRef idx="1">
+        <a:scrgbClr r="0" g="0" b="0"/>
+      </a:fillRef>
+      <a:effectRef idx="0">
+        <a:scrgbClr r="0" g="0" b="0"/>
+      </a:effectRef>
+      <a:fontRef idx="minor">
+        <a:schemeClr val="lt1"/>
+      </a:fontRef>
+    </dgm:style>
+  </dgm:styleLbl>
+  <dgm:styleLbl name="node4">
+    <dgm:scene3d>
+      <a:camera prst="orthographicFront"/>
+      <a:lightRig rig="threePt" dir="t"/>
+    </dgm:scene3d>
+    <dgm:sp3d/>
+    <dgm:txPr/>
+    <dgm:style>
+      <a:lnRef idx="2">
+        <a:scrgbClr r="0" g="0" b="0"/>
+      </a:lnRef>
+      <a:fillRef idx="1">
+        <a:scrgbClr r="0" g="0" b="0"/>
+      </a:fillRef>
+      <a:effectRef idx="0">
+        <a:scrgbClr r="0" g="0" b="0"/>
+      </a:effectRef>
+      <a:fontRef idx="minor">
+        <a:schemeClr val="lt1"/>
+      </a:fontRef>
+    </dgm:style>
+  </dgm:styleLbl>
+  <dgm:styleLbl name="fgImgPlace1">
+    <dgm:scene3d>
+      <a:camera prst="orthographicFront"/>
+      <a:lightRig rig="threePt" dir="t"/>
+    </dgm:scene3d>
+    <dgm:sp3d/>
+    <dgm:txPr/>
+    <dgm:style>
+      <a:lnRef idx="2">
+        <a:scrgbClr r="0" g="0" b="0"/>
+      </a:lnRef>
+      <a:fillRef idx="1">
+        <a:scrgbClr r="0" g="0" b="0"/>
+      </a:fillRef>
+      <a:effectRef idx="0">
+        <a:scrgbClr r="0" g="0" b="0"/>
+      </a:effectRef>
+      <a:fontRef idx="minor"/>
+    </dgm:style>
+  </dgm:styleLbl>
+  <dgm:styleLbl name="alignImgPlace1">
+    <dgm:scene3d>
+      <a:camera prst="orthographicFront"/>
+      <a:lightRig rig="threePt" dir="t"/>
+    </dgm:scene3d>
+    <dgm:sp3d/>
+    <dgm:txPr/>
+    <dgm:style>
+      <a:lnRef idx="2">
+        <a:scrgbClr r="0" g="0" b="0"/>
+      </a:lnRef>
+      <a:fillRef idx="1">
+        <a:scrgbClr r="0" g="0" b="0"/>
+      </a:fillRef>
+      <a:effectRef idx="0">
+        <a:scrgbClr r="0" g="0" b="0"/>
+      </a:effectRef>
+      <a:fontRef idx="minor"/>
+    </dgm:style>
+  </dgm:styleLbl>
+  <dgm:styleLbl name="bgImgPlace1">
+    <dgm:scene3d>
+      <a:camera prst="orthographicFront"/>
+      <a:lightRig rig="threePt" dir="t"/>
+    </dgm:scene3d>
+    <dgm:sp3d/>
+    <dgm:txPr/>
+    <dgm:style>
+      <a:lnRef idx="2">
+        <a:scrgbClr r="0" g="0" b="0"/>
+      </a:lnRef>
+      <a:fillRef idx="1">
+        <a:scrgbClr r="0" g="0" b="0"/>
+      </a:fillRef>
+      <a:effectRef idx="0">
+        <a:scrgbClr r="0" g="0" b="0"/>
+      </a:effectRef>
+      <a:fontRef idx="minor"/>
+    </dgm:style>
+  </dgm:styleLbl>
+  <dgm:styleLbl name="sibTrans2D1">
+    <dgm:scene3d>
+      <a:camera prst="orthographicFront"/>
+      <a:lightRig rig="threePt" dir="t"/>
+    </dgm:scene3d>
+    <dgm:sp3d/>
+    <dgm:txPr/>
+    <dgm:style>
+      <a:lnRef idx="0">
+        <a:scrgbClr r="0" g="0" b="0"/>
+      </a:lnRef>
+      <a:fillRef idx="1">
+        <a:scrgbClr r="0" g="0" b="0"/>
+      </a:fillRef>
+      <a:effectRef idx="0">
+        <a:scrgbClr r="0" g="0" b="0"/>
+      </a:effectRef>
+      <a:fontRef idx="minor">
+        <a:schemeClr val="lt1"/>
+      </a:fontRef>
+    </dgm:style>
+  </dgm:styleLbl>
+  <dgm:styleLbl name="fgSibTrans2D1">
+    <dgm:scene3d>
+      <a:camera prst="orthographicFront"/>
+      <a:lightRig rig="threePt" dir="t"/>
+    </dgm:scene3d>
+    <dgm:sp3d/>
+    <dgm:txPr/>
+    <dgm:style>
+      <a:lnRef idx="0">
+        <a:scrgbClr r="0" g="0" b="0"/>
+      </a:lnRef>
+      <a:fillRef idx="1">
+        <a:scrgbClr r="0" g="0" b="0"/>
+      </a:fillRef>
+      <a:effectRef idx="0">
+        <a:scrgbClr r="0" g="0" b="0"/>
+      </a:effectRef>
+      <a:fontRef idx="minor">
+        <a:schemeClr val="lt1"/>
+      </a:fontRef>
+    </dgm:style>
+  </dgm:styleLbl>
+  <dgm:styleLbl name="bgSibTrans2D1">
+    <dgm:scene3d>
+      <a:camera prst="orthographicFront"/>
+      <a:lightRig rig="threePt" dir="t"/>
+    </dgm:scene3d>
+    <dgm:sp3d/>
+    <dgm:txPr/>
+    <dgm:style>
+      <a:lnRef idx="0">
+        <a:scrgbClr r="0" g="0" b="0"/>
+      </a:lnRef>
+      <a:fillRef idx="1">
+        <a:scrgbClr r="0" g="0" b="0"/>
+      </a:fillRef>
+      <a:effectRef idx="0">
+        <a:scrgbClr r="0" g="0" b="0"/>
+      </a:effectRef>
+      <a:fontRef idx="minor">
+        <a:schemeClr val="lt1"/>
+      </a:fontRef>
+    </dgm:style>
+  </dgm:styleLbl>
+  <dgm:styleLbl name="sibTrans1D1">
+    <dgm:scene3d>
+      <a:camera prst="orthographicFront"/>
+      <a:lightRig rig="threePt" dir="t"/>
+    </dgm:scene3d>
+    <dgm:sp3d/>
+    <dgm:txPr/>
+    <dgm:style>
+      <a:lnRef idx="1">
+        <a:scrgbClr r="0" g="0" b="0"/>
+      </a:lnRef>
+      <a:fillRef idx="0">
+        <a:scrgbClr r="0" g="0" b="0"/>
+      </a:fillRef>
+      <a:effectRef idx="0">
+        <a:scrgbClr r="0" g="0" b="0"/>
+      </a:effectRef>
+      <a:fontRef idx="minor"/>
+    </dgm:style>
+  </dgm:styleLbl>
+  <dgm:styleLbl name="callout">
+    <dgm:scene3d>
+      <a:camera prst="orthographicFront"/>
+      <a:lightRig rig="threePt" dir="t"/>
+    </dgm:scene3d>
+    <dgm:sp3d/>
+    <dgm:txPr/>
+    <dgm:style>
+      <a:lnRef idx="2">
+        <a:scrgbClr r="0" g="0" b="0"/>
+      </a:lnRef>
+      <a:fillRef idx="1">
+        <a:scrgbClr r="0" g="0" b="0"/>
+      </a:fillRef>
+      <a:effectRef idx="0">
+        <a:scrgbClr r="0" g="0" b="0"/>
+      </a:effectRef>
+      <a:fontRef idx="minor"/>
+    </dgm:style>
+  </dgm:styleLbl>
+  <dgm:styleLbl name="asst0">
+    <dgm:scene3d>
+      <a:camera prst="orthographicFront"/>
+      <a:lightRig rig="threePt" dir="t"/>
+    </dgm:scene3d>
+    <dgm:sp3d/>
+    <dgm:txPr/>
+    <dgm:style>
+      <a:lnRef idx="2">
+        <a:scrgbClr r="0" g="0" b="0"/>
+      </a:lnRef>
+      <a:fillRef idx="1">
+        <a:scrgbClr r="0" g="0" b="0"/>
+      </a:fillRef>
+      <a:effectRef idx="0">
+        <a:scrgbClr r="0" g="0" b="0"/>
+      </a:effectRef>
+      <a:fontRef idx="minor">
+        <a:schemeClr val="lt1"/>
+      </a:fontRef>
+    </dgm:style>
+  </dgm:styleLbl>
+  <dgm:styleLbl name="asst1">
+    <dgm:scene3d>
+      <a:camera prst="orthographicFront"/>
+      <a:lightRig rig="threePt" dir="t"/>
+    </dgm:scene3d>
+    <dgm:sp3d/>
+    <dgm:txPr/>
+    <dgm:style>
+      <a:lnRef idx="2">
+        <a:scrgbClr r="0" g="0" b="0"/>
+      </a:lnRef>
+      <a:fillRef idx="1">
+        <a:scrgbClr r="0" g="0" b="0"/>
+      </a:fillRef>
+      <a:effectRef idx="0">
+        <a:scrgbClr r="0" g="0" b="0"/>
+      </a:effectRef>
+      <a:fontRef idx="minor">
+        <a:schemeClr val="lt1"/>
+      </a:fontRef>
+    </dgm:style>
+  </dgm:styleLbl>
+  <dgm:styleLbl name="asst2">
+    <dgm:scene3d>
+      <a:camera prst="orthographicFront"/>
+      <a:lightRig rig="threePt" dir="t"/>
+    </dgm:scene3d>
+    <dgm:sp3d/>
+    <dgm:txPr/>
+    <dgm:style>
+      <a:lnRef idx="2">
+        <a:scrgbClr r="0" g="0" b="0"/>
+      </a:lnRef>
+      <a:fillRef idx="1">
+        <a:scrgbClr r="0" g="0" b="0"/>
+      </a:fillRef>
+      <a:effectRef idx="0">
+        <a:scrgbClr r="0" g="0" b="0"/>
+      </a:effectRef>
+      <a:fontRef idx="minor">
+        <a:schemeClr val="lt1"/>
+      </a:fontRef>
+    </dgm:style>
+  </dgm:styleLbl>
+  <dgm:styleLbl name="asst3">
+    <dgm:scene3d>
+      <a:camera prst="orthographicFront"/>
+      <a:lightRig rig="threePt" dir="t"/>
+    </dgm:scene3d>
+    <dgm:sp3d/>
+    <dgm:txPr/>
+    <dgm:style>
+      <a:lnRef idx="2">
+        <a:scrgbClr r="0" g="0" b="0"/>
+      </a:lnRef>
+      <a:fillRef idx="1">
+        <a:scrgbClr r="0" g="0" b="0"/>
+      </a:fillRef>
+      <a:effectRef idx="0">
+        <a:scrgbClr r="0" g="0" b="0"/>
+      </a:effectRef>
+      <a:fontRef idx="minor">
+        <a:schemeClr val="lt1"/>
+      </a:fontRef>
+    </dgm:style>
+  </dgm:styleLbl>
+  <dgm:styleLbl name="asst4">
+    <dgm:scene3d>
+      <a:camera prst="orthographicFront"/>
+      <a:lightRig rig="threePt" dir="t"/>
+    </dgm:scene3d>
+    <dgm:sp3d/>
+    <dgm:txPr/>
+    <dgm:style>
+      <a:lnRef idx="2">
+        <a:scrgbClr r="0" g="0" b="0"/>
+      </a:lnRef>
+      <a:fillRef idx="1">
+        <a:scrgbClr r="0" g="0" b="0"/>
+      </a:fillRef>
+      <a:effectRef idx="0">
+        <a:scrgbClr r="0" g="0" b="0"/>
+      </a:effectRef>
+      <a:fontRef idx="minor">
+        <a:schemeClr val="lt1"/>
+      </a:fontRef>
+    </dgm:style>
+  </dgm:styleLbl>
+  <dgm:styleLbl name="parChTrans2D1">
+    <dgm:scene3d>
+      <a:camera prst="orthographicFront"/>
+      <a:lightRig rig="threePt" dir="t"/>
+    </dgm:scene3d>
+    <dgm:sp3d/>
+    <dgm:txPr/>
+    <dgm:style>
+      <a:lnRef idx="2">
+        <a:scrgbClr r="0" g="0" b="0"/>
+      </a:lnRef>
+      <a:fillRef idx="1">
+        <a:scrgbClr r="0" g="0" b="0"/>
+      </a:fillRef>
+      <a:effectRef idx="0">
+        <a:scrgbClr r="0" g="0" b="0"/>
+      </a:effectRef>
+      <a:fontRef idx="minor">
+        <a:schemeClr val="lt1"/>
+      </a:fontRef>
+    </dgm:style>
+  </dgm:styleLbl>
+  <dgm:styleLbl name="parChTrans2D2">
+    <dgm:scene3d>
+      <a:camera prst="orthographicFront"/>
+      <a:lightRig rig="threePt" dir="t"/>
+    </dgm:scene3d>
+    <dgm:sp3d/>
+    <dgm:txPr/>
+    <dgm:style>
+      <a:lnRef idx="2">
+        <a:scrgbClr r="0" g="0" b="0"/>
+      </a:lnRef>
+      <a:fillRef idx="1">
+        <a:scrgbClr r="0" g="0" b="0"/>
+      </a:fillRef>
+      <a:effectRef idx="0">
+        <a:scrgbClr r="0" g="0" b="0"/>
+      </a:effectRef>
+      <a:fontRef idx="minor">
+        <a:schemeClr val="lt1"/>
+      </a:fontRef>
+    </dgm:style>
+  </dgm:styleLbl>
+  <dgm:styleLbl name="parChTrans2D3">
+    <dgm:scene3d>
+      <a:camera prst="orthographicFront"/>
+      <a:lightRig rig="threePt" dir="t"/>
+    </dgm:scene3d>
+    <dgm:sp3d/>
+    <dgm:txPr/>
+    <dgm:style>
+      <a:lnRef idx="2">
+        <a:scrgbClr r="0" g="0" b="0"/>
+      </a:lnRef>
+      <a:fillRef idx="1">
+        <a:scrgbClr r="0" g="0" b="0"/>
+      </a:fillRef>
+      <a:effectRef idx="0">
+        <a:scrgbClr r="0" g="0" b="0"/>
+      </a:effectRef>
+      <a:fontRef idx="minor">
+        <a:schemeClr val="lt1"/>
+      </a:fontRef>
+    </dgm:style>
+  </dgm:styleLbl>
+  <dgm:styleLbl name="parChTrans2D4">
+    <dgm:scene3d>
+      <a:camera prst="orthographicFront"/>
+      <a:lightRig rig="threePt" dir="t"/>
+    </dgm:scene3d>
+    <dgm:sp3d/>
+    <dgm:txPr/>
+    <dgm:style>
+      <a:lnRef idx="2">
+        <a:scrgbClr r="0" g="0" b="0"/>
+      </a:lnRef>
+      <a:fillRef idx="1">
+        <a:scrgbClr r="0" g="0" b="0"/>
+      </a:fillRef>
+      <a:effectRef idx="0">
+        <a:scrgbClr r="0" g="0" b="0"/>
+      </a:effectRef>
+      <a:fontRef idx="minor">
+        <a:schemeClr val="lt1"/>
+      </a:fontRef>
+    </dgm:style>
+  </dgm:styleLbl>
+  <dgm:styleLbl name="parChTrans1D1">
+    <dgm:scene3d>
+      <a:camera prst="orthographicFront"/>
+      <a:lightRig rig="threePt" dir="t"/>
+    </dgm:scene3d>
+    <dgm:sp3d/>
+    <dgm:txPr/>
+    <dgm:style>
+      <a:lnRef idx="2">
+        <a:scrgbClr r="0" g="0" b="0"/>
+      </a:lnRef>
+      <a:fillRef idx="0">
+        <a:scrgbClr r="0" g="0" b="0"/>
+      </a:fillRef>
+      <a:effectRef idx="0">
+        <a:scrgbClr r="0" g="0" b="0"/>
+      </a:effectRef>
+      <a:fontRef idx="minor"/>
+    </dgm:style>
+  </dgm:styleLbl>
+  <dgm:styleLbl name="parChTrans1D2">
+    <dgm:scene3d>
+      <a:camera prst="orthographicFront"/>
+      <a:lightRig rig="threePt" dir="t"/>
+    </dgm:scene3d>
+    <dgm:sp3d/>
+    <dgm:txPr/>
+    <dgm:style>
+      <a:lnRef idx="2">
+        <a:scrgbClr r="0" g="0" b="0"/>
+      </a:lnRef>
+      <a:fillRef idx="0">
+        <a:scrgbClr r="0" g="0" b="0"/>
+      </a:fillRef>
+      <a:effectRef idx="0">
+        <a:scrgbClr r="0" g="0" b="0"/>
+      </a:effectRef>
+      <a:fontRef idx="minor"/>
+    </dgm:style>
+  </dgm:styleLbl>
+  <dgm:styleLbl name="parChTrans1D3">
+    <dgm:scene3d>
+      <a:camera prst="orthographicFront"/>
+      <a:lightRig rig="threePt" dir="t"/>
+    </dgm:scene3d>
+    <dgm:sp3d/>
+    <dgm:txPr/>
+    <dgm:style>
+      <a:lnRef idx="2">
+        <a:scrgbClr r="0" g="0" b="0"/>
+      </a:lnRef>
+      <a:fillRef idx="0">
+        <a:scrgbClr r="0" g="0" b="0"/>
+      </a:fillRef>
+      <a:effectRef idx="0">
+        <a:scrgbClr r="0" g="0" b="0"/>
+      </a:effectRef>
+      <a:fontRef idx="minor"/>
+    </dgm:style>
+  </dgm:styleLbl>
+  <dgm:styleLbl name="parChTrans1D4">
+    <dgm:scene3d>
+      <a:camera prst="orthographicFront"/>
+      <a:lightRig rig="threePt" dir="t"/>
+    </dgm:scene3d>
+    <dgm:sp3d/>
+    <dgm:txPr/>
+    <dgm:style>
+      <a:lnRef idx="2">
+        <a:scrgbClr r="0" g="0" b="0"/>
+      </a:lnRef>
+      <a:fillRef idx="0">
+        <a:scrgbClr r="0" g="0" b="0"/>
+      </a:fillRef>
+      <a:effectRef idx="0">
+        <a:scrgbClr r="0" g="0" b="0"/>
+      </a:effectRef>
+      <a:fontRef idx="minor"/>
+    </dgm:style>
+  </dgm:styleLbl>
+  <dgm:styleLbl name="fgAcc1">
+    <dgm:scene3d>
+      <a:camera prst="orthographicFront"/>
+      <a:lightRig rig="threePt" dir="t"/>
+    </dgm:scene3d>
+    <dgm:sp3d/>
+    <dgm:txPr/>
+    <dgm:style>
+      <a:lnRef idx="2">
+        <a:scrgbClr r="0" g="0" b="0"/>
+      </a:lnRef>
+      <a:fillRef idx="1">
+        <a:scrgbClr r="0" g="0" b="0"/>
+      </a:fillRef>
+      <a:effectRef idx="0">
+        <a:scrgbClr r="0" g="0" b="0"/>
+      </a:effectRef>
+      <a:fontRef idx="minor"/>
+    </dgm:style>
+  </dgm:styleLbl>
+  <dgm:styleLbl name="conFgAcc1">
+    <dgm:scene3d>
+      <a:camera prst="orthographicFront"/>
+      <a:lightRig rig="threePt" dir="t"/>
+    </dgm:scene3d>
+    <dgm:sp3d/>
+    <dgm:txPr/>
+    <dgm:style>
+      <a:lnRef idx="2">
+        <a:scrgbClr r="0" g="0" b="0"/>
+      </a:lnRef>
+      <a:fillRef idx="1">
+        <a:scrgbClr r="0" g="0" b="0"/>
+      </a:fillRef>
+      <a:effectRef idx="0">
+        <a:scrgbClr r="0" g="0" b="0"/>
+      </a:effectRef>
+      <a:fontRef idx="minor"/>
+    </dgm:style>
+  </dgm:styleLbl>
+  <dgm:styleLbl name="alignAcc1">
+    <dgm:scene3d>
+      <a:camera prst="orthographicFront"/>
+      <a:lightRig rig="threePt" dir="t"/>
+    </dgm:scene3d>
+    <dgm:sp3d/>
+    <dgm:txPr/>
+    <dgm:style>
+      <a:lnRef idx="2">
+        <a:scrgbClr r="0" g="0" b="0"/>
+      </a:lnRef>
+      <a:fillRef idx="1">
+        <a:scrgbClr r="0" g="0" b="0"/>
+      </a:fillRef>
+      <a:effectRef idx="0">
+        <a:scrgbClr r="0" g="0" b="0"/>
+      </a:effectRef>
+      <a:fontRef idx="minor"/>
+    </dgm:style>
+  </dgm:styleLbl>
+  <dgm:styleLbl name="trAlignAcc1">
+    <dgm:scene3d>
+      <a:camera prst="orthographicFront"/>
+      <a:lightRig rig="threePt" dir="t"/>
+    </dgm:scene3d>
+    <dgm:sp3d/>
+    <dgm:txPr/>
+    <dgm:style>
+      <a:lnRef idx="1">
+        <a:scrgbClr r="0" g="0" b="0"/>
+      </a:lnRef>
+      <a:fillRef idx="1">
+        <a:scrgbClr r="0" g="0" b="0"/>
+      </a:fillRef>
+      <a:effectRef idx="0">
+        <a:scrgbClr r="0" g="0" b="0"/>
+      </a:effectRef>
+      <a:fontRef idx="minor"/>
+    </dgm:style>
+  </dgm:styleLbl>
+  <dgm:styleLbl name="bgAcc1">
+    <dgm:scene3d>
+      <a:camera prst="orthographicFront"/>
+      <a:lightRig rig="threePt" dir="t"/>
+    </dgm:scene3d>
+    <dgm:sp3d/>
+    <dgm:txPr/>
+    <dgm:style>
+      <a:lnRef idx="2">
+        <a:scrgbClr r="0" g="0" b="0"/>
+      </a:lnRef>
+      <a:fillRef idx="1">
+        <a:scrgbClr r="0" g="0" b="0"/>
+      </a:fillRef>
+      <a:effectRef idx="0">
+        <a:scrgbClr r="0" g="0" b="0"/>
+      </a:effectRef>
+      <a:fontRef idx="minor"/>
+    </dgm:style>
+  </dgm:styleLbl>
+  <dgm:styleLbl name="solidFgAcc1">
+    <dgm:scene3d>
+      <a:camera prst="orthographicFront"/>
+      <a:lightRig rig="threePt" dir="t"/>
+    </dgm:scene3d>
+    <dgm:sp3d/>
+    <dgm:txPr/>
+    <dgm:style>
+      <a:lnRef idx="2">
+        <a:scrgbClr r="0" g="0" b="0"/>
+      </a:lnRef>
+      <a:fillRef idx="1">
+        <a:scrgbClr r="0" g="0" b="0"/>
+      </a:fillRef>
+      <a:effectRef idx="0">
+        <a:scrgbClr r="0" g="0" b="0"/>
+      </a:effectRef>
+      <a:fontRef idx="minor"/>
+    </dgm:style>
+  </dgm:styleLbl>
+  <dgm:styleLbl name="solidAlignAcc1">
+    <dgm:scene3d>
+      <a:camera prst="orthographicFront"/>
+      <a:lightRig rig="threePt" dir="t"/>
+    </dgm:scene3d>
+    <dgm:sp3d/>
+    <dgm:txPr/>
+    <dgm:style>
+      <a:lnRef idx="2">
+        <a:scrgbClr r="0" g="0" b="0"/>
+      </a:lnRef>
+      <a:fillRef idx="1">
+        <a:scrgbClr r="0" g="0" b="0"/>
+      </a:fillRef>
+      <a:effectRef idx="0">
+        <a:scrgbClr r="0" g="0" b="0"/>
+      </a:effectRef>
+      <a:fontRef idx="minor"/>
+    </dgm:style>
+  </dgm:styleLbl>
+  <dgm:styleLbl name="solidBgAcc1">
+    <dgm:scene3d>
+      <a:camera prst="orthographicFront"/>
+      <a:lightRig rig="threePt" dir="t"/>
+    </dgm:scene3d>
+    <dgm:sp3d/>
+    <dgm:txPr/>
+    <dgm:style>
+      <a:lnRef idx="2">
+        <a:scrgbClr r="0" g="0" b="0"/>
+      </a:lnRef>
+      <a:fillRef idx="1">
+        <a:scrgbClr r="0" g="0" b="0"/>
+      </a:fillRef>
+      <a:effectRef idx="0">
+        <a:scrgbClr r="0" g="0" b="0"/>
+      </a:effectRef>
+      <a:fontRef idx="minor"/>
+    </dgm:style>
+  </dgm:styleLbl>
+  <dgm:styleLbl name="fgAccFollowNode1">
+    <dgm:scene3d>
+      <a:camera prst="orthographicFront"/>
+      <a:lightRig rig="threePt" dir="t"/>
+    </dgm:scene3d>
+    <dgm:sp3d/>
+    <dgm:txPr/>
+    <dgm:style>
+      <a:lnRef idx="2">
+        <a:scrgbClr r="0" g="0" b="0"/>
+      </a:lnRef>
+      <a:fillRef idx="1">
+        <a:scrgbClr r="0" g="0" b="0"/>
+      </a:fillRef>
+      <a:effectRef idx="0">
+        <a:scrgbClr r="0" g="0" b="0"/>
+      </a:effectRef>
+      <a:fontRef idx="minor"/>
+    </dgm:style>
+  </dgm:styleLbl>
+  <dgm:styleLbl name="alignAccFollowNode1">
+    <dgm:scene3d>
+      <a:camera prst="orthographicFront"/>
+      <a:lightRig rig="threePt" dir="t"/>
+    </dgm:scene3d>
+    <dgm:sp3d/>
+    <dgm:txPr/>
+    <dgm:style>
+      <a:lnRef idx="2">
+        <a:scrgbClr r="0" g="0" b="0"/>
+      </a:lnRef>
+      <a:fillRef idx="1">
+        <a:scrgbClr r="0" g="0" b="0"/>
+      </a:fillRef>
+      <a:effectRef idx="0">
+        <a:scrgbClr r="0" g="0" b="0"/>
+      </a:effectRef>
+      <a:fontRef idx="minor"/>
+    </dgm:style>
+  </dgm:styleLbl>
+  <dgm:styleLbl name="bgAccFollowNode1">
+    <dgm:scene3d>
+      <a:camera prst="orthographicFront"/>
+      <a:lightRig rig="threePt" dir="t"/>
+    </dgm:scene3d>
+    <dgm:sp3d/>
+    <dgm:txPr/>
+    <dgm:style>
+      <a:lnRef idx="2">
+        <a:scrgbClr r="0" g="0" b="0"/>
+      </a:lnRef>
+      <a:fillRef idx="1">
+        <a:scrgbClr r="0" g="0" b="0"/>
+      </a:fillRef>
+      <a:effectRef idx="0">
+        <a:scrgbClr r="0" g="0" b="0"/>
+      </a:effectRef>
+      <a:fontRef idx="minor"/>
+    </dgm:style>
+  </dgm:styleLbl>
+  <dgm:styleLbl name="fgAcc0">
+    <dgm:scene3d>
+      <a:camera prst="orthographicFront"/>
+      <a:lightRig rig="threePt" dir="t"/>
+    </dgm:scene3d>
+    <dgm:sp3d/>
+    <dgm:txPr/>
+    <dgm:style>
+      <a:lnRef idx="2">
+        <a:scrgbClr r="0" g="0" b="0"/>
+      </a:lnRef>
+      <a:fillRef idx="1">
+        <a:scrgbClr r="0" g="0" b="0"/>
+      </a:fillRef>
+      <a:effectRef idx="0">
+        <a:scrgbClr r="0" g="0" b="0"/>
+      </a:effectRef>
+      <a:fontRef idx="minor"/>
+    </dgm:style>
+  </dgm:styleLbl>
+  <dgm:styleLbl name="fgAcc2">
+    <dgm:scene3d>
+      <a:camera prst="orthographicFront"/>
+      <a:lightRig rig="threePt" dir="t"/>
+    </dgm:scene3d>
+    <dgm:sp3d/>
+    <dgm:txPr/>
+    <dgm:style>
+      <a:lnRef idx="2">
+        <a:scrgbClr r="0" g="0" b="0"/>
+      </a:lnRef>
+      <a:fillRef idx="1">
+        <a:scrgbClr r="0" g="0" b="0"/>
+      </a:fillRef>
+      <a:effectRef idx="0">
+        <a:scrgbClr r="0" g="0" b="0"/>
+      </a:effectRef>
+      <a:fontRef idx="minor"/>
+    </dgm:style>
+  </dgm:styleLbl>
+  <dgm:styleLbl name="fgAcc3">
+    <dgm:scene3d>
+      <a:camera prst="orthographicFront"/>
+      <a:lightRig rig="threePt" dir="t"/>
+    </dgm:scene3d>
+    <dgm:sp3d/>
+    <dgm:txPr/>
+    <dgm:style>
+      <a:lnRef idx="2">
+        <a:scrgbClr r="0" g="0" b="0"/>
+      </a:lnRef>
+      <a:fillRef idx="1">
+        <a:scrgbClr r="0" g="0" b="0"/>
+      </a:fillRef>
+      <a:effectRef idx="0">
+        <a:scrgbClr r="0" g="0" b="0"/>
+      </a:effectRef>
+      <a:fontRef idx="minor"/>
+    </dgm:style>
+  </dgm:styleLbl>
+  <dgm:styleLbl name="fgAcc4">
+    <dgm:scene3d>
+      <a:camera prst="orthographicFront"/>
+      <a:lightRig rig="threePt" dir="t"/>
+    </dgm:scene3d>
+    <dgm:sp3d/>
+    <dgm:txPr/>
+    <dgm:style>
+      <a:lnRef idx="2">
+        <a:scrgbClr r="0" g="0" b="0"/>
+      </a:lnRef>
+      <a:fillRef idx="1">
+        <a:scrgbClr r="0" g="0" b="0"/>
+      </a:fillRef>
+      <a:effectRef idx="0">
+        <a:scrgbClr r="0" g="0" b="0"/>
+      </a:effectRef>
+      <a:fontRef idx="minor"/>
+    </dgm:style>
+  </dgm:styleLbl>
+  <dgm:styleLbl name="bgShp">
+    <dgm:scene3d>
+      <a:camera prst="orthographicFront"/>
+      <a:lightRig rig="threePt" dir="t"/>
+    </dgm:scene3d>
+    <dgm:sp3d/>
+    <dgm:txPr/>
+    <dgm:style>
+      <a:lnRef idx="0">
+        <a:scrgbClr r="0" g="0" b="0"/>
+      </a:lnRef>
+      <a:fillRef idx="1">
+        <a:scrgbClr r="0" g="0" b="0"/>
+      </a:fillRef>
+      <a:effectRef idx="0">
+        <a:scrgbClr r="0" g="0" b="0"/>
+      </a:effectRef>
+      <a:fontRef idx="minor"/>
+    </dgm:style>
+  </dgm:styleLbl>
+  <dgm:styleLbl name="dkBgShp">
+    <dgm:scene3d>
+      <a:camera prst="orthographicFront"/>
+      <a:lightRig rig="threePt" dir="t"/>
+    </dgm:scene3d>
+    <dgm:sp3d/>
+    <dgm:txPr/>
+    <dgm:style>
+      <a:lnRef idx="0">
+        <a:scrgbClr r="0" g="0" b="0"/>
+      </a:lnRef>
+      <a:fillRef idx="1">
+        <a:scrgbClr r="0" g="0" b="0"/>
+      </a:fillRef>
+      <a:effectRef idx="0">
+        <a:scrgbClr r="0" g="0" b="0"/>
+      </a:effectRef>
+      <a:fontRef idx="minor"/>
+    </dgm:style>
+  </dgm:styleLbl>
+  <dgm:styleLbl name="trBgShp">
+    <dgm:scene3d>
+      <a:camera prst="orthographicFront"/>
+      <a:lightRig rig="threePt" dir="t"/>
+    </dgm:scene3d>
+    <dgm:sp3d/>
+    <dgm:txPr/>
+    <dgm:style>
+      <a:lnRef idx="0">
+        <a:scrgbClr r="0" g="0" b="0"/>
+      </a:lnRef>
+      <a:fillRef idx="1">
+        <a:scrgbClr r="0" g="0" b="0"/>
+      </a:fillRef>
+      <a:effectRef idx="0">
+        <a:scrgbClr r="0" g="0" b="0"/>
+      </a:effectRef>
+      <a:fontRef idx="minor"/>
+    </dgm:style>
+  </dgm:styleLbl>
+  <dgm:styleLbl name="fgShp">
+    <dgm:scene3d>
+      <a:camera prst="orthographicFront"/>
+      <a:lightRig rig="threePt" dir="t"/>
+    </dgm:scene3d>
+    <dgm:sp3d/>
+    <dgm:txPr/>
+    <dgm:style>
+      <a:lnRef idx="2">
+        <a:scrgbClr r="0" g="0" b="0"/>
+      </a:lnRef>
+      <a:fillRef idx="1">
+        <a:scrgbClr r="0" g="0" b="0"/>
+      </a:fillRef>
+      <a:effectRef idx="0">
+        <a:scrgbClr r="0" g="0" b="0"/>
+      </a:effectRef>
+      <a:fontRef idx="minor"/>
+    </dgm:style>
+  </dgm:styleLbl>
+  <dgm:styleLbl name="revTx">
+    <dgm:scene3d>
+      <a:camera prst="orthographicFront"/>
+      <a:lightRig rig="threePt" dir="t"/>
+    </dgm:scene3d>
+    <dgm:sp3d/>
+    <dgm:txPr/>
+    <dgm:style>
+      <a:lnRef idx="0">
+        <a:scrgbClr r="0" g="0" b="0"/>
+      </a:lnRef>
+      <a:fillRef idx="0">
+        <a:scrgbClr r="0" g="0" b="0"/>
+      </a:fillRef>
+      <a:effectRef idx="0">
+        <a:scrgbClr r="0" g="0" b="0"/>
+      </a:effectRef>
+      <a:fontRef idx="minor"/>
+    </dgm:style>
+  </dgm:styleLbl>
+</dgm:styleDef>
+</file>
+
+<file path=ppt/notesMasters/notesMaster1.xml><?xml version="1.0" encoding="utf-8"?>
+<p:notesMaster xmlns:a="http://schemas.openxmlformats.org/drawingml/2006/main" xmlns:r="http://schemas.openxmlformats.org/officeDocument/2006/relationships" xmlns:p="http://schemas.openxmlformats.org/presentationml/2006/main">
+  <p:cSld>
+    <p:bg>
+      <p:bgRef idx="1001">
+        <a:schemeClr val="bg1"/>
+      </p:bgRef>
+    </p:bg>
+    <p:spTree>
+      <p:nvGrpSpPr>
+        <p:cNvPr id="1" name=""/>
+        <p:cNvGrpSpPr/>
+        <p:nvPr/>
+      </p:nvGrpSpPr>
+      <p:grpSpPr>
+        <a:xfrm>
+          <a:off x="0" y="0"/>
+          <a:ext cx="0" cy="0"/>
+          <a:chOff x="0" y="0"/>
+          <a:chExt cx="0" cy="0"/>
+        </a:xfrm>
+      </p:grpSpPr>
+      <p:sp>
+        <p:nvSpPr>
+          <p:cNvPr id="2" name="Espace réservé de l'en-tête 1"/>
+          <p:cNvSpPr>
+            <a:spLocks noGrp="1"/>
+          </p:cNvSpPr>
+          <p:nvPr>
+            <p:ph type="hdr" sz="quarter"/>
+          </p:nvPr>
+        </p:nvSpPr>
+        <p:spPr>
+          <a:xfrm>
+            <a:off x="0" y="0"/>
+            <a:ext cx="2971800" cy="458788"/>
+          </a:xfrm>
+          <a:prstGeom prst="rect">
+            <a:avLst/>
+          </a:prstGeom>
+        </p:spPr>
+        <p:txBody>
+          <a:bodyPr vert="horz" lIns="91440" tIns="45720" rIns="91440" bIns="45720" rtlCol="0"/>
+          <a:lstStyle>
+            <a:lvl1pPr algn="l">
+              <a:defRPr sz="1200"/>
+            </a:lvl1pPr>
+          </a:lstStyle>
+          <a:p>
+            <a:endParaRPr lang="fr-FR"/>
+          </a:p>
+        </p:txBody>
+      </p:sp>
+      <p:sp>
+        <p:nvSpPr>
+          <p:cNvPr id="3" name="Espace réservé de la date 2"/>
+          <p:cNvSpPr>
+            <a:spLocks noGrp="1"/>
+          </p:cNvSpPr>
+          <p:nvPr>
+            <p:ph type="dt" idx="1"/>
+          </p:nvPr>
+        </p:nvSpPr>
+        <p:spPr>
+          <a:xfrm>
+            <a:off x="3884613" y="0"/>
+            <a:ext cx="2971800" cy="458788"/>
+          </a:xfrm>
+          <a:prstGeom prst="rect">
+            <a:avLst/>
+          </a:prstGeom>
+        </p:spPr>
+        <p:txBody>
+          <a:bodyPr vert="horz" lIns="91440" tIns="45720" rIns="91440" bIns="45720" rtlCol="0"/>
+          <a:lstStyle>
+            <a:lvl1pPr algn="r">
+              <a:defRPr sz="1200"/>
+            </a:lvl1pPr>
+          </a:lstStyle>
+          <a:p>
+            <a:fld id="{0F575524-6B77-8C45-96C9-6A0C1860C1B9}" type="datetimeFigureOut">
+              <a:rPr lang="fr-FR" smtClean="0"/>
+              <a:t>22/11/2024</a:t>
+            </a:fld>
+            <a:endParaRPr lang="fr-FR"/>
+          </a:p>
+        </p:txBody>
+      </p:sp>
+      <p:sp>
+        <p:nvSpPr>
+          <p:cNvPr id="4" name="Espace réservé de l'image des diapositives 3"/>
+          <p:cNvSpPr>
+            <a:spLocks noGrp="1" noRot="1" noChangeAspect="1"/>
+          </p:cNvSpPr>
+          <p:nvPr>
+            <p:ph type="sldImg" idx="2"/>
+          </p:nvPr>
+        </p:nvSpPr>
+        <p:spPr>
+          <a:xfrm>
+            <a:off x="685800" y="1143000"/>
+            <a:ext cx="5486400" cy="3086100"/>
+          </a:xfrm>
+          <a:prstGeom prst="rect">
+            <a:avLst/>
+          </a:prstGeom>
+          <a:noFill/>
+          <a:ln w="12700">
+            <a:solidFill>
+              <a:prstClr val="black"/>
+            </a:solidFill>
+          </a:ln>
+        </p:spPr>
+        <p:txBody>
+          <a:bodyPr vert="horz" lIns="91440" tIns="45720" rIns="91440" bIns="45720" rtlCol="0" anchor="ctr"/>
+          <a:lstStyle/>
+          <a:p>
+            <a:endParaRPr lang="fr-FR"/>
+          </a:p>
+        </p:txBody>
+      </p:sp>
+      <p:sp>
+        <p:nvSpPr>
+          <p:cNvPr id="5" name="Espace réservé des notes 4"/>
+          <p:cNvSpPr>
+            <a:spLocks noGrp="1"/>
+          </p:cNvSpPr>
+          <p:nvPr>
+            <p:ph type="body" sz="quarter" idx="3"/>
+          </p:nvPr>
+        </p:nvSpPr>
+        <p:spPr>
+          <a:xfrm>
+            <a:off x="685800" y="4400550"/>
+            <a:ext cx="5486400" cy="3600450"/>
+          </a:xfrm>
+          <a:prstGeom prst="rect">
+            <a:avLst/>
+          </a:prstGeom>
+        </p:spPr>
+        <p:txBody>
+          <a:bodyPr vert="horz" lIns="91440" tIns="45720" rIns="91440" bIns="45720" rtlCol="0"/>
+          <a:lstStyle/>
+          <a:p>
+            <a:pPr lvl="0"/>
+            <a:r>
+              <a:rPr lang="fr-FR"/>
+              <a:t>Cliquez pour modifier les styles du texte du masque</a:t>
+            </a:r>
+          </a:p>
+          <a:p>
+            <a:pPr lvl="1"/>
+            <a:r>
+              <a:rPr lang="fr-FR"/>
+              <a:t>Deuxième niveau</a:t>
+            </a:r>
+          </a:p>
+          <a:p>
+            <a:pPr lvl="2"/>
+            <a:r>
+              <a:rPr lang="fr-FR"/>
+              <a:t>Troisième niveau</a:t>
+            </a:r>
+          </a:p>
+          <a:p>
+            <a:pPr lvl="3"/>
+            <a:r>
+              <a:rPr lang="fr-FR"/>
+              <a:t>Quatrième niveau</a:t>
+            </a:r>
+          </a:p>
+          <a:p>
+            <a:pPr lvl="4"/>
+            <a:r>
+              <a:rPr lang="fr-FR"/>
+              <a:t>Cinquième niveau</a:t>
+            </a:r>
+          </a:p>
+        </p:txBody>
+      </p:sp>
+      <p:sp>
+        <p:nvSpPr>
+          <p:cNvPr id="6" name="Espace réservé du pied de page 5"/>
+          <p:cNvSpPr>
+            <a:spLocks noGrp="1"/>
+          </p:cNvSpPr>
+          <p:nvPr>
+            <p:ph type="ftr" sz="quarter" idx="4"/>
+          </p:nvPr>
+        </p:nvSpPr>
+        <p:spPr>
+          <a:xfrm>
+            <a:off x="0" y="8685213"/>
+            <a:ext cx="2971800" cy="458787"/>
+          </a:xfrm>
+          <a:prstGeom prst="rect">
+            <a:avLst/>
+          </a:prstGeom>
+        </p:spPr>
+        <p:txBody>
+          <a:bodyPr vert="horz" lIns="91440" tIns="45720" rIns="91440" bIns="45720" rtlCol="0" anchor="b"/>
+          <a:lstStyle>
+            <a:lvl1pPr algn="l">
+              <a:defRPr sz="1200"/>
+            </a:lvl1pPr>
+          </a:lstStyle>
+          <a:p>
+            <a:endParaRPr lang="fr-FR"/>
+          </a:p>
+        </p:txBody>
+      </p:sp>
+      <p:sp>
+        <p:nvSpPr>
+          <p:cNvPr id="7" name="Espace réservé du numéro de diapositive 6"/>
+          <p:cNvSpPr>
+            <a:spLocks noGrp="1"/>
+          </p:cNvSpPr>
+          <p:nvPr>
+            <p:ph type="sldNum" sz="quarter" idx="5"/>
+          </p:nvPr>
+        </p:nvSpPr>
+        <p:spPr>
+          <a:xfrm>
+            <a:off x="3884613" y="8685213"/>
+            <a:ext cx="2971800" cy="458787"/>
+          </a:xfrm>
+          <a:prstGeom prst="rect">
+            <a:avLst/>
+          </a:prstGeom>
+        </p:spPr>
+        <p:txBody>
+          <a:bodyPr vert="horz" lIns="91440" tIns="45720" rIns="91440" bIns="45720" rtlCol="0" anchor="b"/>
+          <a:lstStyle>
+            <a:lvl1pPr algn="r">
+              <a:defRPr sz="1200"/>
+            </a:lvl1pPr>
+          </a:lstStyle>
+          <a:p>
+            <a:fld id="{AE5B8080-3B04-F341-8EDC-5C3379794A19}" type="slidenum">
+              <a:rPr lang="fr-FR" smtClean="0"/>
+              <a:t>‹N°›</a:t>
+            </a:fld>
+            <a:endParaRPr lang="fr-FR"/>
+          </a:p>
+        </p:txBody>
+      </p:sp>
+    </p:spTree>
+    <p:extLst>
+      <p:ext uri="{BB962C8B-B14F-4D97-AF65-F5344CB8AC3E}">
+        <p14:creationId xmlns:p14="http://schemas.microsoft.com/office/powerpoint/2010/main" val="2170240089"/>
+      </p:ext>
+    </p:extLst>
+  </p:cSld>
+  <p:clrMap bg1="lt1" tx1="dk1" bg2="lt2" tx2="dk2" accent1="accent1" accent2="accent2" accent3="accent3" accent4="accent4" accent5="accent5" accent6="accent6" hlink="hlink" folHlink="folHlink"/>
+  <p:notesStyle>
+    <a:lvl1pPr marL="0" algn="l" defTabSz="914400" rtl="0" eaLnBrk="1" latinLnBrk="0" hangingPunct="1">
+      <a:defRPr sz="1200" kern="1200">
+        <a:solidFill>
+          <a:schemeClr val="tx1"/>
+        </a:solidFill>
+        <a:latin typeface="+mn-lt"/>
+        <a:ea typeface="+mn-ea"/>
+        <a:cs typeface="+mn-cs"/>
+      </a:defRPr>
+    </a:lvl1pPr>
+    <a:lvl2pPr marL="457200" algn="l" defTabSz="914400" rtl="0" eaLnBrk="1" latinLnBrk="0" hangingPunct="1">
+      <a:defRPr sz="1200" kern="1200">
+        <a:solidFill>
+          <a:schemeClr val="tx1"/>
+        </a:solidFill>
+        <a:latin typeface="+mn-lt"/>
+        <a:ea typeface="+mn-ea"/>
+        <a:cs typeface="+mn-cs"/>
+      </a:defRPr>
+    </a:lvl2pPr>
+    <a:lvl3pPr marL="914400" algn="l" defTabSz="914400" rtl="0" eaLnBrk="1" latinLnBrk="0" hangingPunct="1">
+      <a:defRPr sz="1200" kern="1200">
+        <a:solidFill>
+          <a:schemeClr val="tx1"/>
+        </a:solidFill>
+        <a:latin typeface="+mn-lt"/>
+        <a:ea typeface="+mn-ea"/>
+        <a:cs typeface="+mn-cs"/>
+      </a:defRPr>
+    </a:lvl3pPr>
+    <a:lvl4pPr marL="1371600" algn="l" defTabSz="914400" rtl="0" eaLnBrk="1" latinLnBrk="0" hangingPunct="1">
+      <a:defRPr sz="1200" kern="1200">
+        <a:solidFill>
+          <a:schemeClr val="tx1"/>
+        </a:solidFill>
+        <a:latin typeface="+mn-lt"/>
+        <a:ea typeface="+mn-ea"/>
+        <a:cs typeface="+mn-cs"/>
+      </a:defRPr>
+    </a:lvl4pPr>
+    <a:lvl5pPr marL="1828800" algn="l" defTabSz="914400" rtl="0" eaLnBrk="1" latinLnBrk="0" hangingPunct="1">
+      <a:defRPr sz="1200" kern="1200">
+        <a:solidFill>
+          <a:schemeClr val="tx1"/>
+        </a:solidFill>
+        <a:latin typeface="+mn-lt"/>
+        <a:ea typeface="+mn-ea"/>
+        <a:cs typeface="+mn-cs"/>
+      </a:defRPr>
+    </a:lvl5pPr>
+    <a:lvl6pPr marL="2286000" algn="l" defTabSz="914400" rtl="0" eaLnBrk="1" latinLnBrk="0" hangingPunct="1">
+      <a:defRPr sz="1200" kern="1200">
+        <a:solidFill>
+          <a:schemeClr val="tx1"/>
+        </a:solidFill>
+        <a:latin typeface="+mn-lt"/>
+        <a:ea typeface="+mn-ea"/>
+        <a:cs typeface="+mn-cs"/>
+      </a:defRPr>
+    </a:lvl6pPr>
+    <a:lvl7pPr marL="2743200" algn="l" defTabSz="914400" rtl="0" eaLnBrk="1" latinLnBrk="0" hangingPunct="1">
+      <a:defRPr sz="1200" kern="1200">
+        <a:solidFill>
+          <a:schemeClr val="tx1"/>
+        </a:solidFill>
+        <a:latin typeface="+mn-lt"/>
+        <a:ea typeface="+mn-ea"/>
+        <a:cs typeface="+mn-cs"/>
+      </a:defRPr>
+    </a:lvl7pPr>
+    <a:lvl8pPr marL="3200400" algn="l" defTabSz="914400" rtl="0" eaLnBrk="1" latinLnBrk="0" hangingPunct="1">
+      <a:defRPr sz="1200" kern="1200">
+        <a:solidFill>
+          <a:schemeClr val="tx1"/>
+        </a:solidFill>
+        <a:latin typeface="+mn-lt"/>
+        <a:ea typeface="+mn-ea"/>
+        <a:cs typeface="+mn-cs"/>
+      </a:defRPr>
+    </a:lvl8pPr>
+    <a:lvl9pPr marL="3657600" algn="l" defTabSz="914400" rtl="0" eaLnBrk="1" latinLnBrk="0" hangingPunct="1">
+      <a:defRPr sz="1200" kern="1200">
+        <a:solidFill>
+          <a:schemeClr val="tx1"/>
+        </a:solidFill>
+        <a:latin typeface="+mn-lt"/>
+        <a:ea typeface="+mn-ea"/>
+        <a:cs typeface="+mn-cs"/>
+      </a:defRPr>
+    </a:lvl9pPr>
+  </p:notesStyle>
+</p:notesMaster>
+</file>
+
+<file path=ppt/notesSlides/notesSlide1.xml><?xml version="1.0" encoding="utf-8"?>
+<p:notes xmlns:a="http://schemas.openxmlformats.org/drawingml/2006/main" xmlns:r="http://schemas.openxmlformats.org/officeDocument/2006/relationships" xmlns:p="http://schemas.openxmlformats.org/presentationml/2006/main">
+  <p:cSld>
+    <p:spTree>
+      <p:nvGrpSpPr>
+        <p:cNvPr id="1" name=""/>
+        <p:cNvGrpSpPr/>
+        <p:nvPr/>
+      </p:nvGrpSpPr>
+      <p:grpSpPr>
+        <a:xfrm>
+          <a:off x="0" y="0"/>
+          <a:ext cx="0" cy="0"/>
+          <a:chOff x="0" y="0"/>
+          <a:chExt cx="0" cy="0"/>
+        </a:xfrm>
+      </p:grpSpPr>
+      <p:sp>
+        <p:nvSpPr>
+          <p:cNvPr id="2" name="Espace réservé de l'image des diapositives 1"/>
+          <p:cNvSpPr>
+            <a:spLocks noGrp="1" noRot="1" noChangeAspect="1"/>
+          </p:cNvSpPr>
+          <p:nvPr>
+            <p:ph type="sldImg"/>
+          </p:nvPr>
+        </p:nvSpPr>
+        <p:spPr/>
+      </p:sp>
+      <p:sp>
+        <p:nvSpPr>
+          <p:cNvPr id="3" name="Espace réservé des notes 2"/>
+          <p:cNvSpPr>
+            <a:spLocks noGrp="1"/>
+          </p:cNvSpPr>
+          <p:nvPr>
+            <p:ph type="body" idx="1"/>
+          </p:nvPr>
+        </p:nvSpPr>
+        <p:spPr/>
+        <p:txBody>
+          <a:bodyPr/>
+          <a:lstStyle/>
+          <a:p>
+            <a:endParaRPr lang="fr-FR"/>
+          </a:p>
+        </p:txBody>
+      </p:sp>
+      <p:sp>
+        <p:nvSpPr>
+          <p:cNvPr id="4" name="Espace réservé du numéro de diapositive 3"/>
+          <p:cNvSpPr>
+            <a:spLocks noGrp="1"/>
+          </p:cNvSpPr>
+          <p:nvPr>
+            <p:ph type="sldNum" sz="quarter" idx="5"/>
+          </p:nvPr>
+        </p:nvSpPr>
+        <p:spPr/>
+        <p:txBody>
+          <a:bodyPr/>
+          <a:lstStyle/>
+          <a:p>
+            <a:fld id="{AE5B8080-3B04-F341-8EDC-5C3379794A19}" type="slidenum">
+              <a:rPr lang="fr-FR" smtClean="0"/>
+              <a:t>5</a:t>
+            </a:fld>
+            <a:endParaRPr lang="fr-FR"/>
+          </a:p>
+        </p:txBody>
+      </p:sp>
+    </p:spTree>
+    <p:extLst>
+      <p:ext uri="{BB962C8B-B14F-4D97-AF65-F5344CB8AC3E}">
+        <p14:creationId xmlns:p14="http://schemas.microsoft.com/office/powerpoint/2010/main" val="1279001138"/>
+      </p:ext>
+    </p:extLst>
+  </p:cSld>
+  <p:clrMapOvr>
+    <a:masterClrMapping/>
+  </p:clrMapOvr>
+</p:notes>
 </file>
 
 <file path=ppt/slideLayouts/slideLayout1.xml><?xml version="1.0" encoding="utf-8"?>
@@ -3351,14 +6348,24 @@
           <a:bodyPr/>
           <a:lstStyle/>
           <a:p>
-            <a:endParaRPr lang="fr-FR"/>
+            <a:r>
+              <a:rPr lang="fr-FR" dirty="0"/>
+              <a:t>Data Visualisation:</a:t>
+            </a:r>
+            <a:br>
+              <a:rPr lang="fr-FR" dirty="0"/>
+            </a:br>
+            <a:r>
+              <a:rPr lang="fr-FR" dirty="0"/>
+              <a:t>Réussite du Brevet en France</a:t>
+            </a:r>
           </a:p>
         </p:txBody>
       </p:sp>
     </p:spTree>
     <p:extLst>
       <p:ext uri="{BB962C8B-B14F-4D97-AF65-F5344CB8AC3E}">
-        <p14:creationId xmlns:p14="http://schemas.microsoft.com/office/powerpoint/2010/main" val="433835650"/>
+        <p14:creationId xmlns:p14="http://schemas.microsoft.com/office/powerpoint/2010/main" val="3380433799"/>
       </p:ext>
     </p:extLst>
   </p:cSld>
@@ -3369,6 +6376,2529 @@
 </file>
 
 <file path=ppt/slides/slide2.xml><?xml version="1.0" encoding="utf-8"?>
+<p:sld xmlns:a="http://schemas.openxmlformats.org/drawingml/2006/main" xmlns:r="http://schemas.openxmlformats.org/officeDocument/2006/relationships" xmlns:p="http://schemas.openxmlformats.org/presentationml/2006/main">
+  <p:cSld>
+    <p:bg>
+      <p:bgPr>
+        <a:solidFill>
+          <a:schemeClr val="bg1"/>
+        </a:solidFill>
+        <a:effectLst/>
+      </p:bgPr>
+    </p:bg>
+    <p:spTree>
+      <p:nvGrpSpPr>
+        <p:cNvPr id="1" name="">
+          <a:extLst>
+            <a:ext uri="{FF2B5EF4-FFF2-40B4-BE49-F238E27FC236}">
+              <a16:creationId xmlns:a16="http://schemas.microsoft.com/office/drawing/2014/main" id="{FD1C4968-591C-198E-87E5-BE55D1FA45CC}"/>
+            </a:ext>
+          </a:extLst>
+        </p:cNvPr>
+        <p:cNvGrpSpPr/>
+        <p:nvPr/>
+      </p:nvGrpSpPr>
+      <p:grpSpPr>
+        <a:xfrm>
+          <a:off x="0" y="0"/>
+          <a:ext cx="0" cy="0"/>
+          <a:chOff x="0" y="0"/>
+          <a:chExt cx="0" cy="0"/>
+        </a:xfrm>
+      </p:grpSpPr>
+      <p:sp useBgFill="1">
+        <p:nvSpPr>
+          <p:cNvPr id="29" name="Rectangle 28">
+            <a:extLst>
+              <a:ext uri="{FF2B5EF4-FFF2-40B4-BE49-F238E27FC236}">
+                <a16:creationId xmlns:a16="http://schemas.microsoft.com/office/drawing/2014/main" id="{798B3D6E-995D-171D-A5B8-95620FC0B5ED}"/>
+              </a:ext>
+              <a:ext uri="{C183D7F6-B498-43B3-948B-1728B52AA6E4}">
+                <adec:decorative xmlns:adec="http://schemas.microsoft.com/office/drawing/2017/decorative" val="1"/>
+              </a:ext>
+            </a:extLst>
+          </p:cNvPr>
+          <p:cNvSpPr>
+            <a:spLocks noGrp="1" noRot="1" noChangeAspect="1" noMove="1" noResize="1" noEditPoints="1" noAdjustHandles="1" noChangeArrowheads="1" noChangeShapeType="1" noTextEdit="1"/>
+          </p:cNvSpPr>
+          <p:nvPr>
+            <p:extLst>
+              <p:ext uri="{386F3935-93C4-4BCD-93E2-E3B085C9AB24}">
+                <p16:designElem xmlns:p16="http://schemas.microsoft.com/office/powerpoint/2015/main" val="1"/>
+              </p:ext>
+            </p:extLst>
+          </p:nvPr>
+        </p:nvSpPr>
+        <p:spPr>
+          <a:xfrm>
+            <a:off x="0" y="0"/>
+            <a:ext cx="12192000" cy="6858000"/>
+          </a:xfrm>
+          <a:prstGeom prst="rect">
+            <a:avLst/>
+          </a:prstGeom>
+          <a:ln w="12700" cap="flat" cmpd="sng" algn="ctr">
+            <a:noFill/>
+            <a:prstDash val="solid"/>
+            <a:miter lim="800000"/>
+          </a:ln>
+          <a:effectLst/>
+          <a:extLst>
+            <a:ext uri="{91240B29-F687-4F45-9708-019B960494DF}">
+              <a14:hiddenLine xmlns:a14="http://schemas.microsoft.com/office/drawing/2010/main" w="12700" cap="flat" cmpd="sng" algn="ctr">
+                <a:solidFill>
+                  <a:schemeClr val="accent1">
+                    <a:shade val="50000"/>
+                  </a:schemeClr>
+                </a:solidFill>
+                <a:prstDash val="solid"/>
+                <a:miter lim="800000"/>
+              </a14:hiddenLine>
+            </a:ext>
+          </a:extLst>
+        </p:spPr>
+        <p:style>
+          <a:lnRef idx="2">
+            <a:schemeClr val="accent1">
+              <a:shade val="50000"/>
+            </a:schemeClr>
+          </a:lnRef>
+          <a:fillRef idx="1">
+            <a:schemeClr val="accent1"/>
+          </a:fillRef>
+          <a:effectRef idx="0">
+            <a:schemeClr val="accent1"/>
+          </a:effectRef>
+          <a:fontRef idx="minor">
+            <a:schemeClr val="lt1"/>
+          </a:fontRef>
+        </p:style>
+        <p:txBody>
+          <a:bodyPr rtlCol="0" anchor="ctr"/>
+          <a:lstStyle/>
+          <a:p>
+            <a:pPr algn="ctr"/>
+            <a:endParaRPr lang="en-US"/>
+          </a:p>
+        </p:txBody>
+      </p:sp>
+      <p:sp useBgFill="1">
+        <p:nvSpPr>
+          <p:cNvPr id="31" name="Rectangle 30">
+            <a:extLst>
+              <a:ext uri="{FF2B5EF4-FFF2-40B4-BE49-F238E27FC236}">
+                <a16:creationId xmlns:a16="http://schemas.microsoft.com/office/drawing/2014/main" id="{0B0C31BF-7197-7B67-8F6E-F1E5C1EA3414}"/>
+              </a:ext>
+              <a:ext uri="{C183D7F6-B498-43B3-948B-1728B52AA6E4}">
+                <adec:decorative xmlns:adec="http://schemas.microsoft.com/office/drawing/2017/decorative" val="1"/>
+              </a:ext>
+            </a:extLst>
+          </p:cNvPr>
+          <p:cNvSpPr>
+            <a:spLocks noGrp="1" noRot="1" noChangeAspect="1" noMove="1" noResize="1" noEditPoints="1" noAdjustHandles="1" noChangeArrowheads="1" noChangeShapeType="1" noTextEdit="1"/>
+          </p:cNvSpPr>
+          <p:nvPr>
+            <p:extLst>
+              <p:ext uri="{386F3935-93C4-4BCD-93E2-E3B085C9AB24}">
+                <p16:designElem xmlns:p16="http://schemas.microsoft.com/office/powerpoint/2015/main" val="1"/>
+              </p:ext>
+            </p:extLst>
+          </p:nvPr>
+        </p:nvSpPr>
+        <p:spPr>
+          <a:xfrm>
+            <a:off x="0" y="0"/>
+            <a:ext cx="12188952" cy="6858000"/>
+          </a:xfrm>
+          <a:prstGeom prst="rect">
+            <a:avLst/>
+          </a:prstGeom>
+          <a:ln w="12700" cap="flat" cmpd="sng" algn="ctr">
+            <a:noFill/>
+            <a:prstDash val="solid"/>
+            <a:miter lim="800000"/>
+          </a:ln>
+          <a:effectLst/>
+          <a:extLst>
+            <a:ext uri="{91240B29-F687-4F45-9708-019B960494DF}">
+              <a14:hiddenLine xmlns:a14="http://schemas.microsoft.com/office/drawing/2010/main" w="12700" cap="flat" cmpd="sng" algn="ctr">
+                <a:solidFill>
+                  <a:schemeClr val="accent1">
+                    <a:shade val="50000"/>
+                  </a:schemeClr>
+                </a:solidFill>
+                <a:prstDash val="solid"/>
+                <a:miter lim="800000"/>
+              </a14:hiddenLine>
+            </a:ext>
+          </a:extLst>
+        </p:spPr>
+        <p:style>
+          <a:lnRef idx="2">
+            <a:schemeClr val="accent1">
+              <a:shade val="50000"/>
+            </a:schemeClr>
+          </a:lnRef>
+          <a:fillRef idx="1">
+            <a:schemeClr val="accent1"/>
+          </a:fillRef>
+          <a:effectRef idx="0">
+            <a:schemeClr val="accent1"/>
+          </a:effectRef>
+          <a:fontRef idx="minor">
+            <a:schemeClr val="lt1"/>
+          </a:fontRef>
+        </p:style>
+        <p:txBody>
+          <a:bodyPr rtlCol="0" anchor="ctr"/>
+          <a:lstStyle/>
+          <a:p>
+            <a:pPr algn="ctr"/>
+            <a:endParaRPr lang="en-US"/>
+          </a:p>
+        </p:txBody>
+      </p:sp>
+      <p:sp>
+        <p:nvSpPr>
+          <p:cNvPr id="33" name="Rectangle 32">
+            <a:extLst>
+              <a:ext uri="{FF2B5EF4-FFF2-40B4-BE49-F238E27FC236}">
+                <a16:creationId xmlns:a16="http://schemas.microsoft.com/office/drawing/2014/main" id="{8238D588-D2A3-1C69-D0B5-7C1CCCE2AA33}"/>
+              </a:ext>
+              <a:ext uri="{C183D7F6-B498-43B3-948B-1728B52AA6E4}">
+                <adec:decorative xmlns:adec="http://schemas.microsoft.com/office/drawing/2017/decorative" val="1"/>
+              </a:ext>
+            </a:extLst>
+          </p:cNvPr>
+          <p:cNvSpPr>
+            <a:spLocks noGrp="1" noRot="1" noChangeAspect="1" noMove="1" noResize="1" noEditPoints="1" noAdjustHandles="1" noChangeArrowheads="1" noChangeShapeType="1" noTextEdit="1"/>
+          </p:cNvSpPr>
+          <p:nvPr>
+            <p:extLst>
+              <p:ext uri="{386F3935-93C4-4BCD-93E2-E3B085C9AB24}">
+                <p16:designElem xmlns:p16="http://schemas.microsoft.com/office/powerpoint/2015/main" val="1"/>
+              </p:ext>
+            </p:extLst>
+          </p:nvPr>
+        </p:nvSpPr>
+        <p:spPr>
+          <a:xfrm rot="5400000" flipH="1">
+            <a:off x="-1410084" y="1410082"/>
+            <a:ext cx="6858000" cy="4037836"/>
+          </a:xfrm>
+          <a:prstGeom prst="rect">
+            <a:avLst/>
+          </a:prstGeom>
+          <a:gradFill>
+            <a:gsLst>
+              <a:gs pos="8000">
+                <a:srgbClr val="000000"/>
+              </a:gs>
+              <a:gs pos="100000">
+                <a:schemeClr val="accent1">
+                  <a:lumMod val="75000"/>
+                </a:schemeClr>
+              </a:gs>
+            </a:gsLst>
+            <a:lin ang="3000000" scaled="0"/>
+          </a:gradFill>
+          <a:ln>
+            <a:noFill/>
+          </a:ln>
+        </p:spPr>
+        <p:style>
+          <a:lnRef idx="2">
+            <a:schemeClr val="accent1">
+              <a:shade val="50000"/>
+            </a:schemeClr>
+          </a:lnRef>
+          <a:fillRef idx="1">
+            <a:schemeClr val="accent1"/>
+          </a:fillRef>
+          <a:effectRef idx="0">
+            <a:schemeClr val="accent1"/>
+          </a:effectRef>
+          <a:fontRef idx="minor">
+            <a:schemeClr val="lt1"/>
+          </a:fontRef>
+        </p:style>
+        <p:txBody>
+          <a:bodyPr rtlCol="0" anchor="ctr"/>
+          <a:lstStyle/>
+          <a:p>
+            <a:pPr algn="ctr"/>
+            <a:endParaRPr lang="en-US"/>
+          </a:p>
+        </p:txBody>
+      </p:sp>
+      <p:sp>
+        <p:nvSpPr>
+          <p:cNvPr id="35" name="Rectangle 34">
+            <a:extLst>
+              <a:ext uri="{FF2B5EF4-FFF2-40B4-BE49-F238E27FC236}">
+                <a16:creationId xmlns:a16="http://schemas.microsoft.com/office/drawing/2014/main" id="{FDA36DE9-6D5C-1EB5-ED00-F987630E5CB4}"/>
+              </a:ext>
+              <a:ext uri="{C183D7F6-B498-43B3-948B-1728B52AA6E4}">
+                <adec:decorative xmlns:adec="http://schemas.microsoft.com/office/drawing/2017/decorative" val="1"/>
+              </a:ext>
+            </a:extLst>
+          </p:cNvPr>
+          <p:cNvSpPr>
+            <a:spLocks noGrp="1" noRot="1" noChangeAspect="1" noMove="1" noResize="1" noEditPoints="1" noAdjustHandles="1" noChangeArrowheads="1" noChangeShapeType="1" noTextEdit="1"/>
+          </p:cNvSpPr>
+          <p:nvPr>
+            <p:extLst>
+              <p:ext uri="{386F3935-93C4-4BCD-93E2-E3B085C9AB24}">
+                <p16:designElem xmlns:p16="http://schemas.microsoft.com/office/powerpoint/2015/main" val="1"/>
+              </p:ext>
+            </p:extLst>
+          </p:nvPr>
+        </p:nvSpPr>
+        <p:spPr>
+          <a:xfrm rot="5400000" flipH="1">
+            <a:off x="-1410085" y="1420219"/>
+            <a:ext cx="6857999" cy="4037839"/>
+          </a:xfrm>
+          <a:prstGeom prst="rect">
+            <a:avLst/>
+          </a:prstGeom>
+          <a:gradFill>
+            <a:gsLst>
+              <a:gs pos="0">
+                <a:srgbClr val="000000">
+                  <a:alpha val="0"/>
+                </a:srgbClr>
+              </a:gs>
+              <a:gs pos="99000">
+                <a:schemeClr val="accent1">
+                  <a:alpha val="46000"/>
+                </a:schemeClr>
+              </a:gs>
+            </a:gsLst>
+            <a:lin ang="1800000" scaled="0"/>
+          </a:gradFill>
+          <a:ln>
+            <a:noFill/>
+          </a:ln>
+        </p:spPr>
+        <p:style>
+          <a:lnRef idx="2">
+            <a:schemeClr val="accent1">
+              <a:shade val="50000"/>
+            </a:schemeClr>
+          </a:lnRef>
+          <a:fillRef idx="1">
+            <a:schemeClr val="accent1"/>
+          </a:fillRef>
+          <a:effectRef idx="0">
+            <a:schemeClr val="accent1"/>
+          </a:effectRef>
+          <a:fontRef idx="minor">
+            <a:schemeClr val="lt1"/>
+          </a:fontRef>
+        </p:style>
+        <p:txBody>
+          <a:bodyPr rtlCol="0" anchor="ctr"/>
+          <a:lstStyle/>
+          <a:p>
+            <a:pPr algn="ctr"/>
+            <a:endParaRPr lang="en-US"/>
+          </a:p>
+        </p:txBody>
+      </p:sp>
+      <p:sp>
+        <p:nvSpPr>
+          <p:cNvPr id="37" name="Rectangle 36">
+            <a:extLst>
+              <a:ext uri="{FF2B5EF4-FFF2-40B4-BE49-F238E27FC236}">
+                <a16:creationId xmlns:a16="http://schemas.microsoft.com/office/drawing/2014/main" id="{40023A3E-AD06-35BB-62A9-E090794FB528}"/>
+              </a:ext>
+              <a:ext uri="{C183D7F6-B498-43B3-948B-1728B52AA6E4}">
+                <adec:decorative xmlns:adec="http://schemas.microsoft.com/office/drawing/2017/decorative" val="1"/>
+              </a:ext>
+            </a:extLst>
+          </p:cNvPr>
+          <p:cNvSpPr>
+            <a:spLocks noGrp="1" noRot="1" noChangeAspect="1" noMove="1" noResize="1" noEditPoints="1" noAdjustHandles="1" noChangeArrowheads="1" noChangeShapeType="1" noTextEdit="1"/>
+          </p:cNvSpPr>
+          <p:nvPr>
+            <p:extLst>
+              <p:ext uri="{386F3935-93C4-4BCD-93E2-E3B085C9AB24}">
+                <p16:designElem xmlns:p16="http://schemas.microsoft.com/office/powerpoint/2015/main" val="1"/>
+              </p:ext>
+            </p:extLst>
+          </p:nvPr>
+        </p:nvSpPr>
+        <p:spPr>
+          <a:xfrm rot="5400000" flipH="1">
+            <a:off x="767923" y="3588085"/>
+            <a:ext cx="2501979" cy="4037841"/>
+          </a:xfrm>
+          <a:prstGeom prst="rect">
+            <a:avLst/>
+          </a:prstGeom>
+          <a:gradFill>
+            <a:gsLst>
+              <a:gs pos="2000">
+                <a:schemeClr val="accent1">
+                  <a:alpha val="29000"/>
+                </a:schemeClr>
+              </a:gs>
+              <a:gs pos="100000">
+                <a:srgbClr val="000000">
+                  <a:alpha val="30000"/>
+                </a:srgbClr>
+              </a:gs>
+            </a:gsLst>
+            <a:lin ang="7800000" scaled="0"/>
+          </a:gradFill>
+          <a:ln>
+            <a:noFill/>
+          </a:ln>
+        </p:spPr>
+        <p:style>
+          <a:lnRef idx="2">
+            <a:schemeClr val="accent1">
+              <a:shade val="50000"/>
+            </a:schemeClr>
+          </a:lnRef>
+          <a:fillRef idx="1">
+            <a:schemeClr val="accent1"/>
+          </a:fillRef>
+          <a:effectRef idx="0">
+            <a:schemeClr val="accent1"/>
+          </a:effectRef>
+          <a:fontRef idx="minor">
+            <a:schemeClr val="lt1"/>
+          </a:fontRef>
+        </p:style>
+        <p:txBody>
+          <a:bodyPr rtlCol="0" anchor="ctr"/>
+          <a:lstStyle/>
+          <a:p>
+            <a:pPr algn="ctr"/>
+            <a:endParaRPr lang="en-US" dirty="0"/>
+          </a:p>
+        </p:txBody>
+      </p:sp>
+      <p:sp>
+        <p:nvSpPr>
+          <p:cNvPr id="39" name="Freeform: Shape 38">
+            <a:extLst>
+              <a:ext uri="{FF2B5EF4-FFF2-40B4-BE49-F238E27FC236}">
+                <a16:creationId xmlns:a16="http://schemas.microsoft.com/office/drawing/2014/main" id="{752CC0F9-19B8-A06D-4214-404C0E12EE2C}"/>
+              </a:ext>
+              <a:ext uri="{C183D7F6-B498-43B3-948B-1728B52AA6E4}">
+                <adec:decorative xmlns:adec="http://schemas.microsoft.com/office/drawing/2017/decorative" val="1"/>
+              </a:ext>
+            </a:extLst>
+          </p:cNvPr>
+          <p:cNvSpPr>
+            <a:spLocks noGrp="1" noRot="1" noChangeAspect="1" noMove="1" noResize="1" noEditPoints="1" noAdjustHandles="1" noChangeArrowheads="1" noChangeShapeType="1" noTextEdit="1"/>
+          </p:cNvSpPr>
+          <p:nvPr>
+            <p:extLst>
+              <p:ext uri="{386F3935-93C4-4BCD-93E2-E3B085C9AB24}">
+                <p16:designElem xmlns:p16="http://schemas.microsoft.com/office/powerpoint/2015/main" val="1"/>
+              </p:ext>
+            </p:extLst>
+          </p:nvPr>
+        </p:nvSpPr>
+        <p:spPr>
+          <a:xfrm rot="20635413">
+            <a:off x="-501737" y="969718"/>
+            <a:ext cx="3900357" cy="4178958"/>
+          </a:xfrm>
+          <a:custGeom>
+            <a:avLst/>
+            <a:gdLst>
+              <a:gd name="connsiteX0" fmla="*/ 2432225 w 3900357"/>
+              <a:gd name="connsiteY0" fmla="*/ 93939 h 4178958"/>
+              <a:gd name="connsiteX1" fmla="*/ 3900357 w 3900357"/>
+              <a:gd name="connsiteY1" fmla="*/ 2089479 h 4178958"/>
+              <a:gd name="connsiteX2" fmla="*/ 1810878 w 3900357"/>
+              <a:gd name="connsiteY2" fmla="*/ 4178958 h 4178958"/>
+              <a:gd name="connsiteX3" fmla="*/ 78249 w 3900357"/>
+              <a:gd name="connsiteY3" fmla="*/ 3257727 h 4178958"/>
+              <a:gd name="connsiteX4" fmla="*/ 0 w 3900357"/>
+              <a:gd name="connsiteY4" fmla="*/ 3128923 h 4178958"/>
+              <a:gd name="connsiteX5" fmla="*/ 831324 w 3900357"/>
+              <a:gd name="connsiteY5" fmla="*/ 244281 h 4178958"/>
+              <a:gd name="connsiteX6" fmla="*/ 997559 w 3900357"/>
+              <a:gd name="connsiteY6" fmla="*/ 164202 h 4178958"/>
+              <a:gd name="connsiteX7" fmla="*/ 1810878 w 3900357"/>
+              <a:gd name="connsiteY7" fmla="*/ 0 h 4178958"/>
+              <a:gd name="connsiteX8" fmla="*/ 2432225 w 3900357"/>
+              <a:gd name="connsiteY8" fmla="*/ 93939 h 4178958"/>
+            </a:gdLst>
+            <a:ahLst/>
+            <a:cxnLst>
+              <a:cxn ang="0">
+                <a:pos x="connsiteX0" y="connsiteY0"/>
+              </a:cxn>
+              <a:cxn ang="0">
+                <a:pos x="connsiteX1" y="connsiteY1"/>
+              </a:cxn>
+              <a:cxn ang="0">
+                <a:pos x="connsiteX2" y="connsiteY2"/>
+              </a:cxn>
+              <a:cxn ang="0">
+                <a:pos x="connsiteX3" y="connsiteY3"/>
+              </a:cxn>
+              <a:cxn ang="0">
+                <a:pos x="connsiteX4" y="connsiteY4"/>
+              </a:cxn>
+              <a:cxn ang="0">
+                <a:pos x="connsiteX5" y="connsiteY5"/>
+              </a:cxn>
+              <a:cxn ang="0">
+                <a:pos x="connsiteX6" y="connsiteY6"/>
+              </a:cxn>
+              <a:cxn ang="0">
+                <a:pos x="connsiteX7" y="connsiteY7"/>
+              </a:cxn>
+              <a:cxn ang="0">
+                <a:pos x="connsiteX8" y="connsiteY8"/>
+              </a:cxn>
+            </a:cxnLst>
+            <a:rect l="l" t="t" r="r" b="b"/>
+            <a:pathLst>
+              <a:path w="3900357" h="4178958">
+                <a:moveTo>
+                  <a:pt x="2432225" y="93939"/>
+                </a:moveTo>
+                <a:cubicBezTo>
+                  <a:pt x="3282786" y="358491"/>
+                  <a:pt x="3900357" y="1151865"/>
+                  <a:pt x="3900357" y="2089479"/>
+                </a:cubicBezTo>
+                <a:cubicBezTo>
+                  <a:pt x="3900357" y="3243466"/>
+                  <a:pt x="2964865" y="4178958"/>
+                  <a:pt x="1810878" y="4178958"/>
+                </a:cubicBezTo>
+                <a:cubicBezTo>
+                  <a:pt x="1089636" y="4178958"/>
+                  <a:pt x="453744" y="3813531"/>
+                  <a:pt x="78249" y="3257727"/>
+                </a:cubicBezTo>
+                <a:lnTo>
+                  <a:pt x="0" y="3128923"/>
+                </a:lnTo>
+                <a:lnTo>
+                  <a:pt x="831324" y="244281"/>
+                </a:lnTo>
+                <a:lnTo>
+                  <a:pt x="997559" y="164202"/>
+                </a:lnTo>
+                <a:cubicBezTo>
+                  <a:pt x="1247540" y="58468"/>
+                  <a:pt x="1522381" y="0"/>
+                  <a:pt x="1810878" y="0"/>
+                </a:cubicBezTo>
+                <a:cubicBezTo>
+                  <a:pt x="2027251" y="0"/>
+                  <a:pt x="2235942" y="32888"/>
+                  <a:pt x="2432225" y="93939"/>
+                </a:cubicBezTo>
+                <a:close/>
+              </a:path>
+            </a:pathLst>
+          </a:custGeom>
+          <a:gradFill>
+            <a:gsLst>
+              <a:gs pos="29000">
+                <a:srgbClr val="000000">
+                  <a:alpha val="0"/>
+                </a:srgbClr>
+              </a:gs>
+              <a:gs pos="100000">
+                <a:schemeClr val="accent1">
+                  <a:alpha val="43000"/>
+                </a:schemeClr>
+              </a:gs>
+            </a:gsLst>
+            <a:lin ang="1800000" scaled="0"/>
+          </a:gradFill>
+          <a:ln>
+            <a:noFill/>
+          </a:ln>
+        </p:spPr>
+        <p:style>
+          <a:lnRef idx="2">
+            <a:schemeClr val="accent1">
+              <a:shade val="50000"/>
+            </a:schemeClr>
+          </a:lnRef>
+          <a:fillRef idx="1">
+            <a:schemeClr val="accent1"/>
+          </a:fillRef>
+          <a:effectRef idx="0">
+            <a:schemeClr val="accent1"/>
+          </a:effectRef>
+          <a:fontRef idx="minor">
+            <a:schemeClr val="lt1"/>
+          </a:fontRef>
+        </p:style>
+        <p:txBody>
+          <a:bodyPr wrap="square" rtlCol="0" anchor="ctr">
+            <a:noAutofit/>
+          </a:bodyPr>
+          <a:lstStyle/>
+          <a:p>
+            <a:pPr algn="ctr"/>
+            <a:endParaRPr lang="en-US" dirty="0"/>
+          </a:p>
+        </p:txBody>
+      </p:sp>
+      <p:sp>
+        <p:nvSpPr>
+          <p:cNvPr id="41" name="Rectangle 40">
+            <a:extLst>
+              <a:ext uri="{FF2B5EF4-FFF2-40B4-BE49-F238E27FC236}">
+                <a16:creationId xmlns:a16="http://schemas.microsoft.com/office/drawing/2014/main" id="{0CF09B29-A0B1-EE61-C605-1704CC9EF83C}"/>
+              </a:ext>
+              <a:ext uri="{C183D7F6-B498-43B3-948B-1728B52AA6E4}">
+                <adec:decorative xmlns:adec="http://schemas.microsoft.com/office/drawing/2017/decorative" val="1"/>
+              </a:ext>
+            </a:extLst>
+          </p:cNvPr>
+          <p:cNvSpPr>
+            <a:spLocks noGrp="1" noRot="1" noChangeAspect="1" noMove="1" noResize="1" noEditPoints="1" noAdjustHandles="1" noChangeArrowheads="1" noChangeShapeType="1" noTextEdit="1"/>
+          </p:cNvSpPr>
+          <p:nvPr>
+            <p:extLst>
+              <p:ext uri="{386F3935-93C4-4BCD-93E2-E3B085C9AB24}">
+                <p16:designElem xmlns:p16="http://schemas.microsoft.com/office/powerpoint/2015/main" val="1"/>
+              </p:ext>
+            </p:extLst>
+          </p:nvPr>
+        </p:nvSpPr>
+        <p:spPr>
+          <a:xfrm rot="5400000" flipH="1">
+            <a:off x="-1410093" y="1399943"/>
+            <a:ext cx="6858003" cy="4037835"/>
+          </a:xfrm>
+          <a:prstGeom prst="rect">
+            <a:avLst/>
+          </a:prstGeom>
+          <a:gradFill>
+            <a:gsLst>
+              <a:gs pos="0">
+                <a:srgbClr val="000000">
+                  <a:alpha val="0"/>
+                </a:srgbClr>
+              </a:gs>
+              <a:gs pos="99000">
+                <a:schemeClr val="accent1">
+                  <a:lumMod val="60000"/>
+                  <a:lumOff val="40000"/>
+                  <a:alpha val="11000"/>
+                </a:schemeClr>
+              </a:gs>
+            </a:gsLst>
+            <a:lin ang="7200000" scaled="0"/>
+          </a:gradFill>
+          <a:ln>
+            <a:noFill/>
+          </a:ln>
+        </p:spPr>
+        <p:style>
+          <a:lnRef idx="2">
+            <a:schemeClr val="accent1">
+              <a:shade val="50000"/>
+            </a:schemeClr>
+          </a:lnRef>
+          <a:fillRef idx="1">
+            <a:schemeClr val="accent1"/>
+          </a:fillRef>
+          <a:effectRef idx="0">
+            <a:schemeClr val="accent1"/>
+          </a:effectRef>
+          <a:fontRef idx="minor">
+            <a:schemeClr val="lt1"/>
+          </a:fontRef>
+        </p:style>
+        <p:txBody>
+          <a:bodyPr rtlCol="0" anchor="ctr"/>
+          <a:lstStyle/>
+          <a:p>
+            <a:pPr algn="ctr"/>
+            <a:endParaRPr lang="en-US"/>
+          </a:p>
+        </p:txBody>
+      </p:sp>
+      <p:sp>
+        <p:nvSpPr>
+          <p:cNvPr id="2" name="Titre 1">
+            <a:extLst>
+              <a:ext uri="{FF2B5EF4-FFF2-40B4-BE49-F238E27FC236}">
+                <a16:creationId xmlns:a16="http://schemas.microsoft.com/office/drawing/2014/main" id="{F5198135-7B10-4267-8D6E-9725D26C32BE}"/>
+              </a:ext>
+            </a:extLst>
+          </p:cNvPr>
+          <p:cNvSpPr>
+            <a:spLocks noGrp="1"/>
+          </p:cNvSpPr>
+          <p:nvPr>
+            <p:ph type="title"/>
+          </p:nvPr>
+        </p:nvSpPr>
+        <p:spPr>
+          <a:xfrm>
+            <a:off x="466722" y="586855"/>
+            <a:ext cx="3201366" cy="3387497"/>
+          </a:xfrm>
+        </p:spPr>
+        <p:txBody>
+          <a:bodyPr anchor="b">
+            <a:normAutofit/>
+          </a:bodyPr>
+          <a:lstStyle/>
+          <a:p>
+            <a:pPr algn="r"/>
+            <a:r>
+              <a:rPr lang="en-US" sz="4000" kern="1200" dirty="0" err="1">
+                <a:solidFill>
+                  <a:srgbClr val="FFFFFF"/>
+                </a:solidFill>
+                <a:latin typeface="+mj-lt"/>
+                <a:ea typeface="+mj-ea"/>
+                <a:cs typeface="+mj-cs"/>
+              </a:rPr>
+              <a:t>Contexte</a:t>
+            </a:r>
+            <a:r>
+              <a:rPr lang="en-US" sz="4000" kern="1200" dirty="0">
+                <a:solidFill>
+                  <a:srgbClr val="FFFFFF"/>
+                </a:solidFill>
+                <a:latin typeface="+mj-lt"/>
+                <a:ea typeface="+mj-ea"/>
+                <a:cs typeface="+mj-cs"/>
+              </a:rPr>
+              <a:t>: </a:t>
+            </a:r>
+            <a:br>
+              <a:rPr lang="en-US" sz="4000" kern="1200" dirty="0">
+                <a:solidFill>
+                  <a:srgbClr val="FFFFFF"/>
+                </a:solidFill>
+                <a:latin typeface="+mj-lt"/>
+                <a:ea typeface="+mj-ea"/>
+                <a:cs typeface="+mj-cs"/>
+              </a:rPr>
+            </a:br>
+            <a:r>
+              <a:rPr lang="en-US" sz="4000" kern="1200" dirty="0">
+                <a:solidFill>
+                  <a:srgbClr val="FFFFFF"/>
+                </a:solidFill>
+                <a:latin typeface="+mj-lt"/>
+                <a:ea typeface="+mj-ea"/>
+                <a:cs typeface="+mj-cs"/>
+              </a:rPr>
+              <a:t>le Diplôme national du brevet (</a:t>
+            </a:r>
+            <a:r>
+              <a:rPr lang="en-US" sz="4000" kern="1200" dirty="0" err="1">
+                <a:solidFill>
+                  <a:srgbClr val="FFFFFF"/>
+                </a:solidFill>
+                <a:latin typeface="+mj-lt"/>
+                <a:ea typeface="+mj-ea"/>
+                <a:cs typeface="+mj-cs"/>
+              </a:rPr>
+              <a:t>dnb</a:t>
+            </a:r>
+            <a:r>
+              <a:rPr lang="en-US" sz="4000" kern="1200" dirty="0">
+                <a:solidFill>
+                  <a:srgbClr val="FFFFFF"/>
+                </a:solidFill>
+                <a:latin typeface="+mj-lt"/>
+                <a:ea typeface="+mj-ea"/>
+                <a:cs typeface="+mj-cs"/>
+              </a:rPr>
+              <a:t>) </a:t>
+            </a:r>
+            <a:endParaRPr lang="fr-FR" sz="4000" dirty="0">
+              <a:solidFill>
+                <a:srgbClr val="FFFFFF"/>
+              </a:solidFill>
+            </a:endParaRPr>
+          </a:p>
+        </p:txBody>
+      </p:sp>
+      <p:graphicFrame>
+        <p:nvGraphicFramePr>
+          <p:cNvPr id="6" name="Espace réservé du contenu 2">
+            <a:extLst>
+              <a:ext uri="{FF2B5EF4-FFF2-40B4-BE49-F238E27FC236}">
+                <a16:creationId xmlns:a16="http://schemas.microsoft.com/office/drawing/2014/main" id="{E123B342-6062-2AE8-15B7-58587612D1F3}"/>
+              </a:ext>
+            </a:extLst>
+          </p:cNvPr>
+          <p:cNvGraphicFramePr>
+            <a:graphicFrameLocks noGrp="1"/>
+          </p:cNvGraphicFramePr>
+          <p:nvPr>
+            <p:ph idx="1"/>
+            <p:extLst>
+              <p:ext uri="{D42A27DB-BD31-4B8C-83A1-F6EECF244321}">
+                <p14:modId xmlns:p14="http://schemas.microsoft.com/office/powerpoint/2010/main" val="4239059815"/>
+              </p:ext>
+            </p:extLst>
+          </p:nvPr>
+        </p:nvGraphicFramePr>
+        <p:xfrm>
+          <a:off x="4335549" y="295260"/>
+          <a:ext cx="7559504" cy="6285297"/>
+        </p:xfrm>
+        <a:graphic>
+          <a:graphicData uri="http://schemas.openxmlformats.org/drawingml/2006/diagram">
+            <dgm:relIds xmlns:dgm="http://schemas.openxmlformats.org/drawingml/2006/diagram" xmlns:r="http://schemas.openxmlformats.org/officeDocument/2006/relationships" r:dm="rId2" r:lo="rId3" r:qs="rId4" r:cs="rId5"/>
+          </a:graphicData>
+        </a:graphic>
+      </p:graphicFrame>
+    </p:spTree>
+    <p:extLst>
+      <p:ext uri="{BB962C8B-B14F-4D97-AF65-F5344CB8AC3E}">
+        <p14:creationId xmlns:p14="http://schemas.microsoft.com/office/powerpoint/2010/main" val="3313787595"/>
+      </p:ext>
+    </p:extLst>
+  </p:cSld>
+  <p:clrMapOvr>
+    <a:masterClrMapping/>
+  </p:clrMapOvr>
+</p:sld>
+</file>
+
+<file path=ppt/slides/slide3.xml><?xml version="1.0" encoding="utf-8"?>
+<p:sld xmlns:a="http://schemas.openxmlformats.org/drawingml/2006/main" xmlns:r="http://schemas.openxmlformats.org/officeDocument/2006/relationships" xmlns:p="http://schemas.openxmlformats.org/presentationml/2006/main">
+  <p:cSld>
+    <p:bg>
+      <p:bgPr>
+        <a:solidFill>
+          <a:schemeClr val="bg1"/>
+        </a:solidFill>
+        <a:effectLst/>
+      </p:bgPr>
+    </p:bg>
+    <p:spTree>
+      <p:nvGrpSpPr>
+        <p:cNvPr id="1" name="">
+          <a:extLst>
+            <a:ext uri="{FF2B5EF4-FFF2-40B4-BE49-F238E27FC236}">
+              <a16:creationId xmlns:a16="http://schemas.microsoft.com/office/drawing/2014/main" id="{1CC1CC75-68E9-9A84-E52C-F2092F785A53}"/>
+            </a:ext>
+          </a:extLst>
+        </p:cNvPr>
+        <p:cNvGrpSpPr/>
+        <p:nvPr/>
+      </p:nvGrpSpPr>
+      <p:grpSpPr>
+        <a:xfrm>
+          <a:off x="0" y="0"/>
+          <a:ext cx="0" cy="0"/>
+          <a:chOff x="0" y="0"/>
+          <a:chExt cx="0" cy="0"/>
+        </a:xfrm>
+      </p:grpSpPr>
+      <p:sp useBgFill="1">
+        <p:nvSpPr>
+          <p:cNvPr id="29" name="Rectangle 28">
+            <a:extLst>
+              <a:ext uri="{FF2B5EF4-FFF2-40B4-BE49-F238E27FC236}">
+                <a16:creationId xmlns:a16="http://schemas.microsoft.com/office/drawing/2014/main" id="{09588DA8-065E-4F6F-8EFD-43104AB2E0CF}"/>
+              </a:ext>
+              <a:ext uri="{C183D7F6-B498-43B3-948B-1728B52AA6E4}">
+                <adec:decorative xmlns:adec="http://schemas.microsoft.com/office/drawing/2017/decorative" val="1"/>
+              </a:ext>
+            </a:extLst>
+          </p:cNvPr>
+          <p:cNvSpPr>
+            <a:spLocks noGrp="1" noRot="1" noChangeAspect="1" noMove="1" noResize="1" noEditPoints="1" noAdjustHandles="1" noChangeArrowheads="1" noChangeShapeType="1" noTextEdit="1"/>
+          </p:cNvSpPr>
+          <p:nvPr>
+            <p:extLst>
+              <p:ext uri="{386F3935-93C4-4BCD-93E2-E3B085C9AB24}">
+                <p16:designElem xmlns:p16="http://schemas.microsoft.com/office/powerpoint/2015/main" val="1"/>
+              </p:ext>
+            </p:extLst>
+          </p:nvPr>
+        </p:nvSpPr>
+        <p:spPr>
+          <a:xfrm>
+            <a:off x="0" y="0"/>
+            <a:ext cx="12192000" cy="6858000"/>
+          </a:xfrm>
+          <a:prstGeom prst="rect">
+            <a:avLst/>
+          </a:prstGeom>
+          <a:ln w="12700" cap="flat" cmpd="sng" algn="ctr">
+            <a:noFill/>
+            <a:prstDash val="solid"/>
+            <a:miter lim="800000"/>
+          </a:ln>
+          <a:effectLst/>
+          <a:extLst>
+            <a:ext uri="{91240B29-F687-4F45-9708-019B960494DF}">
+              <a14:hiddenLine xmlns:a14="http://schemas.microsoft.com/office/drawing/2010/main" w="12700" cap="flat" cmpd="sng" algn="ctr">
+                <a:solidFill>
+                  <a:schemeClr val="accent1">
+                    <a:shade val="50000"/>
+                  </a:schemeClr>
+                </a:solidFill>
+                <a:prstDash val="solid"/>
+                <a:miter lim="800000"/>
+              </a14:hiddenLine>
+            </a:ext>
+          </a:extLst>
+        </p:spPr>
+        <p:style>
+          <a:lnRef idx="2">
+            <a:schemeClr val="accent1">
+              <a:shade val="50000"/>
+            </a:schemeClr>
+          </a:lnRef>
+          <a:fillRef idx="1">
+            <a:schemeClr val="accent1"/>
+          </a:fillRef>
+          <a:effectRef idx="0">
+            <a:schemeClr val="accent1"/>
+          </a:effectRef>
+          <a:fontRef idx="minor">
+            <a:schemeClr val="lt1"/>
+          </a:fontRef>
+        </p:style>
+        <p:txBody>
+          <a:bodyPr rtlCol="0" anchor="ctr"/>
+          <a:lstStyle/>
+          <a:p>
+            <a:pPr algn="ctr"/>
+            <a:endParaRPr lang="en-US"/>
+          </a:p>
+        </p:txBody>
+      </p:sp>
+      <p:sp useBgFill="1">
+        <p:nvSpPr>
+          <p:cNvPr id="31" name="Rectangle 30">
+            <a:extLst>
+              <a:ext uri="{FF2B5EF4-FFF2-40B4-BE49-F238E27FC236}">
+                <a16:creationId xmlns:a16="http://schemas.microsoft.com/office/drawing/2014/main" id="{C4285719-470E-454C-AF62-8323075F1F5B}"/>
+              </a:ext>
+              <a:ext uri="{C183D7F6-B498-43B3-948B-1728B52AA6E4}">
+                <adec:decorative xmlns:adec="http://schemas.microsoft.com/office/drawing/2017/decorative" val="1"/>
+              </a:ext>
+            </a:extLst>
+          </p:cNvPr>
+          <p:cNvSpPr>
+            <a:spLocks noGrp="1" noRot="1" noChangeAspect="1" noMove="1" noResize="1" noEditPoints="1" noAdjustHandles="1" noChangeArrowheads="1" noChangeShapeType="1" noTextEdit="1"/>
+          </p:cNvSpPr>
+          <p:nvPr>
+            <p:extLst>
+              <p:ext uri="{386F3935-93C4-4BCD-93E2-E3B085C9AB24}">
+                <p16:designElem xmlns:p16="http://schemas.microsoft.com/office/powerpoint/2015/main" val="1"/>
+              </p:ext>
+            </p:extLst>
+          </p:nvPr>
+        </p:nvSpPr>
+        <p:spPr>
+          <a:xfrm>
+            <a:off x="0" y="0"/>
+            <a:ext cx="12188952" cy="6858000"/>
+          </a:xfrm>
+          <a:prstGeom prst="rect">
+            <a:avLst/>
+          </a:prstGeom>
+          <a:ln w="12700" cap="flat" cmpd="sng" algn="ctr">
+            <a:noFill/>
+            <a:prstDash val="solid"/>
+            <a:miter lim="800000"/>
+          </a:ln>
+          <a:effectLst/>
+          <a:extLst>
+            <a:ext uri="{91240B29-F687-4F45-9708-019B960494DF}">
+              <a14:hiddenLine xmlns:a14="http://schemas.microsoft.com/office/drawing/2010/main" w="12700" cap="flat" cmpd="sng" algn="ctr">
+                <a:solidFill>
+                  <a:schemeClr val="accent1">
+                    <a:shade val="50000"/>
+                  </a:schemeClr>
+                </a:solidFill>
+                <a:prstDash val="solid"/>
+                <a:miter lim="800000"/>
+              </a14:hiddenLine>
+            </a:ext>
+          </a:extLst>
+        </p:spPr>
+        <p:style>
+          <a:lnRef idx="2">
+            <a:schemeClr val="accent1">
+              <a:shade val="50000"/>
+            </a:schemeClr>
+          </a:lnRef>
+          <a:fillRef idx="1">
+            <a:schemeClr val="accent1"/>
+          </a:fillRef>
+          <a:effectRef idx="0">
+            <a:schemeClr val="accent1"/>
+          </a:effectRef>
+          <a:fontRef idx="minor">
+            <a:schemeClr val="lt1"/>
+          </a:fontRef>
+        </p:style>
+        <p:txBody>
+          <a:bodyPr rtlCol="0" anchor="ctr"/>
+          <a:lstStyle/>
+          <a:p>
+            <a:pPr algn="ctr"/>
+            <a:endParaRPr lang="en-US"/>
+          </a:p>
+        </p:txBody>
+      </p:sp>
+      <p:sp>
+        <p:nvSpPr>
+          <p:cNvPr id="33" name="Rectangle 32">
+            <a:extLst>
+              <a:ext uri="{FF2B5EF4-FFF2-40B4-BE49-F238E27FC236}">
+                <a16:creationId xmlns:a16="http://schemas.microsoft.com/office/drawing/2014/main" id="{CD9FE4EF-C4D8-49A0-B2FF-81D8DB7D8A24}"/>
+              </a:ext>
+              <a:ext uri="{C183D7F6-B498-43B3-948B-1728B52AA6E4}">
+                <adec:decorative xmlns:adec="http://schemas.microsoft.com/office/drawing/2017/decorative" val="1"/>
+              </a:ext>
+            </a:extLst>
+          </p:cNvPr>
+          <p:cNvSpPr>
+            <a:spLocks noGrp="1" noRot="1" noChangeAspect="1" noMove="1" noResize="1" noEditPoints="1" noAdjustHandles="1" noChangeArrowheads="1" noChangeShapeType="1" noTextEdit="1"/>
+          </p:cNvSpPr>
+          <p:nvPr>
+            <p:extLst>
+              <p:ext uri="{386F3935-93C4-4BCD-93E2-E3B085C9AB24}">
+                <p16:designElem xmlns:p16="http://schemas.microsoft.com/office/powerpoint/2015/main" val="1"/>
+              </p:ext>
+            </p:extLst>
+          </p:nvPr>
+        </p:nvSpPr>
+        <p:spPr>
+          <a:xfrm rot="5400000" flipH="1">
+            <a:off x="-1410084" y="1410082"/>
+            <a:ext cx="6858000" cy="4037836"/>
+          </a:xfrm>
+          <a:prstGeom prst="rect">
+            <a:avLst/>
+          </a:prstGeom>
+          <a:gradFill>
+            <a:gsLst>
+              <a:gs pos="8000">
+                <a:srgbClr val="000000"/>
+              </a:gs>
+              <a:gs pos="100000">
+                <a:schemeClr val="accent1">
+                  <a:lumMod val="75000"/>
+                </a:schemeClr>
+              </a:gs>
+            </a:gsLst>
+            <a:lin ang="3000000" scaled="0"/>
+          </a:gradFill>
+          <a:ln>
+            <a:noFill/>
+          </a:ln>
+        </p:spPr>
+        <p:style>
+          <a:lnRef idx="2">
+            <a:schemeClr val="accent1">
+              <a:shade val="50000"/>
+            </a:schemeClr>
+          </a:lnRef>
+          <a:fillRef idx="1">
+            <a:schemeClr val="accent1"/>
+          </a:fillRef>
+          <a:effectRef idx="0">
+            <a:schemeClr val="accent1"/>
+          </a:effectRef>
+          <a:fontRef idx="minor">
+            <a:schemeClr val="lt1"/>
+          </a:fontRef>
+        </p:style>
+        <p:txBody>
+          <a:bodyPr rtlCol="0" anchor="ctr"/>
+          <a:lstStyle/>
+          <a:p>
+            <a:pPr algn="ctr"/>
+            <a:endParaRPr lang="en-US"/>
+          </a:p>
+        </p:txBody>
+      </p:sp>
+      <p:sp>
+        <p:nvSpPr>
+          <p:cNvPr id="35" name="Rectangle 34">
+            <a:extLst>
+              <a:ext uri="{FF2B5EF4-FFF2-40B4-BE49-F238E27FC236}">
+                <a16:creationId xmlns:a16="http://schemas.microsoft.com/office/drawing/2014/main" id="{4300840D-0A0B-4512-BACA-B439D5B9C57C}"/>
+              </a:ext>
+              <a:ext uri="{C183D7F6-B498-43B3-948B-1728B52AA6E4}">
+                <adec:decorative xmlns:adec="http://schemas.microsoft.com/office/drawing/2017/decorative" val="1"/>
+              </a:ext>
+            </a:extLst>
+          </p:cNvPr>
+          <p:cNvSpPr>
+            <a:spLocks noGrp="1" noRot="1" noChangeAspect="1" noMove="1" noResize="1" noEditPoints="1" noAdjustHandles="1" noChangeArrowheads="1" noChangeShapeType="1" noTextEdit="1"/>
+          </p:cNvSpPr>
+          <p:nvPr>
+            <p:extLst>
+              <p:ext uri="{386F3935-93C4-4BCD-93E2-E3B085C9AB24}">
+                <p16:designElem xmlns:p16="http://schemas.microsoft.com/office/powerpoint/2015/main" val="1"/>
+              </p:ext>
+            </p:extLst>
+          </p:nvPr>
+        </p:nvSpPr>
+        <p:spPr>
+          <a:xfrm rot="5400000" flipH="1">
+            <a:off x="-1410085" y="1420219"/>
+            <a:ext cx="6857999" cy="4037839"/>
+          </a:xfrm>
+          <a:prstGeom prst="rect">
+            <a:avLst/>
+          </a:prstGeom>
+          <a:gradFill>
+            <a:gsLst>
+              <a:gs pos="0">
+                <a:srgbClr val="000000">
+                  <a:alpha val="0"/>
+                </a:srgbClr>
+              </a:gs>
+              <a:gs pos="99000">
+                <a:schemeClr val="accent1">
+                  <a:alpha val="46000"/>
+                </a:schemeClr>
+              </a:gs>
+            </a:gsLst>
+            <a:lin ang="1800000" scaled="0"/>
+          </a:gradFill>
+          <a:ln>
+            <a:noFill/>
+          </a:ln>
+        </p:spPr>
+        <p:style>
+          <a:lnRef idx="2">
+            <a:schemeClr val="accent1">
+              <a:shade val="50000"/>
+            </a:schemeClr>
+          </a:lnRef>
+          <a:fillRef idx="1">
+            <a:schemeClr val="accent1"/>
+          </a:fillRef>
+          <a:effectRef idx="0">
+            <a:schemeClr val="accent1"/>
+          </a:effectRef>
+          <a:fontRef idx="minor">
+            <a:schemeClr val="lt1"/>
+          </a:fontRef>
+        </p:style>
+        <p:txBody>
+          <a:bodyPr rtlCol="0" anchor="ctr"/>
+          <a:lstStyle/>
+          <a:p>
+            <a:pPr algn="ctr"/>
+            <a:endParaRPr lang="en-US"/>
+          </a:p>
+        </p:txBody>
+      </p:sp>
+      <p:sp>
+        <p:nvSpPr>
+          <p:cNvPr id="37" name="Rectangle 36">
+            <a:extLst>
+              <a:ext uri="{FF2B5EF4-FFF2-40B4-BE49-F238E27FC236}">
+                <a16:creationId xmlns:a16="http://schemas.microsoft.com/office/drawing/2014/main" id="{D2B78728-A580-49A7-84F9-6EF6F583ADE0}"/>
+              </a:ext>
+              <a:ext uri="{C183D7F6-B498-43B3-948B-1728B52AA6E4}">
+                <adec:decorative xmlns:adec="http://schemas.microsoft.com/office/drawing/2017/decorative" val="1"/>
+              </a:ext>
+            </a:extLst>
+          </p:cNvPr>
+          <p:cNvSpPr>
+            <a:spLocks noGrp="1" noRot="1" noChangeAspect="1" noMove="1" noResize="1" noEditPoints="1" noAdjustHandles="1" noChangeArrowheads="1" noChangeShapeType="1" noTextEdit="1"/>
+          </p:cNvSpPr>
+          <p:nvPr>
+            <p:extLst>
+              <p:ext uri="{386F3935-93C4-4BCD-93E2-E3B085C9AB24}">
+                <p16:designElem xmlns:p16="http://schemas.microsoft.com/office/powerpoint/2015/main" val="1"/>
+              </p:ext>
+            </p:extLst>
+          </p:nvPr>
+        </p:nvSpPr>
+        <p:spPr>
+          <a:xfrm rot="5400000" flipH="1">
+            <a:off x="767923" y="3588085"/>
+            <a:ext cx="2501979" cy="4037841"/>
+          </a:xfrm>
+          <a:prstGeom prst="rect">
+            <a:avLst/>
+          </a:prstGeom>
+          <a:gradFill>
+            <a:gsLst>
+              <a:gs pos="2000">
+                <a:schemeClr val="accent1">
+                  <a:alpha val="29000"/>
+                </a:schemeClr>
+              </a:gs>
+              <a:gs pos="100000">
+                <a:srgbClr val="000000">
+                  <a:alpha val="30000"/>
+                </a:srgbClr>
+              </a:gs>
+            </a:gsLst>
+            <a:lin ang="7800000" scaled="0"/>
+          </a:gradFill>
+          <a:ln>
+            <a:noFill/>
+          </a:ln>
+        </p:spPr>
+        <p:style>
+          <a:lnRef idx="2">
+            <a:schemeClr val="accent1">
+              <a:shade val="50000"/>
+            </a:schemeClr>
+          </a:lnRef>
+          <a:fillRef idx="1">
+            <a:schemeClr val="accent1"/>
+          </a:fillRef>
+          <a:effectRef idx="0">
+            <a:schemeClr val="accent1"/>
+          </a:effectRef>
+          <a:fontRef idx="minor">
+            <a:schemeClr val="lt1"/>
+          </a:fontRef>
+        </p:style>
+        <p:txBody>
+          <a:bodyPr rtlCol="0" anchor="ctr"/>
+          <a:lstStyle/>
+          <a:p>
+            <a:pPr algn="ctr"/>
+            <a:endParaRPr lang="en-US" dirty="0"/>
+          </a:p>
+        </p:txBody>
+      </p:sp>
+      <p:sp>
+        <p:nvSpPr>
+          <p:cNvPr id="39" name="Freeform: Shape 38">
+            <a:extLst>
+              <a:ext uri="{FF2B5EF4-FFF2-40B4-BE49-F238E27FC236}">
+                <a16:creationId xmlns:a16="http://schemas.microsoft.com/office/drawing/2014/main" id="{38FAA1A1-D861-433F-88FA-1E9D6FD31D11}"/>
+              </a:ext>
+              <a:ext uri="{C183D7F6-B498-43B3-948B-1728B52AA6E4}">
+                <adec:decorative xmlns:adec="http://schemas.microsoft.com/office/drawing/2017/decorative" val="1"/>
+              </a:ext>
+            </a:extLst>
+          </p:cNvPr>
+          <p:cNvSpPr>
+            <a:spLocks noGrp="1" noRot="1" noChangeAspect="1" noMove="1" noResize="1" noEditPoints="1" noAdjustHandles="1" noChangeArrowheads="1" noChangeShapeType="1" noTextEdit="1"/>
+          </p:cNvSpPr>
+          <p:nvPr>
+            <p:extLst>
+              <p:ext uri="{386F3935-93C4-4BCD-93E2-E3B085C9AB24}">
+                <p16:designElem xmlns:p16="http://schemas.microsoft.com/office/powerpoint/2015/main" val="1"/>
+              </p:ext>
+            </p:extLst>
+          </p:nvPr>
+        </p:nvSpPr>
+        <p:spPr>
+          <a:xfrm rot="20635413">
+            <a:off x="-501737" y="969718"/>
+            <a:ext cx="3900357" cy="4178958"/>
+          </a:xfrm>
+          <a:custGeom>
+            <a:avLst/>
+            <a:gdLst>
+              <a:gd name="connsiteX0" fmla="*/ 2432225 w 3900357"/>
+              <a:gd name="connsiteY0" fmla="*/ 93939 h 4178958"/>
+              <a:gd name="connsiteX1" fmla="*/ 3900357 w 3900357"/>
+              <a:gd name="connsiteY1" fmla="*/ 2089479 h 4178958"/>
+              <a:gd name="connsiteX2" fmla="*/ 1810878 w 3900357"/>
+              <a:gd name="connsiteY2" fmla="*/ 4178958 h 4178958"/>
+              <a:gd name="connsiteX3" fmla="*/ 78249 w 3900357"/>
+              <a:gd name="connsiteY3" fmla="*/ 3257727 h 4178958"/>
+              <a:gd name="connsiteX4" fmla="*/ 0 w 3900357"/>
+              <a:gd name="connsiteY4" fmla="*/ 3128923 h 4178958"/>
+              <a:gd name="connsiteX5" fmla="*/ 831324 w 3900357"/>
+              <a:gd name="connsiteY5" fmla="*/ 244281 h 4178958"/>
+              <a:gd name="connsiteX6" fmla="*/ 997559 w 3900357"/>
+              <a:gd name="connsiteY6" fmla="*/ 164202 h 4178958"/>
+              <a:gd name="connsiteX7" fmla="*/ 1810878 w 3900357"/>
+              <a:gd name="connsiteY7" fmla="*/ 0 h 4178958"/>
+              <a:gd name="connsiteX8" fmla="*/ 2432225 w 3900357"/>
+              <a:gd name="connsiteY8" fmla="*/ 93939 h 4178958"/>
+            </a:gdLst>
+            <a:ahLst/>
+            <a:cxnLst>
+              <a:cxn ang="0">
+                <a:pos x="connsiteX0" y="connsiteY0"/>
+              </a:cxn>
+              <a:cxn ang="0">
+                <a:pos x="connsiteX1" y="connsiteY1"/>
+              </a:cxn>
+              <a:cxn ang="0">
+                <a:pos x="connsiteX2" y="connsiteY2"/>
+              </a:cxn>
+              <a:cxn ang="0">
+                <a:pos x="connsiteX3" y="connsiteY3"/>
+              </a:cxn>
+              <a:cxn ang="0">
+                <a:pos x="connsiteX4" y="connsiteY4"/>
+              </a:cxn>
+              <a:cxn ang="0">
+                <a:pos x="connsiteX5" y="connsiteY5"/>
+              </a:cxn>
+              <a:cxn ang="0">
+                <a:pos x="connsiteX6" y="connsiteY6"/>
+              </a:cxn>
+              <a:cxn ang="0">
+                <a:pos x="connsiteX7" y="connsiteY7"/>
+              </a:cxn>
+              <a:cxn ang="0">
+                <a:pos x="connsiteX8" y="connsiteY8"/>
+              </a:cxn>
+            </a:cxnLst>
+            <a:rect l="l" t="t" r="r" b="b"/>
+            <a:pathLst>
+              <a:path w="3900357" h="4178958">
+                <a:moveTo>
+                  <a:pt x="2432225" y="93939"/>
+                </a:moveTo>
+                <a:cubicBezTo>
+                  <a:pt x="3282786" y="358491"/>
+                  <a:pt x="3900357" y="1151865"/>
+                  <a:pt x="3900357" y="2089479"/>
+                </a:cubicBezTo>
+                <a:cubicBezTo>
+                  <a:pt x="3900357" y="3243466"/>
+                  <a:pt x="2964865" y="4178958"/>
+                  <a:pt x="1810878" y="4178958"/>
+                </a:cubicBezTo>
+                <a:cubicBezTo>
+                  <a:pt x="1089636" y="4178958"/>
+                  <a:pt x="453744" y="3813531"/>
+                  <a:pt x="78249" y="3257727"/>
+                </a:cubicBezTo>
+                <a:lnTo>
+                  <a:pt x="0" y="3128923"/>
+                </a:lnTo>
+                <a:lnTo>
+                  <a:pt x="831324" y="244281"/>
+                </a:lnTo>
+                <a:lnTo>
+                  <a:pt x="997559" y="164202"/>
+                </a:lnTo>
+                <a:cubicBezTo>
+                  <a:pt x="1247540" y="58468"/>
+                  <a:pt x="1522381" y="0"/>
+                  <a:pt x="1810878" y="0"/>
+                </a:cubicBezTo>
+                <a:cubicBezTo>
+                  <a:pt x="2027251" y="0"/>
+                  <a:pt x="2235942" y="32888"/>
+                  <a:pt x="2432225" y="93939"/>
+                </a:cubicBezTo>
+                <a:close/>
+              </a:path>
+            </a:pathLst>
+          </a:custGeom>
+          <a:gradFill>
+            <a:gsLst>
+              <a:gs pos="29000">
+                <a:srgbClr val="000000">
+                  <a:alpha val="0"/>
+                </a:srgbClr>
+              </a:gs>
+              <a:gs pos="100000">
+                <a:schemeClr val="accent1">
+                  <a:alpha val="43000"/>
+                </a:schemeClr>
+              </a:gs>
+            </a:gsLst>
+            <a:lin ang="1800000" scaled="0"/>
+          </a:gradFill>
+          <a:ln>
+            <a:noFill/>
+          </a:ln>
+        </p:spPr>
+        <p:style>
+          <a:lnRef idx="2">
+            <a:schemeClr val="accent1">
+              <a:shade val="50000"/>
+            </a:schemeClr>
+          </a:lnRef>
+          <a:fillRef idx="1">
+            <a:schemeClr val="accent1"/>
+          </a:fillRef>
+          <a:effectRef idx="0">
+            <a:schemeClr val="accent1"/>
+          </a:effectRef>
+          <a:fontRef idx="minor">
+            <a:schemeClr val="lt1"/>
+          </a:fontRef>
+        </p:style>
+        <p:txBody>
+          <a:bodyPr wrap="square" rtlCol="0" anchor="ctr">
+            <a:noAutofit/>
+          </a:bodyPr>
+          <a:lstStyle/>
+          <a:p>
+            <a:pPr algn="ctr"/>
+            <a:endParaRPr lang="en-US" dirty="0"/>
+          </a:p>
+        </p:txBody>
+      </p:sp>
+      <p:sp>
+        <p:nvSpPr>
+          <p:cNvPr id="41" name="Rectangle 40">
+            <a:extLst>
+              <a:ext uri="{FF2B5EF4-FFF2-40B4-BE49-F238E27FC236}">
+                <a16:creationId xmlns:a16="http://schemas.microsoft.com/office/drawing/2014/main" id="{8D71EDA1-87BF-4D5D-AB79-F346FD19278A}"/>
+              </a:ext>
+              <a:ext uri="{C183D7F6-B498-43B3-948B-1728B52AA6E4}">
+                <adec:decorative xmlns:adec="http://schemas.microsoft.com/office/drawing/2017/decorative" val="1"/>
+              </a:ext>
+            </a:extLst>
+          </p:cNvPr>
+          <p:cNvSpPr>
+            <a:spLocks noGrp="1" noRot="1" noChangeAspect="1" noMove="1" noResize="1" noEditPoints="1" noAdjustHandles="1" noChangeArrowheads="1" noChangeShapeType="1" noTextEdit="1"/>
+          </p:cNvSpPr>
+          <p:nvPr>
+            <p:extLst>
+              <p:ext uri="{386F3935-93C4-4BCD-93E2-E3B085C9AB24}">
+                <p16:designElem xmlns:p16="http://schemas.microsoft.com/office/powerpoint/2015/main" val="1"/>
+              </p:ext>
+            </p:extLst>
+          </p:nvPr>
+        </p:nvSpPr>
+        <p:spPr>
+          <a:xfrm rot="5400000" flipH="1">
+            <a:off x="-1410093" y="1399943"/>
+            <a:ext cx="6858003" cy="4037835"/>
+          </a:xfrm>
+          <a:prstGeom prst="rect">
+            <a:avLst/>
+          </a:prstGeom>
+          <a:gradFill>
+            <a:gsLst>
+              <a:gs pos="0">
+                <a:srgbClr val="000000">
+                  <a:alpha val="0"/>
+                </a:srgbClr>
+              </a:gs>
+              <a:gs pos="99000">
+                <a:schemeClr val="accent1">
+                  <a:lumMod val="60000"/>
+                  <a:lumOff val="40000"/>
+                  <a:alpha val="11000"/>
+                </a:schemeClr>
+              </a:gs>
+            </a:gsLst>
+            <a:lin ang="7200000" scaled="0"/>
+          </a:gradFill>
+          <a:ln>
+            <a:noFill/>
+          </a:ln>
+        </p:spPr>
+        <p:style>
+          <a:lnRef idx="2">
+            <a:schemeClr val="accent1">
+              <a:shade val="50000"/>
+            </a:schemeClr>
+          </a:lnRef>
+          <a:fillRef idx="1">
+            <a:schemeClr val="accent1"/>
+          </a:fillRef>
+          <a:effectRef idx="0">
+            <a:schemeClr val="accent1"/>
+          </a:effectRef>
+          <a:fontRef idx="minor">
+            <a:schemeClr val="lt1"/>
+          </a:fontRef>
+        </p:style>
+        <p:txBody>
+          <a:bodyPr rtlCol="0" anchor="ctr"/>
+          <a:lstStyle/>
+          <a:p>
+            <a:pPr algn="ctr"/>
+            <a:endParaRPr lang="en-US"/>
+          </a:p>
+        </p:txBody>
+      </p:sp>
+      <p:sp>
+        <p:nvSpPr>
+          <p:cNvPr id="2" name="Titre 1">
+            <a:extLst>
+              <a:ext uri="{FF2B5EF4-FFF2-40B4-BE49-F238E27FC236}">
+                <a16:creationId xmlns:a16="http://schemas.microsoft.com/office/drawing/2014/main" id="{8458ADED-7A8C-0AB8-D05A-AE1BBC40928E}"/>
+              </a:ext>
+            </a:extLst>
+          </p:cNvPr>
+          <p:cNvSpPr>
+            <a:spLocks noGrp="1"/>
+          </p:cNvSpPr>
+          <p:nvPr>
+            <p:ph type="title"/>
+          </p:nvPr>
+        </p:nvSpPr>
+        <p:spPr>
+          <a:xfrm>
+            <a:off x="466722" y="586855"/>
+            <a:ext cx="3201366" cy="3387497"/>
+          </a:xfrm>
+        </p:spPr>
+        <p:txBody>
+          <a:bodyPr anchor="b">
+            <a:normAutofit/>
+          </a:bodyPr>
+          <a:lstStyle/>
+          <a:p>
+            <a:pPr algn="r"/>
+            <a:r>
+              <a:rPr lang="fr-FR" sz="4000">
+                <a:solidFill>
+                  <a:srgbClr val="FFFFFF"/>
+                </a:solidFill>
+              </a:rPr>
+              <a:t>Contexte: Origine et description des données</a:t>
+            </a:r>
+          </a:p>
+        </p:txBody>
+      </p:sp>
+      <p:sp>
+        <p:nvSpPr>
+          <p:cNvPr id="4" name="Espace réservé du contenu 3">
+            <a:extLst>
+              <a:ext uri="{FF2B5EF4-FFF2-40B4-BE49-F238E27FC236}">
+                <a16:creationId xmlns:a16="http://schemas.microsoft.com/office/drawing/2014/main" id="{009D99E0-E802-A6F5-D611-B7A352A4592A}"/>
+              </a:ext>
+            </a:extLst>
+          </p:cNvPr>
+          <p:cNvSpPr>
+            <a:spLocks noGrp="1"/>
+          </p:cNvSpPr>
+          <p:nvPr>
+            <p:ph idx="1"/>
+          </p:nvPr>
+        </p:nvSpPr>
+        <p:spPr>
+          <a:xfrm>
+            <a:off x="4810259" y="649480"/>
+            <a:ext cx="6555347" cy="5546047"/>
+          </a:xfrm>
+        </p:spPr>
+        <p:txBody>
+          <a:bodyPr anchor="ctr">
+            <a:normAutofit/>
+          </a:bodyPr>
+          <a:lstStyle/>
+          <a:p>
+            <a:r>
+              <a:rPr lang="fr-FR" sz="2000" dirty="0"/>
+              <a:t>Source : données transmises par l’éducation nationale sur </a:t>
+            </a:r>
+            <a:r>
+              <a:rPr lang="fr-FR" sz="2000" dirty="0" err="1"/>
+              <a:t>data.gouv</a:t>
+            </a:r>
+            <a:endParaRPr lang="fr-FR" sz="2000" dirty="0"/>
+          </a:p>
+          <a:p>
+            <a:endParaRPr lang="fr-FR" sz="2000" dirty="0"/>
+          </a:p>
+          <a:p>
+            <a:r>
+              <a:rPr lang="fr-FR" sz="2000" dirty="0"/>
+              <a:t>Données: informations sur tous les collèges de France entre 2006 et 2021</a:t>
+            </a:r>
+          </a:p>
+          <a:p>
+            <a:r>
+              <a:rPr lang="fr-FR" sz="2000" dirty="0"/>
+              <a:t>Description des donnés :</a:t>
+            </a:r>
+          </a:p>
+          <a:p>
+            <a:pPr marL="0" indent="0">
+              <a:buNone/>
+            </a:pPr>
+            <a:r>
+              <a:rPr lang="fr-FR" sz="1400" b="1" i="0" u="none" strike="noStrike" dirty="0">
+                <a:solidFill>
+                  <a:srgbClr val="000000"/>
+                </a:solidFill>
+                <a:effectLst/>
+              </a:rPr>
+              <a:t>Mention</a:t>
+            </a:r>
+            <a:r>
+              <a:rPr lang="fr-FR" sz="1400" b="0" i="0" u="none" strike="noStrike" dirty="0">
+                <a:solidFill>
+                  <a:srgbClr val="000000"/>
+                </a:solidFill>
+                <a:effectLst/>
+              </a:rPr>
+              <a:t> : Nombre d'élèves ayant obtenu mention Très Bien, Bien, ou Assez Bien</a:t>
+            </a:r>
+            <a:endParaRPr lang="fr-FR" sz="1400" dirty="0">
+              <a:solidFill>
+                <a:srgbClr val="000000"/>
+              </a:solidFill>
+            </a:endParaRPr>
+          </a:p>
+          <a:p>
+            <a:pPr marL="0" indent="0">
+              <a:buNone/>
+            </a:pPr>
+            <a:r>
+              <a:rPr lang="fr-FR" sz="1400" b="1" i="0" u="none" strike="noStrike" dirty="0">
+                <a:solidFill>
+                  <a:srgbClr val="000000"/>
+                </a:solidFill>
+                <a:effectLst/>
+              </a:rPr>
+              <a:t>Taux de réussite</a:t>
+            </a:r>
+            <a:r>
+              <a:rPr lang="fr-FR" sz="1400" b="0" i="0" u="none" strike="noStrike" dirty="0">
+                <a:solidFill>
+                  <a:srgbClr val="000000"/>
+                </a:solidFill>
+                <a:effectLst/>
+              </a:rPr>
+              <a:t> : Pourcentage d’élèves ayant réussi le brevet</a:t>
+            </a:r>
+          </a:p>
+          <a:p>
+            <a:pPr marL="0" indent="0">
+              <a:buNone/>
+            </a:pPr>
+            <a:r>
+              <a:rPr lang="fr-FR" sz="1400" b="1" i="0" u="none" strike="noStrike" dirty="0">
+                <a:solidFill>
+                  <a:srgbClr val="000000"/>
+                </a:solidFill>
+                <a:effectLst/>
+              </a:rPr>
+              <a:t>Pour 2021, Données démographiques</a:t>
+            </a:r>
+            <a:r>
+              <a:rPr lang="fr-FR" sz="1400" b="0" i="0" u="none" strike="noStrike" dirty="0">
+                <a:solidFill>
+                  <a:srgbClr val="000000"/>
+                </a:solidFill>
+                <a:effectLst/>
+              </a:rPr>
+              <a:t> : Nombre total d’élèves par établissement, indice de position sociale, </a:t>
+            </a:r>
+            <a:r>
+              <a:rPr lang="fr-FR" sz="1400" b="0" i="0" u="none" strike="noStrike" dirty="0" err="1">
+                <a:solidFill>
+                  <a:srgbClr val="000000"/>
+                </a:solidFill>
+                <a:effectLst/>
+              </a:rPr>
+              <a:t>etc</a:t>
+            </a:r>
+            <a:endParaRPr lang="fr-FR" sz="1400" b="0" i="0" u="none" strike="noStrike" dirty="0">
+              <a:solidFill>
+                <a:srgbClr val="000000"/>
+              </a:solidFill>
+              <a:effectLst/>
+            </a:endParaRPr>
+          </a:p>
+          <a:p>
+            <a:pPr marL="0" indent="0">
+              <a:buNone/>
+            </a:pPr>
+            <a:endParaRPr lang="fr-FR" sz="1400" b="0" i="0" u="none" strike="noStrike" dirty="0">
+              <a:solidFill>
+                <a:srgbClr val="000000"/>
+              </a:solidFill>
+              <a:effectLst/>
+            </a:endParaRPr>
+          </a:p>
+          <a:p>
+            <a:r>
+              <a:rPr lang="fr-FR" sz="2000" dirty="0"/>
+              <a:t>Certaines données manquantes: les collèges privés peuvent ne pas partager les informations, ou pour conserver le secret statistique </a:t>
+            </a:r>
+          </a:p>
+        </p:txBody>
+      </p:sp>
+    </p:spTree>
+    <p:extLst>
+      <p:ext uri="{BB962C8B-B14F-4D97-AF65-F5344CB8AC3E}">
+        <p14:creationId xmlns:p14="http://schemas.microsoft.com/office/powerpoint/2010/main" val="1951084846"/>
+      </p:ext>
+    </p:extLst>
+  </p:cSld>
+  <p:clrMapOvr>
+    <a:masterClrMapping/>
+  </p:clrMapOvr>
+</p:sld>
+</file>
+
+<file path=ppt/slides/slide4.xml><?xml version="1.0" encoding="utf-8"?>
+<p:sld xmlns:a="http://schemas.openxmlformats.org/drawingml/2006/main" xmlns:r="http://schemas.openxmlformats.org/officeDocument/2006/relationships" xmlns:p="http://schemas.openxmlformats.org/presentationml/2006/main">
+  <p:cSld>
+    <p:bg>
+      <p:bgPr>
+        <a:solidFill>
+          <a:schemeClr val="bg1"/>
+        </a:solidFill>
+        <a:effectLst/>
+      </p:bgPr>
+    </p:bg>
+    <p:spTree>
+      <p:nvGrpSpPr>
+        <p:cNvPr id="1" name="">
+          <a:extLst>
+            <a:ext uri="{FF2B5EF4-FFF2-40B4-BE49-F238E27FC236}">
+              <a16:creationId xmlns:a16="http://schemas.microsoft.com/office/drawing/2014/main" id="{5CE4DBCB-1EA5-F634-56BA-43F841AF32FF}"/>
+            </a:ext>
+          </a:extLst>
+        </p:cNvPr>
+        <p:cNvGrpSpPr/>
+        <p:nvPr/>
+      </p:nvGrpSpPr>
+      <p:grpSpPr>
+        <a:xfrm>
+          <a:off x="0" y="0"/>
+          <a:ext cx="0" cy="0"/>
+          <a:chOff x="0" y="0"/>
+          <a:chExt cx="0" cy="0"/>
+        </a:xfrm>
+      </p:grpSpPr>
+      <p:sp useBgFill="1">
+        <p:nvSpPr>
+          <p:cNvPr id="29" name="Rectangle 28">
+            <a:extLst>
+              <a:ext uri="{FF2B5EF4-FFF2-40B4-BE49-F238E27FC236}">
+                <a16:creationId xmlns:a16="http://schemas.microsoft.com/office/drawing/2014/main" id="{B5ABE43C-6F9A-DE97-2A3D-172F3C57E56C}"/>
+              </a:ext>
+              <a:ext uri="{C183D7F6-B498-43B3-948B-1728B52AA6E4}">
+                <adec:decorative xmlns:adec="http://schemas.microsoft.com/office/drawing/2017/decorative" val="1"/>
+              </a:ext>
+            </a:extLst>
+          </p:cNvPr>
+          <p:cNvSpPr>
+            <a:spLocks noGrp="1" noRot="1" noChangeAspect="1" noMove="1" noResize="1" noEditPoints="1" noAdjustHandles="1" noChangeArrowheads="1" noChangeShapeType="1" noTextEdit="1"/>
+          </p:cNvSpPr>
+          <p:nvPr>
+            <p:extLst>
+              <p:ext uri="{386F3935-93C4-4BCD-93E2-E3B085C9AB24}">
+                <p16:designElem xmlns:p16="http://schemas.microsoft.com/office/powerpoint/2015/main" val="1"/>
+              </p:ext>
+            </p:extLst>
+          </p:nvPr>
+        </p:nvSpPr>
+        <p:spPr>
+          <a:xfrm>
+            <a:off x="0" y="0"/>
+            <a:ext cx="12192000" cy="6858000"/>
+          </a:xfrm>
+          <a:prstGeom prst="rect">
+            <a:avLst/>
+          </a:prstGeom>
+          <a:ln w="12700" cap="flat" cmpd="sng" algn="ctr">
+            <a:noFill/>
+            <a:prstDash val="solid"/>
+            <a:miter lim="800000"/>
+          </a:ln>
+          <a:effectLst/>
+          <a:extLst>
+            <a:ext uri="{91240B29-F687-4F45-9708-019B960494DF}">
+              <a14:hiddenLine xmlns:a14="http://schemas.microsoft.com/office/drawing/2010/main" w="12700" cap="flat" cmpd="sng" algn="ctr">
+                <a:solidFill>
+                  <a:schemeClr val="accent1">
+                    <a:shade val="50000"/>
+                  </a:schemeClr>
+                </a:solidFill>
+                <a:prstDash val="solid"/>
+                <a:miter lim="800000"/>
+              </a14:hiddenLine>
+            </a:ext>
+          </a:extLst>
+        </p:spPr>
+        <p:style>
+          <a:lnRef idx="2">
+            <a:schemeClr val="accent1">
+              <a:shade val="50000"/>
+            </a:schemeClr>
+          </a:lnRef>
+          <a:fillRef idx="1">
+            <a:schemeClr val="accent1"/>
+          </a:fillRef>
+          <a:effectRef idx="0">
+            <a:schemeClr val="accent1"/>
+          </a:effectRef>
+          <a:fontRef idx="minor">
+            <a:schemeClr val="lt1"/>
+          </a:fontRef>
+        </p:style>
+        <p:txBody>
+          <a:bodyPr rtlCol="0" anchor="ctr"/>
+          <a:lstStyle/>
+          <a:p>
+            <a:pPr algn="ctr"/>
+            <a:endParaRPr lang="en-US"/>
+          </a:p>
+        </p:txBody>
+      </p:sp>
+      <p:sp useBgFill="1">
+        <p:nvSpPr>
+          <p:cNvPr id="31" name="Rectangle 30">
+            <a:extLst>
+              <a:ext uri="{FF2B5EF4-FFF2-40B4-BE49-F238E27FC236}">
+                <a16:creationId xmlns:a16="http://schemas.microsoft.com/office/drawing/2014/main" id="{6CA19338-93A0-D849-9560-CF876BF82C56}"/>
+              </a:ext>
+              <a:ext uri="{C183D7F6-B498-43B3-948B-1728B52AA6E4}">
+                <adec:decorative xmlns:adec="http://schemas.microsoft.com/office/drawing/2017/decorative" val="1"/>
+              </a:ext>
+            </a:extLst>
+          </p:cNvPr>
+          <p:cNvSpPr>
+            <a:spLocks noGrp="1" noRot="1" noChangeAspect="1" noMove="1" noResize="1" noEditPoints="1" noAdjustHandles="1" noChangeArrowheads="1" noChangeShapeType="1" noTextEdit="1"/>
+          </p:cNvSpPr>
+          <p:nvPr>
+            <p:extLst>
+              <p:ext uri="{386F3935-93C4-4BCD-93E2-E3B085C9AB24}">
+                <p16:designElem xmlns:p16="http://schemas.microsoft.com/office/powerpoint/2015/main" val="1"/>
+              </p:ext>
+            </p:extLst>
+          </p:nvPr>
+        </p:nvSpPr>
+        <p:spPr>
+          <a:xfrm>
+            <a:off x="0" y="0"/>
+            <a:ext cx="12188952" cy="6858000"/>
+          </a:xfrm>
+          <a:prstGeom prst="rect">
+            <a:avLst/>
+          </a:prstGeom>
+          <a:ln w="12700" cap="flat" cmpd="sng" algn="ctr">
+            <a:noFill/>
+            <a:prstDash val="solid"/>
+            <a:miter lim="800000"/>
+          </a:ln>
+          <a:effectLst/>
+          <a:extLst>
+            <a:ext uri="{91240B29-F687-4F45-9708-019B960494DF}">
+              <a14:hiddenLine xmlns:a14="http://schemas.microsoft.com/office/drawing/2010/main" w="12700" cap="flat" cmpd="sng" algn="ctr">
+                <a:solidFill>
+                  <a:schemeClr val="accent1">
+                    <a:shade val="50000"/>
+                  </a:schemeClr>
+                </a:solidFill>
+                <a:prstDash val="solid"/>
+                <a:miter lim="800000"/>
+              </a14:hiddenLine>
+            </a:ext>
+          </a:extLst>
+        </p:spPr>
+        <p:style>
+          <a:lnRef idx="2">
+            <a:schemeClr val="accent1">
+              <a:shade val="50000"/>
+            </a:schemeClr>
+          </a:lnRef>
+          <a:fillRef idx="1">
+            <a:schemeClr val="accent1"/>
+          </a:fillRef>
+          <a:effectRef idx="0">
+            <a:schemeClr val="accent1"/>
+          </a:effectRef>
+          <a:fontRef idx="minor">
+            <a:schemeClr val="lt1"/>
+          </a:fontRef>
+        </p:style>
+        <p:txBody>
+          <a:bodyPr rtlCol="0" anchor="ctr"/>
+          <a:lstStyle/>
+          <a:p>
+            <a:pPr algn="ctr"/>
+            <a:endParaRPr lang="en-US"/>
+          </a:p>
+        </p:txBody>
+      </p:sp>
+      <p:sp>
+        <p:nvSpPr>
+          <p:cNvPr id="33" name="Rectangle 32">
+            <a:extLst>
+              <a:ext uri="{FF2B5EF4-FFF2-40B4-BE49-F238E27FC236}">
+                <a16:creationId xmlns:a16="http://schemas.microsoft.com/office/drawing/2014/main" id="{DFF5A6E6-416C-FF08-BD25-FAB5B20495B5}"/>
+              </a:ext>
+              <a:ext uri="{C183D7F6-B498-43B3-948B-1728B52AA6E4}">
+                <adec:decorative xmlns:adec="http://schemas.microsoft.com/office/drawing/2017/decorative" val="1"/>
+              </a:ext>
+            </a:extLst>
+          </p:cNvPr>
+          <p:cNvSpPr>
+            <a:spLocks noGrp="1" noRot="1" noChangeAspect="1" noMove="1" noResize="1" noEditPoints="1" noAdjustHandles="1" noChangeArrowheads="1" noChangeShapeType="1" noTextEdit="1"/>
+          </p:cNvSpPr>
+          <p:nvPr>
+            <p:extLst>
+              <p:ext uri="{386F3935-93C4-4BCD-93E2-E3B085C9AB24}">
+                <p16:designElem xmlns:p16="http://schemas.microsoft.com/office/powerpoint/2015/main" val="1"/>
+              </p:ext>
+            </p:extLst>
+          </p:nvPr>
+        </p:nvSpPr>
+        <p:spPr>
+          <a:xfrm rot="5400000" flipH="1">
+            <a:off x="-1410084" y="1410082"/>
+            <a:ext cx="6858000" cy="4037836"/>
+          </a:xfrm>
+          <a:prstGeom prst="rect">
+            <a:avLst/>
+          </a:prstGeom>
+          <a:gradFill>
+            <a:gsLst>
+              <a:gs pos="8000">
+                <a:srgbClr val="000000"/>
+              </a:gs>
+              <a:gs pos="100000">
+                <a:schemeClr val="accent1">
+                  <a:lumMod val="75000"/>
+                </a:schemeClr>
+              </a:gs>
+            </a:gsLst>
+            <a:lin ang="3000000" scaled="0"/>
+          </a:gradFill>
+          <a:ln>
+            <a:noFill/>
+          </a:ln>
+        </p:spPr>
+        <p:style>
+          <a:lnRef idx="2">
+            <a:schemeClr val="accent1">
+              <a:shade val="50000"/>
+            </a:schemeClr>
+          </a:lnRef>
+          <a:fillRef idx="1">
+            <a:schemeClr val="accent1"/>
+          </a:fillRef>
+          <a:effectRef idx="0">
+            <a:schemeClr val="accent1"/>
+          </a:effectRef>
+          <a:fontRef idx="minor">
+            <a:schemeClr val="lt1"/>
+          </a:fontRef>
+        </p:style>
+        <p:txBody>
+          <a:bodyPr rtlCol="0" anchor="ctr"/>
+          <a:lstStyle/>
+          <a:p>
+            <a:pPr algn="ctr"/>
+            <a:endParaRPr lang="en-US"/>
+          </a:p>
+        </p:txBody>
+      </p:sp>
+      <p:sp>
+        <p:nvSpPr>
+          <p:cNvPr id="35" name="Rectangle 34">
+            <a:extLst>
+              <a:ext uri="{FF2B5EF4-FFF2-40B4-BE49-F238E27FC236}">
+                <a16:creationId xmlns:a16="http://schemas.microsoft.com/office/drawing/2014/main" id="{6A82DA00-84A6-F3CA-6056-EE383439340D}"/>
+              </a:ext>
+              <a:ext uri="{C183D7F6-B498-43B3-948B-1728B52AA6E4}">
+                <adec:decorative xmlns:adec="http://schemas.microsoft.com/office/drawing/2017/decorative" val="1"/>
+              </a:ext>
+            </a:extLst>
+          </p:cNvPr>
+          <p:cNvSpPr>
+            <a:spLocks noGrp="1" noRot="1" noChangeAspect="1" noMove="1" noResize="1" noEditPoints="1" noAdjustHandles="1" noChangeArrowheads="1" noChangeShapeType="1" noTextEdit="1"/>
+          </p:cNvSpPr>
+          <p:nvPr>
+            <p:extLst>
+              <p:ext uri="{386F3935-93C4-4BCD-93E2-E3B085C9AB24}">
+                <p16:designElem xmlns:p16="http://schemas.microsoft.com/office/powerpoint/2015/main" val="1"/>
+              </p:ext>
+            </p:extLst>
+          </p:nvPr>
+        </p:nvSpPr>
+        <p:spPr>
+          <a:xfrm rot="5400000" flipH="1">
+            <a:off x="-1410085" y="1420219"/>
+            <a:ext cx="6857999" cy="4037839"/>
+          </a:xfrm>
+          <a:prstGeom prst="rect">
+            <a:avLst/>
+          </a:prstGeom>
+          <a:gradFill>
+            <a:gsLst>
+              <a:gs pos="0">
+                <a:srgbClr val="000000">
+                  <a:alpha val="0"/>
+                </a:srgbClr>
+              </a:gs>
+              <a:gs pos="99000">
+                <a:schemeClr val="accent1">
+                  <a:alpha val="46000"/>
+                </a:schemeClr>
+              </a:gs>
+            </a:gsLst>
+            <a:lin ang="1800000" scaled="0"/>
+          </a:gradFill>
+          <a:ln>
+            <a:noFill/>
+          </a:ln>
+        </p:spPr>
+        <p:style>
+          <a:lnRef idx="2">
+            <a:schemeClr val="accent1">
+              <a:shade val="50000"/>
+            </a:schemeClr>
+          </a:lnRef>
+          <a:fillRef idx="1">
+            <a:schemeClr val="accent1"/>
+          </a:fillRef>
+          <a:effectRef idx="0">
+            <a:schemeClr val="accent1"/>
+          </a:effectRef>
+          <a:fontRef idx="minor">
+            <a:schemeClr val="lt1"/>
+          </a:fontRef>
+        </p:style>
+        <p:txBody>
+          <a:bodyPr rtlCol="0" anchor="ctr"/>
+          <a:lstStyle/>
+          <a:p>
+            <a:pPr algn="ctr"/>
+            <a:endParaRPr lang="en-US"/>
+          </a:p>
+        </p:txBody>
+      </p:sp>
+      <p:sp>
+        <p:nvSpPr>
+          <p:cNvPr id="37" name="Rectangle 36">
+            <a:extLst>
+              <a:ext uri="{FF2B5EF4-FFF2-40B4-BE49-F238E27FC236}">
+                <a16:creationId xmlns:a16="http://schemas.microsoft.com/office/drawing/2014/main" id="{4FF58DD9-777C-123D-84EC-1010AE307307}"/>
+              </a:ext>
+              <a:ext uri="{C183D7F6-B498-43B3-948B-1728B52AA6E4}">
+                <adec:decorative xmlns:adec="http://schemas.microsoft.com/office/drawing/2017/decorative" val="1"/>
+              </a:ext>
+            </a:extLst>
+          </p:cNvPr>
+          <p:cNvSpPr>
+            <a:spLocks noGrp="1" noRot="1" noChangeAspect="1" noMove="1" noResize="1" noEditPoints="1" noAdjustHandles="1" noChangeArrowheads="1" noChangeShapeType="1" noTextEdit="1"/>
+          </p:cNvSpPr>
+          <p:nvPr>
+            <p:extLst>
+              <p:ext uri="{386F3935-93C4-4BCD-93E2-E3B085C9AB24}">
+                <p16:designElem xmlns:p16="http://schemas.microsoft.com/office/powerpoint/2015/main" val="1"/>
+              </p:ext>
+            </p:extLst>
+          </p:nvPr>
+        </p:nvSpPr>
+        <p:spPr>
+          <a:xfrm rot="5400000" flipH="1">
+            <a:off x="767923" y="3588085"/>
+            <a:ext cx="2501979" cy="4037841"/>
+          </a:xfrm>
+          <a:prstGeom prst="rect">
+            <a:avLst/>
+          </a:prstGeom>
+          <a:gradFill>
+            <a:gsLst>
+              <a:gs pos="2000">
+                <a:schemeClr val="accent1">
+                  <a:alpha val="29000"/>
+                </a:schemeClr>
+              </a:gs>
+              <a:gs pos="100000">
+                <a:srgbClr val="000000">
+                  <a:alpha val="30000"/>
+                </a:srgbClr>
+              </a:gs>
+            </a:gsLst>
+            <a:lin ang="7800000" scaled="0"/>
+          </a:gradFill>
+          <a:ln>
+            <a:noFill/>
+          </a:ln>
+        </p:spPr>
+        <p:style>
+          <a:lnRef idx="2">
+            <a:schemeClr val="accent1">
+              <a:shade val="50000"/>
+            </a:schemeClr>
+          </a:lnRef>
+          <a:fillRef idx="1">
+            <a:schemeClr val="accent1"/>
+          </a:fillRef>
+          <a:effectRef idx="0">
+            <a:schemeClr val="accent1"/>
+          </a:effectRef>
+          <a:fontRef idx="minor">
+            <a:schemeClr val="lt1"/>
+          </a:fontRef>
+        </p:style>
+        <p:txBody>
+          <a:bodyPr rtlCol="0" anchor="ctr"/>
+          <a:lstStyle/>
+          <a:p>
+            <a:pPr algn="ctr"/>
+            <a:endParaRPr lang="en-US" dirty="0"/>
+          </a:p>
+        </p:txBody>
+      </p:sp>
+      <p:sp>
+        <p:nvSpPr>
+          <p:cNvPr id="39" name="Freeform: Shape 38">
+            <a:extLst>
+              <a:ext uri="{FF2B5EF4-FFF2-40B4-BE49-F238E27FC236}">
+                <a16:creationId xmlns:a16="http://schemas.microsoft.com/office/drawing/2014/main" id="{1A80B157-E09E-2A01-4766-547E34EA0480}"/>
+              </a:ext>
+              <a:ext uri="{C183D7F6-B498-43B3-948B-1728B52AA6E4}">
+                <adec:decorative xmlns:adec="http://schemas.microsoft.com/office/drawing/2017/decorative" val="1"/>
+              </a:ext>
+            </a:extLst>
+          </p:cNvPr>
+          <p:cNvSpPr>
+            <a:spLocks noGrp="1" noRot="1" noChangeAspect="1" noMove="1" noResize="1" noEditPoints="1" noAdjustHandles="1" noChangeArrowheads="1" noChangeShapeType="1" noTextEdit="1"/>
+          </p:cNvSpPr>
+          <p:nvPr>
+            <p:extLst>
+              <p:ext uri="{386F3935-93C4-4BCD-93E2-E3B085C9AB24}">
+                <p16:designElem xmlns:p16="http://schemas.microsoft.com/office/powerpoint/2015/main" val="1"/>
+              </p:ext>
+            </p:extLst>
+          </p:nvPr>
+        </p:nvSpPr>
+        <p:spPr>
+          <a:xfrm rot="20635413">
+            <a:off x="-501737" y="969718"/>
+            <a:ext cx="3900357" cy="4178958"/>
+          </a:xfrm>
+          <a:custGeom>
+            <a:avLst/>
+            <a:gdLst>
+              <a:gd name="connsiteX0" fmla="*/ 2432225 w 3900357"/>
+              <a:gd name="connsiteY0" fmla="*/ 93939 h 4178958"/>
+              <a:gd name="connsiteX1" fmla="*/ 3900357 w 3900357"/>
+              <a:gd name="connsiteY1" fmla="*/ 2089479 h 4178958"/>
+              <a:gd name="connsiteX2" fmla="*/ 1810878 w 3900357"/>
+              <a:gd name="connsiteY2" fmla="*/ 4178958 h 4178958"/>
+              <a:gd name="connsiteX3" fmla="*/ 78249 w 3900357"/>
+              <a:gd name="connsiteY3" fmla="*/ 3257727 h 4178958"/>
+              <a:gd name="connsiteX4" fmla="*/ 0 w 3900357"/>
+              <a:gd name="connsiteY4" fmla="*/ 3128923 h 4178958"/>
+              <a:gd name="connsiteX5" fmla="*/ 831324 w 3900357"/>
+              <a:gd name="connsiteY5" fmla="*/ 244281 h 4178958"/>
+              <a:gd name="connsiteX6" fmla="*/ 997559 w 3900357"/>
+              <a:gd name="connsiteY6" fmla="*/ 164202 h 4178958"/>
+              <a:gd name="connsiteX7" fmla="*/ 1810878 w 3900357"/>
+              <a:gd name="connsiteY7" fmla="*/ 0 h 4178958"/>
+              <a:gd name="connsiteX8" fmla="*/ 2432225 w 3900357"/>
+              <a:gd name="connsiteY8" fmla="*/ 93939 h 4178958"/>
+            </a:gdLst>
+            <a:ahLst/>
+            <a:cxnLst>
+              <a:cxn ang="0">
+                <a:pos x="connsiteX0" y="connsiteY0"/>
+              </a:cxn>
+              <a:cxn ang="0">
+                <a:pos x="connsiteX1" y="connsiteY1"/>
+              </a:cxn>
+              <a:cxn ang="0">
+                <a:pos x="connsiteX2" y="connsiteY2"/>
+              </a:cxn>
+              <a:cxn ang="0">
+                <a:pos x="connsiteX3" y="connsiteY3"/>
+              </a:cxn>
+              <a:cxn ang="0">
+                <a:pos x="connsiteX4" y="connsiteY4"/>
+              </a:cxn>
+              <a:cxn ang="0">
+                <a:pos x="connsiteX5" y="connsiteY5"/>
+              </a:cxn>
+              <a:cxn ang="0">
+                <a:pos x="connsiteX6" y="connsiteY6"/>
+              </a:cxn>
+              <a:cxn ang="0">
+                <a:pos x="connsiteX7" y="connsiteY7"/>
+              </a:cxn>
+              <a:cxn ang="0">
+                <a:pos x="connsiteX8" y="connsiteY8"/>
+              </a:cxn>
+            </a:cxnLst>
+            <a:rect l="l" t="t" r="r" b="b"/>
+            <a:pathLst>
+              <a:path w="3900357" h="4178958">
+                <a:moveTo>
+                  <a:pt x="2432225" y="93939"/>
+                </a:moveTo>
+                <a:cubicBezTo>
+                  <a:pt x="3282786" y="358491"/>
+                  <a:pt x="3900357" y="1151865"/>
+                  <a:pt x="3900357" y="2089479"/>
+                </a:cubicBezTo>
+                <a:cubicBezTo>
+                  <a:pt x="3900357" y="3243466"/>
+                  <a:pt x="2964865" y="4178958"/>
+                  <a:pt x="1810878" y="4178958"/>
+                </a:cubicBezTo>
+                <a:cubicBezTo>
+                  <a:pt x="1089636" y="4178958"/>
+                  <a:pt x="453744" y="3813531"/>
+                  <a:pt x="78249" y="3257727"/>
+                </a:cubicBezTo>
+                <a:lnTo>
+                  <a:pt x="0" y="3128923"/>
+                </a:lnTo>
+                <a:lnTo>
+                  <a:pt x="831324" y="244281"/>
+                </a:lnTo>
+                <a:lnTo>
+                  <a:pt x="997559" y="164202"/>
+                </a:lnTo>
+                <a:cubicBezTo>
+                  <a:pt x="1247540" y="58468"/>
+                  <a:pt x="1522381" y="0"/>
+                  <a:pt x="1810878" y="0"/>
+                </a:cubicBezTo>
+                <a:cubicBezTo>
+                  <a:pt x="2027251" y="0"/>
+                  <a:pt x="2235942" y="32888"/>
+                  <a:pt x="2432225" y="93939"/>
+                </a:cubicBezTo>
+                <a:close/>
+              </a:path>
+            </a:pathLst>
+          </a:custGeom>
+          <a:gradFill>
+            <a:gsLst>
+              <a:gs pos="29000">
+                <a:srgbClr val="000000">
+                  <a:alpha val="0"/>
+                </a:srgbClr>
+              </a:gs>
+              <a:gs pos="100000">
+                <a:schemeClr val="accent1">
+                  <a:alpha val="43000"/>
+                </a:schemeClr>
+              </a:gs>
+            </a:gsLst>
+            <a:lin ang="1800000" scaled="0"/>
+          </a:gradFill>
+          <a:ln>
+            <a:noFill/>
+          </a:ln>
+        </p:spPr>
+        <p:style>
+          <a:lnRef idx="2">
+            <a:schemeClr val="accent1">
+              <a:shade val="50000"/>
+            </a:schemeClr>
+          </a:lnRef>
+          <a:fillRef idx="1">
+            <a:schemeClr val="accent1"/>
+          </a:fillRef>
+          <a:effectRef idx="0">
+            <a:schemeClr val="accent1"/>
+          </a:effectRef>
+          <a:fontRef idx="minor">
+            <a:schemeClr val="lt1"/>
+          </a:fontRef>
+        </p:style>
+        <p:txBody>
+          <a:bodyPr wrap="square" rtlCol="0" anchor="ctr">
+            <a:noAutofit/>
+          </a:bodyPr>
+          <a:lstStyle/>
+          <a:p>
+            <a:pPr algn="ctr"/>
+            <a:endParaRPr lang="en-US" dirty="0"/>
+          </a:p>
+        </p:txBody>
+      </p:sp>
+      <p:sp>
+        <p:nvSpPr>
+          <p:cNvPr id="41" name="Rectangle 40">
+            <a:extLst>
+              <a:ext uri="{FF2B5EF4-FFF2-40B4-BE49-F238E27FC236}">
+                <a16:creationId xmlns:a16="http://schemas.microsoft.com/office/drawing/2014/main" id="{C8A9F3C2-8FA0-3C43-D13A-52ED0F5560CE}"/>
+              </a:ext>
+              <a:ext uri="{C183D7F6-B498-43B3-948B-1728B52AA6E4}">
+                <adec:decorative xmlns:adec="http://schemas.microsoft.com/office/drawing/2017/decorative" val="1"/>
+              </a:ext>
+            </a:extLst>
+          </p:cNvPr>
+          <p:cNvSpPr>
+            <a:spLocks noGrp="1" noRot="1" noChangeAspect="1" noMove="1" noResize="1" noEditPoints="1" noAdjustHandles="1" noChangeArrowheads="1" noChangeShapeType="1" noTextEdit="1"/>
+          </p:cNvSpPr>
+          <p:nvPr>
+            <p:extLst>
+              <p:ext uri="{386F3935-93C4-4BCD-93E2-E3B085C9AB24}">
+                <p16:designElem xmlns:p16="http://schemas.microsoft.com/office/powerpoint/2015/main" val="1"/>
+              </p:ext>
+            </p:extLst>
+          </p:nvPr>
+        </p:nvSpPr>
+        <p:spPr>
+          <a:xfrm rot="5400000" flipH="1">
+            <a:off x="-1410093" y="1399943"/>
+            <a:ext cx="6858003" cy="4037835"/>
+          </a:xfrm>
+          <a:prstGeom prst="rect">
+            <a:avLst/>
+          </a:prstGeom>
+          <a:gradFill>
+            <a:gsLst>
+              <a:gs pos="0">
+                <a:srgbClr val="000000">
+                  <a:alpha val="0"/>
+                </a:srgbClr>
+              </a:gs>
+              <a:gs pos="99000">
+                <a:schemeClr val="accent1">
+                  <a:lumMod val="60000"/>
+                  <a:lumOff val="40000"/>
+                  <a:alpha val="11000"/>
+                </a:schemeClr>
+              </a:gs>
+            </a:gsLst>
+            <a:lin ang="7200000" scaled="0"/>
+          </a:gradFill>
+          <a:ln>
+            <a:noFill/>
+          </a:ln>
+        </p:spPr>
+        <p:style>
+          <a:lnRef idx="2">
+            <a:schemeClr val="accent1">
+              <a:shade val="50000"/>
+            </a:schemeClr>
+          </a:lnRef>
+          <a:fillRef idx="1">
+            <a:schemeClr val="accent1"/>
+          </a:fillRef>
+          <a:effectRef idx="0">
+            <a:schemeClr val="accent1"/>
+          </a:effectRef>
+          <a:fontRef idx="minor">
+            <a:schemeClr val="lt1"/>
+          </a:fontRef>
+        </p:style>
+        <p:txBody>
+          <a:bodyPr rtlCol="0" anchor="ctr"/>
+          <a:lstStyle/>
+          <a:p>
+            <a:pPr algn="ctr"/>
+            <a:endParaRPr lang="en-US"/>
+          </a:p>
+        </p:txBody>
+      </p:sp>
+      <p:sp>
+        <p:nvSpPr>
+          <p:cNvPr id="2" name="Titre 1">
+            <a:extLst>
+              <a:ext uri="{FF2B5EF4-FFF2-40B4-BE49-F238E27FC236}">
+                <a16:creationId xmlns:a16="http://schemas.microsoft.com/office/drawing/2014/main" id="{BC9E63C9-E835-D681-90FC-18110C548E86}"/>
+              </a:ext>
+            </a:extLst>
+          </p:cNvPr>
+          <p:cNvSpPr>
+            <a:spLocks noGrp="1"/>
+          </p:cNvSpPr>
+          <p:nvPr>
+            <p:ph type="title"/>
+          </p:nvPr>
+        </p:nvSpPr>
+        <p:spPr>
+          <a:xfrm>
+            <a:off x="466722" y="586855"/>
+            <a:ext cx="3201366" cy="3387497"/>
+          </a:xfrm>
+        </p:spPr>
+        <p:txBody>
+          <a:bodyPr anchor="b">
+            <a:normAutofit/>
+          </a:bodyPr>
+          <a:lstStyle/>
+          <a:p>
+            <a:pPr algn="r"/>
+            <a:r>
+              <a:rPr lang="fr-FR" sz="4000" dirty="0">
+                <a:solidFill>
+                  <a:srgbClr val="FFFFFF"/>
+                </a:solidFill>
+              </a:rPr>
+              <a:t>Contexte: utilité des données</a:t>
+            </a:r>
+          </a:p>
+        </p:txBody>
+      </p:sp>
+      <p:sp>
+        <p:nvSpPr>
+          <p:cNvPr id="4" name="Espace réservé du contenu 3">
+            <a:extLst>
+              <a:ext uri="{FF2B5EF4-FFF2-40B4-BE49-F238E27FC236}">
+                <a16:creationId xmlns:a16="http://schemas.microsoft.com/office/drawing/2014/main" id="{FEBE4C4A-BC80-FCB6-0F16-A0D1DB57BC14}"/>
+              </a:ext>
+            </a:extLst>
+          </p:cNvPr>
+          <p:cNvSpPr>
+            <a:spLocks noGrp="1"/>
+          </p:cNvSpPr>
+          <p:nvPr>
+            <p:ph idx="1"/>
+          </p:nvPr>
+        </p:nvSpPr>
+        <p:spPr>
+          <a:xfrm>
+            <a:off x="4810259" y="649480"/>
+            <a:ext cx="6555347" cy="5546047"/>
+          </a:xfrm>
+        </p:spPr>
+        <p:txBody>
+          <a:bodyPr anchor="ctr">
+            <a:normAutofit/>
+          </a:bodyPr>
+          <a:lstStyle/>
+          <a:p>
+            <a:r>
+              <a:rPr lang="fr-FR" sz="2000" dirty="0"/>
+              <a:t>Permet un suivi des élèves en France, au fil du temps et des réformes </a:t>
+            </a:r>
+          </a:p>
+          <a:p>
+            <a:endParaRPr lang="fr-FR" sz="2000" dirty="0"/>
+          </a:p>
+          <a:p>
+            <a:r>
+              <a:rPr lang="fr-FR" sz="2000" dirty="0"/>
+              <a:t>Une comparaison entre les établissements à plusieurs échelles (communes, académies…)</a:t>
+            </a:r>
+          </a:p>
+          <a:p>
+            <a:endParaRPr lang="fr-FR" sz="2000" dirty="0"/>
+          </a:p>
+          <a:p>
+            <a:r>
+              <a:rPr lang="fr-FR" sz="2000" dirty="0"/>
+              <a:t>Peut permettre un choix des établissements pour </a:t>
+            </a:r>
+            <a:r>
+              <a:rPr lang="fr-FR" sz="2000"/>
+              <a:t>les familles</a:t>
+            </a:r>
+            <a:endParaRPr lang="fr-FR" sz="2000" dirty="0"/>
+          </a:p>
+        </p:txBody>
+      </p:sp>
+    </p:spTree>
+    <p:extLst>
+      <p:ext uri="{BB962C8B-B14F-4D97-AF65-F5344CB8AC3E}">
+        <p14:creationId xmlns:p14="http://schemas.microsoft.com/office/powerpoint/2010/main" val="3385080435"/>
+      </p:ext>
+    </p:extLst>
+  </p:cSld>
+  <p:clrMapOvr>
+    <a:masterClrMapping/>
+  </p:clrMapOvr>
+</p:sld>
+</file>
+
+<file path=ppt/slides/slide5.xml><?xml version="1.0" encoding="utf-8"?>
+<p:sld xmlns:a="http://schemas.openxmlformats.org/drawingml/2006/main" xmlns:r="http://schemas.openxmlformats.org/officeDocument/2006/relationships" xmlns:p="http://schemas.openxmlformats.org/presentationml/2006/main">
+  <p:cSld>
+    <p:bg>
+      <p:bgPr>
+        <a:solidFill>
+          <a:schemeClr val="bg1"/>
+        </a:solidFill>
+        <a:effectLst/>
+      </p:bgPr>
+    </p:bg>
+    <p:spTree>
+      <p:nvGrpSpPr>
+        <p:cNvPr id="1" name=""/>
+        <p:cNvGrpSpPr/>
+        <p:nvPr/>
+      </p:nvGrpSpPr>
+      <p:grpSpPr>
+        <a:xfrm>
+          <a:off x="0" y="0"/>
+          <a:ext cx="0" cy="0"/>
+          <a:chOff x="0" y="0"/>
+          <a:chExt cx="0" cy="0"/>
+        </a:xfrm>
+      </p:grpSpPr>
+      <p:sp>
+        <p:nvSpPr>
+          <p:cNvPr id="10" name="Espace réservé du contenu 9">
+            <a:extLst>
+              <a:ext uri="{FF2B5EF4-FFF2-40B4-BE49-F238E27FC236}">
+                <a16:creationId xmlns:a16="http://schemas.microsoft.com/office/drawing/2014/main" id="{94F95A54-1484-79E0-68D7-74BA4AFD8FFF}"/>
+              </a:ext>
+            </a:extLst>
+          </p:cNvPr>
+          <p:cNvSpPr>
+            <a:spLocks noGrp="1"/>
+          </p:cNvSpPr>
+          <p:nvPr>
+            <p:ph idx="1"/>
+          </p:nvPr>
+        </p:nvSpPr>
+        <p:spPr/>
+        <p:txBody>
+          <a:bodyPr/>
+          <a:lstStyle/>
+          <a:p>
+            <a:endParaRPr lang="fr-FR"/>
+          </a:p>
+        </p:txBody>
+      </p:sp>
+      <p:pic>
+        <p:nvPicPr>
+          <p:cNvPr id="11" name="Image 10">
+            <a:extLst>
+              <a:ext uri="{FF2B5EF4-FFF2-40B4-BE49-F238E27FC236}">
+                <a16:creationId xmlns:a16="http://schemas.microsoft.com/office/drawing/2014/main" id="{E95ABC50-B16D-B5E5-6F2A-46EB67772727}"/>
+              </a:ext>
+            </a:extLst>
+          </p:cNvPr>
+          <p:cNvPicPr>
+            <a:picLocks noChangeAspect="1"/>
+          </p:cNvPicPr>
+          <p:nvPr/>
+        </p:nvPicPr>
+        <p:blipFill>
+          <a:blip r:embed="rId3"/>
+          <a:stretch>
+            <a:fillRect/>
+          </a:stretch>
+        </p:blipFill>
+        <p:spPr>
+          <a:xfrm>
+            <a:off x="170687" y="116931"/>
+            <a:ext cx="12151331" cy="6624137"/>
+          </a:xfrm>
+          <a:prstGeom prst="rect">
+            <a:avLst/>
+          </a:prstGeom>
+        </p:spPr>
+      </p:pic>
+    </p:spTree>
+    <p:extLst>
+      <p:ext uri="{BB962C8B-B14F-4D97-AF65-F5344CB8AC3E}">
+        <p14:creationId xmlns:p14="http://schemas.microsoft.com/office/powerpoint/2010/main" val="3594185064"/>
+      </p:ext>
+    </p:extLst>
+  </p:cSld>
+  <p:clrMapOvr>
+    <a:masterClrMapping/>
+  </p:clrMapOvr>
+</p:sld>
+</file>
+
+<file path=ppt/slides/slide6.xml><?xml version="1.0" encoding="utf-8"?>
 <p:sld xmlns:a="http://schemas.openxmlformats.org/drawingml/2006/main" xmlns:r="http://schemas.openxmlformats.org/officeDocument/2006/relationships" xmlns:p="http://schemas.openxmlformats.org/presentationml/2006/main">
   <p:cSld>
     <p:spTree>
@@ -3390,7 +8920,7 @@
           <p:cNvPr id="2" name="Titre 1">
             <a:extLst>
               <a:ext uri="{FF2B5EF4-FFF2-40B4-BE49-F238E27FC236}">
-                <a16:creationId xmlns:a16="http://schemas.microsoft.com/office/drawing/2014/main" id="{4DE1AE60-DA16-6181-ACD4-631C5FEBD9DC}"/>
+                <a16:creationId xmlns:a16="http://schemas.microsoft.com/office/drawing/2014/main" id="{DCFFB17A-AFCF-F5FA-E5CA-F6312A62D188}"/>
               </a:ext>
             </a:extLst>
           </p:cNvPr>
@@ -3406,10 +8936,7 @@
           <a:bodyPr/>
           <a:lstStyle/>
           <a:p>
-            <a:r>
-              <a:rPr lang="fr-FR" dirty="0"/>
-              <a:t>Contexte</a:t>
-            </a:r>
+            <a:endParaRPr lang="fr-FR"/>
           </a:p>
         </p:txBody>
       </p:sp>
@@ -3418,7 +8945,7 @@
           <p:cNvPr id="3" name="Espace réservé du contenu 2">
             <a:extLst>
               <a:ext uri="{FF2B5EF4-FFF2-40B4-BE49-F238E27FC236}">
-                <a16:creationId xmlns:a16="http://schemas.microsoft.com/office/drawing/2014/main" id="{40F9282D-32B5-EF98-8D94-B2184C63829C}"/>
+                <a16:creationId xmlns:a16="http://schemas.microsoft.com/office/drawing/2014/main" id="{45A43919-B10E-3C8C-00F9-8AE8E5CC8C7C}"/>
               </a:ext>
             </a:extLst>
           </p:cNvPr>
@@ -3438,10 +8965,40 @@
           </a:p>
         </p:txBody>
       </p:sp>
+      <p:pic>
+        <p:nvPicPr>
+          <p:cNvPr id="9" name="Image 8">
+            <a:extLst>
+              <a:ext uri="{FF2B5EF4-FFF2-40B4-BE49-F238E27FC236}">
+                <a16:creationId xmlns:a16="http://schemas.microsoft.com/office/drawing/2014/main" id="{8A4CD8BC-06BC-899B-9A70-EF00B2CF11F9}"/>
+              </a:ext>
+            </a:extLst>
+          </p:cNvPr>
+          <p:cNvPicPr>
+            <a:picLocks noChangeAspect="1"/>
+          </p:cNvPicPr>
+          <p:nvPr/>
+        </p:nvPicPr>
+        <p:blipFill>
+          <a:blip r:embed="rId2"/>
+          <a:stretch>
+            <a:fillRect/>
+          </a:stretch>
+        </p:blipFill>
+        <p:spPr>
+          <a:xfrm>
+            <a:off x="0" y="307206"/>
+            <a:ext cx="12192000" cy="6243587"/>
+          </a:xfrm>
+          <a:prstGeom prst="rect">
+            <a:avLst/>
+          </a:prstGeom>
+        </p:spPr>
+      </p:pic>
     </p:spTree>
     <p:extLst>
       <p:ext uri="{BB962C8B-B14F-4D97-AF65-F5344CB8AC3E}">
-        <p14:creationId xmlns:p14="http://schemas.microsoft.com/office/powerpoint/2010/main" val="1015899272"/>
+        <p14:creationId xmlns:p14="http://schemas.microsoft.com/office/powerpoint/2010/main" val="3677155598"/>
       </p:ext>
     </p:extLst>
   </p:cSld>
@@ -3451,37 +9008,7 @@
 </p:sld>
 </file>
 
-<file path=ppt/slides/slide3.xml><?xml version="1.0" encoding="utf-8"?>
-<p:sld xmlns:a="http://schemas.openxmlformats.org/drawingml/2006/main" xmlns:r="http://schemas.openxmlformats.org/officeDocument/2006/relationships" xmlns:p="http://schemas.openxmlformats.org/presentationml/2006/main">
-  <p:cSld>
-    <p:spTree>
-      <p:nvGrpSpPr>
-        <p:cNvPr id="1" name=""/>
-        <p:cNvGrpSpPr/>
-        <p:nvPr/>
-      </p:nvGrpSpPr>
-      <p:grpSpPr>
-        <a:xfrm>
-          <a:off x="0" y="0"/>
-          <a:ext cx="0" cy="0"/>
-          <a:chOff x="0" y="0"/>
-          <a:chExt cx="0" cy="0"/>
-        </a:xfrm>
-      </p:grpSpPr>
-    </p:spTree>
-    <p:extLst>
-      <p:ext uri="{BB962C8B-B14F-4D97-AF65-F5344CB8AC3E}">
-        <p14:creationId xmlns:p14="http://schemas.microsoft.com/office/powerpoint/2010/main" val="2598328447"/>
-      </p:ext>
-    </p:extLst>
-  </p:cSld>
-  <p:clrMapOvr>
-    <a:masterClrMapping/>
-  </p:clrMapOvr>
-</p:sld>
-</file>
-
-<file path=ppt/slides/slide4.xml><?xml version="1.0" encoding="utf-8"?>
+<file path=ppt/slides/slide7.xml><?xml version="1.0" encoding="utf-8"?>
 <p:sld xmlns:a="http://schemas.openxmlformats.org/drawingml/2006/main" xmlns:r="http://schemas.openxmlformats.org/officeDocument/2006/relationships" xmlns:p="http://schemas.openxmlformats.org/presentationml/2006/main">
   <p:cSld>
     <p:spTree>
@@ -3503,116 +9030,6 @@
           <p:cNvPr id="2" name="Titre 1">
             <a:extLst>
               <a:ext uri="{FF2B5EF4-FFF2-40B4-BE49-F238E27FC236}">
-                <a16:creationId xmlns:a16="http://schemas.microsoft.com/office/drawing/2014/main" id="{DCFFB17A-AFCF-F5FA-E5CA-F6312A62D188}"/>
-              </a:ext>
-            </a:extLst>
-          </p:cNvPr>
-          <p:cNvSpPr>
-            <a:spLocks noGrp="1"/>
-          </p:cNvSpPr>
-          <p:nvPr>
-            <p:ph type="title"/>
-          </p:nvPr>
-        </p:nvSpPr>
-        <p:spPr/>
-        <p:txBody>
-          <a:bodyPr/>
-          <a:lstStyle/>
-          <a:p>
-            <a:endParaRPr lang="fr-FR"/>
-          </a:p>
-        </p:txBody>
-      </p:sp>
-      <p:sp>
-        <p:nvSpPr>
-          <p:cNvPr id="3" name="Espace réservé du contenu 2">
-            <a:extLst>
-              <a:ext uri="{FF2B5EF4-FFF2-40B4-BE49-F238E27FC236}">
-                <a16:creationId xmlns:a16="http://schemas.microsoft.com/office/drawing/2014/main" id="{45A43919-B10E-3C8C-00F9-8AE8E5CC8C7C}"/>
-              </a:ext>
-            </a:extLst>
-          </p:cNvPr>
-          <p:cNvSpPr>
-            <a:spLocks noGrp="1"/>
-          </p:cNvSpPr>
-          <p:nvPr>
-            <p:ph idx="1"/>
-          </p:nvPr>
-        </p:nvSpPr>
-        <p:spPr/>
-        <p:txBody>
-          <a:bodyPr/>
-          <a:lstStyle/>
-          <a:p>
-            <a:endParaRPr lang="fr-FR"/>
-          </a:p>
-        </p:txBody>
-      </p:sp>
-      <p:pic>
-        <p:nvPicPr>
-          <p:cNvPr id="5" name="Image 4">
-            <a:extLst>
-              <a:ext uri="{FF2B5EF4-FFF2-40B4-BE49-F238E27FC236}">
-                <a16:creationId xmlns:a16="http://schemas.microsoft.com/office/drawing/2014/main" id="{531F8625-CF90-4B1D-511A-7AF7FB2A19F8}"/>
-              </a:ext>
-            </a:extLst>
-          </p:cNvPr>
-          <p:cNvPicPr>
-            <a:picLocks noChangeAspect="1"/>
-          </p:cNvPicPr>
-          <p:nvPr/>
-        </p:nvPicPr>
-        <p:blipFill>
-          <a:blip r:embed="rId2"/>
-          <a:stretch>
-            <a:fillRect/>
-          </a:stretch>
-        </p:blipFill>
-        <p:spPr>
-          <a:xfrm>
-            <a:off x="0" y="318665"/>
-            <a:ext cx="12192000" cy="6220669"/>
-          </a:xfrm>
-          <a:prstGeom prst="rect">
-            <a:avLst/>
-          </a:prstGeom>
-        </p:spPr>
-      </p:pic>
-    </p:spTree>
-    <p:extLst>
-      <p:ext uri="{BB962C8B-B14F-4D97-AF65-F5344CB8AC3E}">
-        <p14:creationId xmlns:p14="http://schemas.microsoft.com/office/powerpoint/2010/main" val="1657818096"/>
-      </p:ext>
-    </p:extLst>
-  </p:cSld>
-  <p:clrMapOvr>
-    <a:masterClrMapping/>
-  </p:clrMapOvr>
-</p:sld>
-</file>
-
-<file path=ppt/slides/slide5.xml><?xml version="1.0" encoding="utf-8"?>
-<p:sld xmlns:a="http://schemas.openxmlformats.org/drawingml/2006/main" xmlns:r="http://schemas.openxmlformats.org/officeDocument/2006/relationships" xmlns:p="http://schemas.openxmlformats.org/presentationml/2006/main">
-  <p:cSld>
-    <p:spTree>
-      <p:nvGrpSpPr>
-        <p:cNvPr id="1" name=""/>
-        <p:cNvGrpSpPr/>
-        <p:nvPr/>
-      </p:nvGrpSpPr>
-      <p:grpSpPr>
-        <a:xfrm>
-          <a:off x="0" y="0"/>
-          <a:ext cx="0" cy="0"/>
-          <a:chOff x="0" y="0"/>
-          <a:chExt cx="0" cy="0"/>
-        </a:xfrm>
-      </p:grpSpPr>
-      <p:sp>
-        <p:nvSpPr>
-          <p:cNvPr id="2" name="Titre 1">
-            <a:extLst>
-              <a:ext uri="{FF2B5EF4-FFF2-40B4-BE49-F238E27FC236}">
                 <a16:creationId xmlns:a16="http://schemas.microsoft.com/office/drawing/2014/main" id="{9CD3FF48-329A-BCE0-AA71-4C150C5B16A7}"/>
               </a:ext>
             </a:extLst>
@@ -3661,7 +9078,7 @@
     </p:spTree>
     <p:extLst>
       <p:ext uri="{BB962C8B-B14F-4D97-AF65-F5344CB8AC3E}">
-        <p14:creationId xmlns:p14="http://schemas.microsoft.com/office/powerpoint/2010/main" val="2031193738"/>
+        <p14:creationId xmlns:p14="http://schemas.microsoft.com/office/powerpoint/2010/main" val="68339267"/>
       </p:ext>
     </p:extLst>
   </p:cSld>
@@ -3984,4 +9401,319 @@
     </a:ext>
   </a:extLst>
 </a:theme>
+</file>
+
+<file path=ppt/theme/theme2.xml><?xml version="1.0" encoding="utf-8"?>
+<a:theme xmlns:a="http://schemas.openxmlformats.org/drawingml/2006/main" name="Thème Office">
+  <a:themeElements>
+    <a:clrScheme name="Office">
+      <a:dk1>
+        <a:sysClr val="windowText" lastClr="000000"/>
+      </a:dk1>
+      <a:lt1>
+        <a:sysClr val="window" lastClr="FFFFFF"/>
+      </a:lt1>
+      <a:dk2>
+        <a:srgbClr val="0E2841"/>
+      </a:dk2>
+      <a:lt2>
+        <a:srgbClr val="E8E8E8"/>
+      </a:lt2>
+      <a:accent1>
+        <a:srgbClr val="156082"/>
+      </a:accent1>
+      <a:accent2>
+        <a:srgbClr val="E97132"/>
+      </a:accent2>
+      <a:accent3>
+        <a:srgbClr val="196B24"/>
+      </a:accent3>
+      <a:accent4>
+        <a:srgbClr val="0F9ED5"/>
+      </a:accent4>
+      <a:accent5>
+        <a:srgbClr val="A02B93"/>
+      </a:accent5>
+      <a:accent6>
+        <a:srgbClr val="4EA72E"/>
+      </a:accent6>
+      <a:hlink>
+        <a:srgbClr val="467886"/>
+      </a:hlink>
+      <a:folHlink>
+        <a:srgbClr val="96607D"/>
+      </a:folHlink>
+    </a:clrScheme>
+    <a:fontScheme name="Office">
+      <a:majorFont>
+        <a:latin typeface="Aptos Display" panose="02110004020202020204"/>
+        <a:ea typeface=""/>
+        <a:cs typeface=""/>
+        <a:font script="Jpan" typeface="游ゴシック Light"/>
+        <a:font script="Hang" typeface="맑은 고딕"/>
+        <a:font script="Hans" typeface="等线 Light"/>
+        <a:font script="Hant" typeface="新細明體"/>
+        <a:font script="Arab" typeface="Times New Roman"/>
+        <a:font script="Hebr" typeface="Times New Roman"/>
+        <a:font script="Thai" typeface="Angsana New"/>
+        <a:font script="Ethi" typeface="Nyala"/>
+        <a:font script="Beng" typeface="Vrinda"/>
+        <a:font script="Gujr" typeface="Shruti"/>
+        <a:font script="Khmr" typeface="MoolBoran"/>
+        <a:font script="Knda" typeface="Tunga"/>
+        <a:font script="Guru" typeface="Raavi"/>
+        <a:font script="Cans" typeface="Euphemia"/>
+        <a:font script="Cher" typeface="Plantagenet Cherokee"/>
+        <a:font script="Yiii" typeface="Microsoft Yi Baiti"/>
+        <a:font script="Tibt" typeface="Microsoft Himalaya"/>
+        <a:font script="Thaa" typeface="MV Boli"/>
+        <a:font script="Deva" typeface="Mangal"/>
+        <a:font script="Telu" typeface="Gautami"/>
+        <a:font script="Taml" typeface="Latha"/>
+        <a:font script="Syrc" typeface="Estrangelo Edessa"/>
+        <a:font script="Orya" typeface="Kalinga"/>
+        <a:font script="Mlym" typeface="Kartika"/>
+        <a:font script="Laoo" typeface="DokChampa"/>
+        <a:font script="Sinh" typeface="Iskoola Pota"/>
+        <a:font script="Mong" typeface="Mongolian Baiti"/>
+        <a:font script="Viet" typeface="Times New Roman"/>
+        <a:font script="Uigh" typeface="Microsoft Uighur"/>
+        <a:font script="Geor" typeface="Sylfaen"/>
+        <a:font script="Armn" typeface="Arial"/>
+        <a:font script="Bugi" typeface="Leelawadee UI"/>
+        <a:font script="Bopo" typeface="Microsoft JhengHei"/>
+        <a:font script="Java" typeface="Javanese Text"/>
+        <a:font script="Lisu" typeface="Segoe UI"/>
+        <a:font script="Mymr" typeface="Myanmar Text"/>
+        <a:font script="Nkoo" typeface="Ebrima"/>
+        <a:font script="Olck" typeface="Nirmala UI"/>
+        <a:font script="Osma" typeface="Ebrima"/>
+        <a:font script="Phag" typeface="Phagspa"/>
+        <a:font script="Syrn" typeface="Estrangelo Edessa"/>
+        <a:font script="Syrj" typeface="Estrangelo Edessa"/>
+        <a:font script="Syre" typeface="Estrangelo Edessa"/>
+        <a:font script="Sora" typeface="Nirmala UI"/>
+        <a:font script="Tale" typeface="Microsoft Tai Le"/>
+        <a:font script="Talu" typeface="Microsoft New Tai Lue"/>
+        <a:font script="Tfng" typeface="Ebrima"/>
+      </a:majorFont>
+      <a:minorFont>
+        <a:latin typeface="Aptos" panose="02110004020202020204"/>
+        <a:ea typeface=""/>
+        <a:cs typeface=""/>
+        <a:font script="Jpan" typeface="游ゴシック"/>
+        <a:font script="Hang" typeface="맑은 고딕"/>
+        <a:font script="Hans" typeface="等线"/>
+        <a:font script="Hant" typeface="新細明體"/>
+        <a:font script="Arab" typeface="Arial"/>
+        <a:font script="Hebr" typeface="Arial"/>
+        <a:font script="Thai" typeface="Cordia New"/>
+        <a:font script="Ethi" typeface="Nyala"/>
+        <a:font script="Beng" typeface="Vrinda"/>
+        <a:font script="Gujr" typeface="Shruti"/>
+        <a:font script="Khmr" typeface="DaunPenh"/>
+        <a:font script="Knda" typeface="Tunga"/>
+        <a:font script="Guru" typeface="Raavi"/>
+        <a:font script="Cans" typeface="Euphemia"/>
+        <a:font script="Cher" typeface="Plantagenet Cherokee"/>
+        <a:font script="Yiii" typeface="Microsoft Yi Baiti"/>
+        <a:font script="Tibt" typeface="Microsoft Himalaya"/>
+        <a:font script="Thaa" typeface="MV Boli"/>
+        <a:font script="Deva" typeface="Mangal"/>
+        <a:font script="Telu" typeface="Gautami"/>
+        <a:font script="Taml" typeface="Latha"/>
+        <a:font script="Syrc" typeface="Estrangelo Edessa"/>
+        <a:font script="Orya" typeface="Kalinga"/>
+        <a:font script="Mlym" typeface="Kartika"/>
+        <a:font script="Laoo" typeface="DokChampa"/>
+        <a:font script="Sinh" typeface="Iskoola Pota"/>
+        <a:font script="Mong" typeface="Mongolian Baiti"/>
+        <a:font script="Viet" typeface="Arial"/>
+        <a:font script="Uigh" typeface="Microsoft Uighur"/>
+        <a:font script="Geor" typeface="Sylfaen"/>
+        <a:font script="Armn" typeface="Arial"/>
+        <a:font script="Bugi" typeface="Leelawadee UI"/>
+        <a:font script="Bopo" typeface="Microsoft JhengHei"/>
+        <a:font script="Java" typeface="Javanese Text"/>
+        <a:font script="Lisu" typeface="Segoe UI"/>
+        <a:font script="Mymr" typeface="Myanmar Text"/>
+        <a:font script="Nkoo" typeface="Ebrima"/>
+        <a:font script="Olck" typeface="Nirmala UI"/>
+        <a:font script="Osma" typeface="Ebrima"/>
+        <a:font script="Phag" typeface="Phagspa"/>
+        <a:font script="Syrn" typeface="Estrangelo Edessa"/>
+        <a:font script="Syrj" typeface="Estrangelo Edessa"/>
+        <a:font script="Syre" typeface="Estrangelo Edessa"/>
+        <a:font script="Sora" typeface="Nirmala UI"/>
+        <a:font script="Tale" typeface="Microsoft Tai Le"/>
+        <a:font script="Talu" typeface="Microsoft New Tai Lue"/>
+        <a:font script="Tfng" typeface="Ebrima"/>
+      </a:minorFont>
+    </a:fontScheme>
+    <a:fmtScheme name="Office">
+      <a:fillStyleLst>
+        <a:solidFill>
+          <a:schemeClr val="phClr"/>
+        </a:solidFill>
+        <a:gradFill rotWithShape="1">
+          <a:gsLst>
+            <a:gs pos="0">
+              <a:schemeClr val="phClr">
+                <a:lumMod val="110000"/>
+                <a:satMod val="105000"/>
+                <a:tint val="67000"/>
+              </a:schemeClr>
+            </a:gs>
+            <a:gs pos="50000">
+              <a:schemeClr val="phClr">
+                <a:lumMod val="105000"/>
+                <a:satMod val="103000"/>
+                <a:tint val="73000"/>
+              </a:schemeClr>
+            </a:gs>
+            <a:gs pos="100000">
+              <a:schemeClr val="phClr">
+                <a:lumMod val="105000"/>
+                <a:satMod val="109000"/>
+                <a:tint val="81000"/>
+              </a:schemeClr>
+            </a:gs>
+          </a:gsLst>
+          <a:lin ang="5400000" scaled="0"/>
+        </a:gradFill>
+        <a:gradFill rotWithShape="1">
+          <a:gsLst>
+            <a:gs pos="0">
+              <a:schemeClr val="phClr">
+                <a:satMod val="103000"/>
+                <a:lumMod val="102000"/>
+                <a:tint val="94000"/>
+              </a:schemeClr>
+            </a:gs>
+            <a:gs pos="50000">
+              <a:schemeClr val="phClr">
+                <a:satMod val="110000"/>
+                <a:lumMod val="100000"/>
+                <a:shade val="100000"/>
+              </a:schemeClr>
+            </a:gs>
+            <a:gs pos="100000">
+              <a:schemeClr val="phClr">
+                <a:lumMod val="99000"/>
+                <a:satMod val="120000"/>
+                <a:shade val="78000"/>
+              </a:schemeClr>
+            </a:gs>
+          </a:gsLst>
+          <a:lin ang="5400000" scaled="0"/>
+        </a:gradFill>
+      </a:fillStyleLst>
+      <a:lnStyleLst>
+        <a:ln w="12700" cap="flat" cmpd="sng" algn="ctr">
+          <a:solidFill>
+            <a:schemeClr val="phClr"/>
+          </a:solidFill>
+          <a:prstDash val="solid"/>
+          <a:miter lim="800000"/>
+        </a:ln>
+        <a:ln w="19050" cap="flat" cmpd="sng" algn="ctr">
+          <a:solidFill>
+            <a:schemeClr val="phClr"/>
+          </a:solidFill>
+          <a:prstDash val="solid"/>
+          <a:miter lim="800000"/>
+        </a:ln>
+        <a:ln w="25400" cap="flat" cmpd="sng" algn="ctr">
+          <a:solidFill>
+            <a:schemeClr val="phClr"/>
+          </a:solidFill>
+          <a:prstDash val="solid"/>
+          <a:miter lim="800000"/>
+        </a:ln>
+      </a:lnStyleLst>
+      <a:effectStyleLst>
+        <a:effectStyle>
+          <a:effectLst/>
+        </a:effectStyle>
+        <a:effectStyle>
+          <a:effectLst/>
+        </a:effectStyle>
+        <a:effectStyle>
+          <a:effectLst>
+            <a:outerShdw blurRad="57150" dist="19050" dir="5400000" algn="ctr" rotWithShape="0">
+              <a:srgbClr val="000000">
+                <a:alpha val="63000"/>
+              </a:srgbClr>
+            </a:outerShdw>
+          </a:effectLst>
+        </a:effectStyle>
+      </a:effectStyleLst>
+      <a:bgFillStyleLst>
+        <a:solidFill>
+          <a:schemeClr val="phClr"/>
+        </a:solidFill>
+        <a:solidFill>
+          <a:schemeClr val="phClr">
+            <a:tint val="95000"/>
+            <a:satMod val="170000"/>
+          </a:schemeClr>
+        </a:solidFill>
+        <a:gradFill rotWithShape="1">
+          <a:gsLst>
+            <a:gs pos="0">
+              <a:schemeClr val="phClr">
+                <a:tint val="93000"/>
+                <a:satMod val="150000"/>
+                <a:shade val="98000"/>
+                <a:lumMod val="102000"/>
+              </a:schemeClr>
+            </a:gs>
+            <a:gs pos="50000">
+              <a:schemeClr val="phClr">
+                <a:tint val="98000"/>
+                <a:satMod val="130000"/>
+                <a:shade val="90000"/>
+                <a:lumMod val="103000"/>
+              </a:schemeClr>
+            </a:gs>
+            <a:gs pos="100000">
+              <a:schemeClr val="phClr">
+                <a:shade val="63000"/>
+                <a:satMod val="120000"/>
+              </a:schemeClr>
+            </a:gs>
+          </a:gsLst>
+          <a:lin ang="5400000" scaled="0"/>
+        </a:gradFill>
+      </a:bgFillStyleLst>
+    </a:fmtScheme>
+  </a:themeElements>
+  <a:objectDefaults>
+    <a:lnDef>
+      <a:spPr/>
+      <a:bodyPr/>
+      <a:lstStyle/>
+      <a:style>
+        <a:lnRef idx="2">
+          <a:schemeClr val="accent1"/>
+        </a:lnRef>
+        <a:fillRef idx="0">
+          <a:schemeClr val="accent1"/>
+        </a:fillRef>
+        <a:effectRef idx="1">
+          <a:schemeClr val="accent1"/>
+        </a:effectRef>
+        <a:fontRef idx="minor">
+          <a:schemeClr val="tx1"/>
+        </a:fontRef>
+      </a:style>
+    </a:lnDef>
+  </a:objectDefaults>
+  <a:extraClrSchemeLst/>
+  <a:extLst>
+    <a:ext uri="{05A4C25C-085E-4340-85A3-A5531E510DB2}">
+      <thm15:themeFamily xmlns:thm15="http://schemas.microsoft.com/office/thememl/2012/main" name="Office Theme" id="{2E142A2C-CD16-42D6-873A-C26D2A0506FA}" vid="{1BDDFF52-6CD6-40A5-AB3C-68EB2F1E4D0A}"/>
+    </a:ext>
+  </a:extLst>
+</a:theme>
 </file>
--- a/Présentation.pptx
+++ b/Présentation.pptx
@@ -1332,7 +1332,7 @@
         </a:prstGeom>
         <a:solidFill>
           <a:schemeClr val="accent2">
-            <a:hueOff val="4295742"/>
+            <a:hueOff val="4295743"/>
             <a:satOff val="-12329"/>
             <a:lumOff val="-19739"/>
             <a:alphaOff val="0"/>
@@ -1411,7 +1411,7 @@
         </a:prstGeom>
         <a:solidFill>
           <a:schemeClr val="accent2">
-            <a:hueOff val="6443612"/>
+            <a:hueOff val="6443614"/>
             <a:satOff val="-18493"/>
             <a:lumOff val="-29609"/>
             <a:alphaOff val="0"/>
@@ -8965,36 +8965,6 @@
           </a:p>
         </p:txBody>
       </p:sp>
-      <p:pic>
-        <p:nvPicPr>
-          <p:cNvPr id="9" name="Image 8">
-            <a:extLst>
-              <a:ext uri="{FF2B5EF4-FFF2-40B4-BE49-F238E27FC236}">
-                <a16:creationId xmlns:a16="http://schemas.microsoft.com/office/drawing/2014/main" id="{8A4CD8BC-06BC-899B-9A70-EF00B2CF11F9}"/>
-              </a:ext>
-            </a:extLst>
-          </p:cNvPr>
-          <p:cNvPicPr>
-            <a:picLocks noChangeAspect="1"/>
-          </p:cNvPicPr>
-          <p:nvPr/>
-        </p:nvPicPr>
-        <p:blipFill>
-          <a:blip r:embed="rId2"/>
-          <a:stretch>
-            <a:fillRect/>
-          </a:stretch>
-        </p:blipFill>
-        <p:spPr>
-          <a:xfrm>
-            <a:off x="0" y="307206"/>
-            <a:ext cx="12192000" cy="6243587"/>
-          </a:xfrm>
-          <a:prstGeom prst="rect">
-            <a:avLst/>
-          </a:prstGeom>
-        </p:spPr>
-      </p:pic>
     </p:spTree>
     <p:extLst>
       <p:ext uri="{BB962C8B-B14F-4D97-AF65-F5344CB8AC3E}">
@@ -9075,6 +9045,36 @@
           </a:p>
         </p:txBody>
       </p:sp>
+      <p:pic>
+        <p:nvPicPr>
+          <p:cNvPr id="5" name="Image 4">
+            <a:extLst>
+              <a:ext uri="{FF2B5EF4-FFF2-40B4-BE49-F238E27FC236}">
+                <a16:creationId xmlns:a16="http://schemas.microsoft.com/office/drawing/2014/main" id="{ACBC871E-1854-9DF0-D78A-B5E195BD24FC}"/>
+              </a:ext>
+            </a:extLst>
+          </p:cNvPr>
+          <p:cNvPicPr>
+            <a:picLocks noChangeAspect="1"/>
+          </p:cNvPicPr>
+          <p:nvPr/>
+        </p:nvPicPr>
+        <p:blipFill>
+          <a:blip r:embed="rId2"/>
+          <a:stretch>
+            <a:fillRect/>
+          </a:stretch>
+        </p:blipFill>
+        <p:spPr>
+          <a:xfrm>
+            <a:off x="0" y="305957"/>
+            <a:ext cx="12192000" cy="6246085"/>
+          </a:xfrm>
+          <a:prstGeom prst="rect">
+            <a:avLst/>
+          </a:prstGeom>
+        </p:spPr>
+      </p:pic>
     </p:spTree>
     <p:extLst>
       <p:ext uri="{BB962C8B-B14F-4D97-AF65-F5344CB8AC3E}">

--- a/Présentation.pptx
+++ b/Présentation.pptx
@@ -9047,10 +9047,10 @@
       </p:sp>
       <p:pic>
         <p:nvPicPr>
-          <p:cNvPr id="5" name="Image 4">
+          <p:cNvPr id="6" name="Image 5">
             <a:extLst>
               <a:ext uri="{FF2B5EF4-FFF2-40B4-BE49-F238E27FC236}">
-                <a16:creationId xmlns:a16="http://schemas.microsoft.com/office/drawing/2014/main" id="{ACBC871E-1854-9DF0-D78A-B5E195BD24FC}"/>
+                <a16:creationId xmlns:a16="http://schemas.microsoft.com/office/drawing/2014/main" id="{DB7DD6AC-1A56-07BE-01C3-1A77A3065929}"/>
               </a:ext>
             </a:extLst>
           </p:cNvPr>
@@ -9067,8 +9067,8 @@
         </p:blipFill>
         <p:spPr>
           <a:xfrm>
-            <a:off x="0" y="305957"/>
-            <a:ext cx="12192000" cy="6246085"/>
+            <a:off x="0" y="317871"/>
+            <a:ext cx="12192000" cy="6222258"/>
           </a:xfrm>
           <a:prstGeom prst="rect">
             <a:avLst/>

--- a/Présentation.pptx
+++ b/Présentation.pptx
@@ -8830,37 +8830,12 @@
           <a:chExt cx="0" cy="0"/>
         </a:xfrm>
       </p:grpSpPr>
-      <p:sp>
-        <p:nvSpPr>
-          <p:cNvPr id="10" name="Espace réservé du contenu 9">
+      <p:pic>
+        <p:nvPicPr>
+          <p:cNvPr id="2" name="Image 1">
             <a:extLst>
               <a:ext uri="{FF2B5EF4-FFF2-40B4-BE49-F238E27FC236}">
-                <a16:creationId xmlns:a16="http://schemas.microsoft.com/office/drawing/2014/main" id="{94F95A54-1484-79E0-68D7-74BA4AFD8FFF}"/>
-              </a:ext>
-            </a:extLst>
-          </p:cNvPr>
-          <p:cNvSpPr>
-            <a:spLocks noGrp="1"/>
-          </p:cNvSpPr>
-          <p:nvPr>
-            <p:ph idx="1"/>
-          </p:nvPr>
-        </p:nvSpPr>
-        <p:spPr/>
-        <p:txBody>
-          <a:bodyPr/>
-          <a:lstStyle/>
-          <a:p>
-            <a:endParaRPr lang="fr-FR"/>
-          </a:p>
-        </p:txBody>
-      </p:sp>
-      <p:pic>
-        <p:nvPicPr>
-          <p:cNvPr id="11" name="Image 10">
-            <a:extLst>
-              <a:ext uri="{FF2B5EF4-FFF2-40B4-BE49-F238E27FC236}">
-                <a16:creationId xmlns:a16="http://schemas.microsoft.com/office/drawing/2014/main" id="{E95ABC50-B16D-B5E5-6F2A-46EB67772727}"/>
+                <a16:creationId xmlns:a16="http://schemas.microsoft.com/office/drawing/2014/main" id="{F834D3E3-086B-654A-21DE-60E0B9B26AC0}"/>
               </a:ext>
             </a:extLst>
           </p:cNvPr>
@@ -8877,8 +8852,8 @@
         </p:blipFill>
         <p:spPr>
           <a:xfrm>
-            <a:off x="170687" y="116931"/>
-            <a:ext cx="12151331" cy="6624137"/>
+            <a:off x="1426131" y="-4169"/>
+            <a:ext cx="8798523" cy="6862169"/>
           </a:xfrm>
           <a:prstGeom prst="rect">
             <a:avLst/>

--- a/Présentation.pptx
+++ b/Présentation.pptx
@@ -1332,7 +1332,7 @@
         </a:prstGeom>
         <a:solidFill>
           <a:schemeClr val="accent2">
-            <a:hueOff val="4295742"/>
+            <a:hueOff val="4295743"/>
             <a:satOff val="-12329"/>
             <a:lumOff val="-19739"/>
             <a:alphaOff val="0"/>
@@ -1411,7 +1411,7 @@
         </a:prstGeom>
         <a:solidFill>
           <a:schemeClr val="accent2">
-            <a:hueOff val="6443612"/>
+            <a:hueOff val="6443614"/>
             <a:satOff val="-18493"/>
             <a:lumOff val="-29609"/>
             <a:alphaOff val="0"/>
@@ -8832,10 +8832,10 @@
       </p:grpSpPr>
       <p:pic>
         <p:nvPicPr>
-          <p:cNvPr id="2" name="Image 1">
+          <p:cNvPr id="4" name="Image 3">
             <a:extLst>
               <a:ext uri="{FF2B5EF4-FFF2-40B4-BE49-F238E27FC236}">
-                <a16:creationId xmlns:a16="http://schemas.microsoft.com/office/drawing/2014/main" id="{F834D3E3-086B-654A-21DE-60E0B9B26AC0}"/>
+                <a16:creationId xmlns:a16="http://schemas.microsoft.com/office/drawing/2014/main" id="{34113C02-529D-AE1E-769B-663490A218A1}"/>
               </a:ext>
             </a:extLst>
           </p:cNvPr>
@@ -8852,8 +8852,8 @@
         </p:blipFill>
         <p:spPr>
           <a:xfrm>
-            <a:off x="1426131" y="-4169"/>
-            <a:ext cx="8798523" cy="6862169"/>
+            <a:off x="0" y="291447"/>
+            <a:ext cx="12192000" cy="6275106"/>
           </a:xfrm>
           <a:prstGeom prst="rect">
             <a:avLst/>

--- a/Présentation.pptx
+++ b/Présentation.pptx
@@ -13,8 +13,8 @@
     <p:sldId id="263" r:id="rId4"/>
     <p:sldId id="265" r:id="rId5"/>
     <p:sldId id="261" r:id="rId6"/>
-    <p:sldId id="259" r:id="rId7"/>
-    <p:sldId id="260" r:id="rId8"/>
+    <p:sldId id="260" r:id="rId7"/>
+    <p:sldId id="259" r:id="rId8"/>
   </p:sldIdLst>
   <p:sldSz cx="12192000" cy="6858000"/>
   <p:notesSz cx="6858000" cy="9144000"/>
@@ -8895,7 +8895,7 @@
           <p:cNvPr id="2" name="Titre 1">
             <a:extLst>
               <a:ext uri="{FF2B5EF4-FFF2-40B4-BE49-F238E27FC236}">
-                <a16:creationId xmlns:a16="http://schemas.microsoft.com/office/drawing/2014/main" id="{DCFFB17A-AFCF-F5FA-E5CA-F6312A62D188}"/>
+                <a16:creationId xmlns:a16="http://schemas.microsoft.com/office/drawing/2014/main" id="{9CD3FF48-329A-BCE0-AA71-4C150C5B16A7}"/>
               </a:ext>
             </a:extLst>
           </p:cNvPr>
@@ -8920,7 +8920,7 @@
           <p:cNvPr id="3" name="Espace réservé du contenu 2">
             <a:extLst>
               <a:ext uri="{FF2B5EF4-FFF2-40B4-BE49-F238E27FC236}">
-                <a16:creationId xmlns:a16="http://schemas.microsoft.com/office/drawing/2014/main" id="{45A43919-B10E-3C8C-00F9-8AE8E5CC8C7C}"/>
+                <a16:creationId xmlns:a16="http://schemas.microsoft.com/office/drawing/2014/main" id="{C43B07D0-D20D-5BCC-2EDC-3E9F1BAB103C}"/>
               </a:ext>
             </a:extLst>
           </p:cNvPr>
@@ -8940,40 +8940,10 @@
           </a:p>
         </p:txBody>
       </p:sp>
-      <p:pic>
-        <p:nvPicPr>
-          <p:cNvPr id="9" name="Image 8">
-            <a:extLst>
-              <a:ext uri="{FF2B5EF4-FFF2-40B4-BE49-F238E27FC236}">
-                <a16:creationId xmlns:a16="http://schemas.microsoft.com/office/drawing/2014/main" id="{8A4CD8BC-06BC-899B-9A70-EF00B2CF11F9}"/>
-              </a:ext>
-            </a:extLst>
-          </p:cNvPr>
-          <p:cNvPicPr>
-            <a:picLocks noChangeAspect="1"/>
-          </p:cNvPicPr>
-          <p:nvPr/>
-        </p:nvPicPr>
-        <p:blipFill>
-          <a:blip r:embed="rId2"/>
-          <a:stretch>
-            <a:fillRect/>
-          </a:stretch>
-        </p:blipFill>
-        <p:spPr>
-          <a:xfrm>
-            <a:off x="0" y="307206"/>
-            <a:ext cx="12192000" cy="6243587"/>
-          </a:xfrm>
-          <a:prstGeom prst="rect">
-            <a:avLst/>
-          </a:prstGeom>
-        </p:spPr>
-      </p:pic>
     </p:spTree>
     <p:extLst>
       <p:ext uri="{BB962C8B-B14F-4D97-AF65-F5344CB8AC3E}">
-        <p14:creationId xmlns:p14="http://schemas.microsoft.com/office/powerpoint/2010/main" val="3677155598"/>
+        <p14:creationId xmlns:p14="http://schemas.microsoft.com/office/powerpoint/2010/main" val="68339267"/>
       </p:ext>
     </p:extLst>
   </p:cSld>
@@ -9005,7 +8975,7 @@
           <p:cNvPr id="2" name="Titre 1">
             <a:extLst>
               <a:ext uri="{FF2B5EF4-FFF2-40B4-BE49-F238E27FC236}">
-                <a16:creationId xmlns:a16="http://schemas.microsoft.com/office/drawing/2014/main" id="{9CD3FF48-329A-BCE0-AA71-4C150C5B16A7}"/>
+                <a16:creationId xmlns:a16="http://schemas.microsoft.com/office/drawing/2014/main" id="{DCFFB17A-AFCF-F5FA-E5CA-F6312A62D188}"/>
               </a:ext>
             </a:extLst>
           </p:cNvPr>
@@ -9030,7 +9000,7 @@
           <p:cNvPr id="3" name="Espace réservé du contenu 2">
             <a:extLst>
               <a:ext uri="{FF2B5EF4-FFF2-40B4-BE49-F238E27FC236}">
-                <a16:creationId xmlns:a16="http://schemas.microsoft.com/office/drawing/2014/main" id="{C43B07D0-D20D-5BCC-2EDC-3E9F1BAB103C}"/>
+                <a16:creationId xmlns:a16="http://schemas.microsoft.com/office/drawing/2014/main" id="{45A43919-B10E-3C8C-00F9-8AE8E5CC8C7C}"/>
               </a:ext>
             </a:extLst>
           </p:cNvPr>
@@ -9050,10 +9020,40 @@
           </a:p>
         </p:txBody>
       </p:sp>
+      <p:pic>
+        <p:nvPicPr>
+          <p:cNvPr id="5" name="Image 4">
+            <a:extLst>
+              <a:ext uri="{FF2B5EF4-FFF2-40B4-BE49-F238E27FC236}">
+                <a16:creationId xmlns:a16="http://schemas.microsoft.com/office/drawing/2014/main" id="{E6C0A38D-7604-9C5B-FFF6-E148CFC2560C}"/>
+              </a:ext>
+            </a:extLst>
+          </p:cNvPr>
+          <p:cNvPicPr>
+            <a:picLocks noChangeAspect="1"/>
+          </p:cNvPicPr>
+          <p:nvPr/>
+        </p:nvPicPr>
+        <p:blipFill>
+          <a:blip r:embed="rId2"/>
+          <a:stretch>
+            <a:fillRect/>
+          </a:stretch>
+        </p:blipFill>
+        <p:spPr>
+          <a:xfrm>
+            <a:off x="0" y="300279"/>
+            <a:ext cx="12192000" cy="6257441"/>
+          </a:xfrm>
+          <a:prstGeom prst="rect">
+            <a:avLst/>
+          </a:prstGeom>
+        </p:spPr>
+      </p:pic>
     </p:spTree>
     <p:extLst>
       <p:ext uri="{BB962C8B-B14F-4D97-AF65-F5344CB8AC3E}">
-        <p14:creationId xmlns:p14="http://schemas.microsoft.com/office/powerpoint/2010/main" val="68339267"/>
+        <p14:creationId xmlns:p14="http://schemas.microsoft.com/office/powerpoint/2010/main" val="3677155598"/>
       </p:ext>
     </p:extLst>
   </p:cSld>

--- a/Présentation.pptx
+++ b/Présentation.pptx
@@ -9022,10 +9022,10 @@
       </p:sp>
       <p:pic>
         <p:nvPicPr>
-          <p:cNvPr id="5" name="Image 4">
+          <p:cNvPr id="6" name="Image 5">
             <a:extLst>
               <a:ext uri="{FF2B5EF4-FFF2-40B4-BE49-F238E27FC236}">
-                <a16:creationId xmlns:a16="http://schemas.microsoft.com/office/drawing/2014/main" id="{E6C0A38D-7604-9C5B-FFF6-E148CFC2560C}"/>
+                <a16:creationId xmlns:a16="http://schemas.microsoft.com/office/drawing/2014/main" id="{0D291B9F-8D7E-6BEF-7A30-D48293C41AC8}"/>
               </a:ext>
             </a:extLst>
           </p:cNvPr>
@@ -9042,8 +9042,8 @@
         </p:blipFill>
         <p:spPr>
           <a:xfrm>
-            <a:off x="0" y="300279"/>
-            <a:ext cx="12192000" cy="6257441"/>
+            <a:off x="0" y="292629"/>
+            <a:ext cx="12192000" cy="6272742"/>
           </a:xfrm>
           <a:prstGeom prst="rect">
             <a:avLst/>
